--- a/theory_05-http/theory_05-http.pptx
+++ b/theory_05-http/theory_05-http.pptx
@@ -5,7 +5,7 @@
     <p:sldMasterId id="2147483648" r:id="rId1"/>
   </p:sldMasterIdLst>
   <p:notesMasterIdLst>
-    <p:notesMasterId r:id="rId35"/>
+    <p:notesMasterId r:id="rId40"/>
   </p:notesMasterIdLst>
   <p:sldIdLst>
     <p:sldId id="256" r:id="rId2"/>
@@ -30,17 +30,22 @@
     <p:sldId id="301" r:id="rId21"/>
     <p:sldId id="271" r:id="rId22"/>
     <p:sldId id="289" r:id="rId23"/>
-    <p:sldId id="290" r:id="rId24"/>
-    <p:sldId id="291" r:id="rId25"/>
-    <p:sldId id="292" r:id="rId26"/>
-    <p:sldId id="293" r:id="rId27"/>
-    <p:sldId id="296" r:id="rId28"/>
-    <p:sldId id="297" r:id="rId29"/>
-    <p:sldId id="294" r:id="rId30"/>
-    <p:sldId id="273" r:id="rId31"/>
-    <p:sldId id="272" r:id="rId32"/>
-    <p:sldId id="295" r:id="rId33"/>
-    <p:sldId id="302" r:id="rId34"/>
+    <p:sldId id="292" r:id="rId24"/>
+    <p:sldId id="293" r:id="rId25"/>
+    <p:sldId id="296" r:id="rId26"/>
+    <p:sldId id="297" r:id="rId27"/>
+    <p:sldId id="294" r:id="rId28"/>
+    <p:sldId id="273" r:id="rId29"/>
+    <p:sldId id="272" r:id="rId30"/>
+    <p:sldId id="295" r:id="rId31"/>
+    <p:sldId id="304" r:id="rId32"/>
+    <p:sldId id="306" r:id="rId33"/>
+    <p:sldId id="308" r:id="rId34"/>
+    <p:sldId id="309" r:id="rId35"/>
+    <p:sldId id="310" r:id="rId36"/>
+    <p:sldId id="311" r:id="rId37"/>
+    <p:sldId id="312" r:id="rId38"/>
+    <p:sldId id="302" r:id="rId39"/>
   </p:sldIdLst>
   <p:sldSz cx="12192000" cy="6858000"/>
   <p:notesSz cx="6858000" cy="9144000"/>
@@ -229,7 +234,7 @@
           <a:p>
             <a:fld id="{19630131-546D-4C3D-A834-ED891C14EF89}" type="datetimeFigureOut">
               <a:rPr lang="en-GB" smtClean="0"/>
-              <a:t>02/02/2024</a:t>
+              <a:t>16/02/2024</a:t>
             </a:fld>
             <a:endParaRPr lang="en-GB"/>
           </a:p>
@@ -907,7 +912,7 @@
     </p:spTree>
     <p:extLst>
       <p:ext uri="{BB962C8B-B14F-4D97-AF65-F5344CB8AC3E}">
-        <p14:creationId xmlns:p14="http://schemas.microsoft.com/office/powerpoint/2010/main" val="4163521165"/>
+        <p14:creationId xmlns:p14="http://schemas.microsoft.com/office/powerpoint/2010/main" val="2286591337"/>
       </p:ext>
     </p:extLst>
   </p:cSld>
@@ -991,7 +996,7 @@
     </p:spTree>
     <p:extLst>
       <p:ext uri="{BB962C8B-B14F-4D97-AF65-F5344CB8AC3E}">
-        <p14:creationId xmlns:p14="http://schemas.microsoft.com/office/powerpoint/2010/main" val="2100543639"/>
+        <p14:creationId xmlns:p14="http://schemas.microsoft.com/office/powerpoint/2010/main" val="3244903835"/>
       </p:ext>
     </p:extLst>
   </p:cSld>
@@ -1075,7 +1080,7 @@
     </p:spTree>
     <p:extLst>
       <p:ext uri="{BB962C8B-B14F-4D97-AF65-F5344CB8AC3E}">
-        <p14:creationId xmlns:p14="http://schemas.microsoft.com/office/powerpoint/2010/main" val="2286591337"/>
+        <p14:creationId xmlns:p14="http://schemas.microsoft.com/office/powerpoint/2010/main" val="191650378"/>
       </p:ext>
     </p:extLst>
   </p:cSld>
@@ -1159,7 +1164,7 @@
     </p:spTree>
     <p:extLst>
       <p:ext uri="{BB962C8B-B14F-4D97-AF65-F5344CB8AC3E}">
-        <p14:creationId xmlns:p14="http://schemas.microsoft.com/office/powerpoint/2010/main" val="3244903835"/>
+        <p14:creationId xmlns:p14="http://schemas.microsoft.com/office/powerpoint/2010/main" val="68078027"/>
       </p:ext>
     </p:extLst>
   </p:cSld>
@@ -1243,7 +1248,7 @@
     </p:spTree>
     <p:extLst>
       <p:ext uri="{BB962C8B-B14F-4D97-AF65-F5344CB8AC3E}">
-        <p14:creationId xmlns:p14="http://schemas.microsoft.com/office/powerpoint/2010/main" val="191650378"/>
+        <p14:creationId xmlns:p14="http://schemas.microsoft.com/office/powerpoint/2010/main" val="681812873"/>
       </p:ext>
     </p:extLst>
   </p:cSld>
@@ -1327,7 +1332,7 @@
     </p:spTree>
     <p:extLst>
       <p:ext uri="{BB962C8B-B14F-4D97-AF65-F5344CB8AC3E}">
-        <p14:creationId xmlns:p14="http://schemas.microsoft.com/office/powerpoint/2010/main" val="68078027"/>
+        <p14:creationId xmlns:p14="http://schemas.microsoft.com/office/powerpoint/2010/main" val="467592038"/>
       </p:ext>
     </p:extLst>
   </p:cSld>
@@ -1411,7 +1416,7 @@
     </p:spTree>
     <p:extLst>
       <p:ext uri="{BB962C8B-B14F-4D97-AF65-F5344CB8AC3E}">
-        <p14:creationId xmlns:p14="http://schemas.microsoft.com/office/powerpoint/2010/main" val="681812873"/>
+        <p14:creationId xmlns:p14="http://schemas.microsoft.com/office/powerpoint/2010/main" val="3068843471"/>
       </p:ext>
     </p:extLst>
   </p:cSld>
@@ -1496,174 +1501,6 @@
     <p:extLst>
       <p:ext uri="{BB962C8B-B14F-4D97-AF65-F5344CB8AC3E}">
         <p14:creationId xmlns:p14="http://schemas.microsoft.com/office/powerpoint/2010/main" val="473125215"/>
-      </p:ext>
-    </p:extLst>
-  </p:cSld>
-  <p:clrMapOvr>
-    <a:masterClrMapping/>
-  </p:clrMapOvr>
-</p:notes>
-</file>
-
-<file path=ppt/notesSlides/notesSlide20.xml><?xml version="1.0" encoding="utf-8"?>
-<p:notes xmlns:a="http://schemas.openxmlformats.org/drawingml/2006/main" xmlns:r="http://schemas.openxmlformats.org/officeDocument/2006/relationships" xmlns:p="http://schemas.openxmlformats.org/presentationml/2006/main">
-  <p:cSld>
-    <p:spTree>
-      <p:nvGrpSpPr>
-        <p:cNvPr id="1" name=""/>
-        <p:cNvGrpSpPr/>
-        <p:nvPr/>
-      </p:nvGrpSpPr>
-      <p:grpSpPr>
-        <a:xfrm>
-          <a:off x="0" y="0"/>
-          <a:ext cx="0" cy="0"/>
-          <a:chOff x="0" y="0"/>
-          <a:chExt cx="0" cy="0"/>
-        </a:xfrm>
-      </p:grpSpPr>
-      <p:sp>
-        <p:nvSpPr>
-          <p:cNvPr id="2" name="Segnaposto immagine diapositiva 1"/>
-          <p:cNvSpPr>
-            <a:spLocks noGrp="1" noRot="1" noChangeAspect="1"/>
-          </p:cNvSpPr>
-          <p:nvPr>
-            <p:ph type="sldImg"/>
-          </p:nvPr>
-        </p:nvSpPr>
-        <p:spPr/>
-      </p:sp>
-      <p:sp>
-        <p:nvSpPr>
-          <p:cNvPr id="3" name="Segnaposto note 2"/>
-          <p:cNvSpPr>
-            <a:spLocks noGrp="1"/>
-          </p:cNvSpPr>
-          <p:nvPr>
-            <p:ph type="body" idx="1"/>
-          </p:nvPr>
-        </p:nvSpPr>
-        <p:spPr/>
-        <p:txBody>
-          <a:bodyPr/>
-          <a:lstStyle/>
-          <a:p>
-            <a:endParaRPr lang="en-GB" dirty="0"/>
-          </a:p>
-        </p:txBody>
-      </p:sp>
-      <p:sp>
-        <p:nvSpPr>
-          <p:cNvPr id="4" name="Segnaposto numero diapositiva 3"/>
-          <p:cNvSpPr>
-            <a:spLocks noGrp="1"/>
-          </p:cNvSpPr>
-          <p:nvPr>
-            <p:ph type="sldNum" sz="quarter" idx="10"/>
-          </p:nvPr>
-        </p:nvSpPr>
-        <p:spPr/>
-        <p:txBody>
-          <a:bodyPr/>
-          <a:lstStyle/>
-          <a:p>
-            <a:fld id="{3452F5A9-226A-479A-BA7C-FE8E1E3031D5}" type="slidenum">
-              <a:rPr lang="en-GB" smtClean="0"/>
-              <a:t>30</a:t>
-            </a:fld>
-            <a:endParaRPr lang="en-GB"/>
-          </a:p>
-        </p:txBody>
-      </p:sp>
-    </p:spTree>
-    <p:extLst>
-      <p:ext uri="{BB962C8B-B14F-4D97-AF65-F5344CB8AC3E}">
-        <p14:creationId xmlns:p14="http://schemas.microsoft.com/office/powerpoint/2010/main" val="467592038"/>
-      </p:ext>
-    </p:extLst>
-  </p:cSld>
-  <p:clrMapOvr>
-    <a:masterClrMapping/>
-  </p:clrMapOvr>
-</p:notes>
-</file>
-
-<file path=ppt/notesSlides/notesSlide21.xml><?xml version="1.0" encoding="utf-8"?>
-<p:notes xmlns:a="http://schemas.openxmlformats.org/drawingml/2006/main" xmlns:r="http://schemas.openxmlformats.org/officeDocument/2006/relationships" xmlns:p="http://schemas.openxmlformats.org/presentationml/2006/main">
-  <p:cSld>
-    <p:spTree>
-      <p:nvGrpSpPr>
-        <p:cNvPr id="1" name=""/>
-        <p:cNvGrpSpPr/>
-        <p:nvPr/>
-      </p:nvGrpSpPr>
-      <p:grpSpPr>
-        <a:xfrm>
-          <a:off x="0" y="0"/>
-          <a:ext cx="0" cy="0"/>
-          <a:chOff x="0" y="0"/>
-          <a:chExt cx="0" cy="0"/>
-        </a:xfrm>
-      </p:grpSpPr>
-      <p:sp>
-        <p:nvSpPr>
-          <p:cNvPr id="2" name="Segnaposto immagine diapositiva 1"/>
-          <p:cNvSpPr>
-            <a:spLocks noGrp="1" noRot="1" noChangeAspect="1"/>
-          </p:cNvSpPr>
-          <p:nvPr>
-            <p:ph type="sldImg"/>
-          </p:nvPr>
-        </p:nvSpPr>
-        <p:spPr/>
-      </p:sp>
-      <p:sp>
-        <p:nvSpPr>
-          <p:cNvPr id="3" name="Segnaposto note 2"/>
-          <p:cNvSpPr>
-            <a:spLocks noGrp="1"/>
-          </p:cNvSpPr>
-          <p:nvPr>
-            <p:ph type="body" idx="1"/>
-          </p:nvPr>
-        </p:nvSpPr>
-        <p:spPr/>
-        <p:txBody>
-          <a:bodyPr/>
-          <a:lstStyle/>
-          <a:p>
-            <a:endParaRPr lang="en-GB" dirty="0"/>
-          </a:p>
-        </p:txBody>
-      </p:sp>
-      <p:sp>
-        <p:nvSpPr>
-          <p:cNvPr id="4" name="Segnaposto numero diapositiva 3"/>
-          <p:cNvSpPr>
-            <a:spLocks noGrp="1"/>
-          </p:cNvSpPr>
-          <p:nvPr>
-            <p:ph type="sldNum" sz="quarter" idx="10"/>
-          </p:nvPr>
-        </p:nvSpPr>
-        <p:spPr/>
-        <p:txBody>
-          <a:bodyPr/>
-          <a:lstStyle/>
-          <a:p>
-            <a:fld id="{3452F5A9-226A-479A-BA7C-FE8E1E3031D5}" type="slidenum">
-              <a:rPr lang="en-GB" smtClean="0"/>
-              <a:t>31</a:t>
-            </a:fld>
-            <a:endParaRPr lang="en-GB"/>
-          </a:p>
-        </p:txBody>
-      </p:sp>
-    </p:spTree>
-    <p:extLst>
-      <p:ext uri="{BB962C8B-B14F-4D97-AF65-F5344CB8AC3E}">
-        <p14:creationId xmlns:p14="http://schemas.microsoft.com/office/powerpoint/2010/main" val="3068843471"/>
       </p:ext>
     </p:extLst>
   </p:cSld>
@@ -4656,20 +4493,8 @@
               <a:t>: </a:t>
             </a:r>
             <a:r>
-              <a:rPr lang="it-IT" sz="2200" dirty="0" err="1"/>
-              <a:t>It</a:t>
-            </a:r>
-            <a:r>
-              <a:rPr lang="it-IT" sz="2200" dirty="0"/>
-              <a:t> </a:t>
-            </a:r>
-            <a:r>
-              <a:rPr lang="it-IT" sz="2200" dirty="0" err="1"/>
-              <a:t>asks</a:t>
-            </a:r>
-            <a:r>
-              <a:rPr lang="it-IT" sz="2200" dirty="0"/>
-              <a:t> to upload data to a server. </a:t>
+              <a:rPr lang="en-US" dirty="0"/>
+              <a:t>Submits an entity to the specified resource. Can be used for creating a resource.</a:t>
             </a:r>
           </a:p>
           <a:p>
@@ -5124,7 +4949,7 @@
             </a:r>
             <a:r>
               <a:rPr lang="en-US" dirty="0"/>
-              <a:t>: it asks to write a content in the server to the specified URL. </a:t>
+              <a:t>: Replaces all current representations of the target resource with the request payload. Can be used for updating/modifying a resource.</a:t>
             </a:r>
           </a:p>
           <a:p>
@@ -5137,7 +4962,7 @@
             </a:r>
             <a:r>
               <a:rPr lang="en-US" dirty="0"/>
-              <a:t>: it asks to delete the content in the server at the specified URL.</a:t>
+              <a:t>: Deletes a resource.</a:t>
             </a:r>
           </a:p>
           <a:p>
@@ -5150,7 +4975,7 @@
             </a:r>
             <a:r>
               <a:rPr lang="en-US" dirty="0"/>
-              <a:t>: it requests that the target resource modifies its state according to the instructions defined in the request body.</a:t>
+              <a:t>: Applies partial modifications to a resource.</a:t>
             </a:r>
           </a:p>
           <a:p>
@@ -5171,7 +4996,7 @@
             </a:r>
             <a:r>
               <a:rPr lang="en-GB" dirty="0"/>
-              <a:t>it just asks for the message header, without the actual page. It can be used to collect information for indexing purposes, or to test a URL for validity.</a:t>
+              <a:t>it just asks for the message header, without the actual content. It can be used to collect information for indexing purposes, or to test a resource for validity.</a:t>
             </a:r>
           </a:p>
           <a:p>
@@ -5488,15 +5313,7 @@
             </a:r>
             <a:r>
               <a:rPr lang="en-US" sz="2400" dirty="0"/>
-              <a:t> If the request URL refers to an already existing resource, the </a:t>
-            </a:r>
-            <a:r>
-              <a:rPr lang="en-US" sz="2400"/>
-              <a:t>server replaces </a:t>
-            </a:r>
-            <a:r>
-              <a:rPr lang="en-US" sz="2400" dirty="0"/>
-              <a:t>the existing entity with the new enclosed entity. If the URL does not point to an existing resource, the server can create the resource with that URL.</a:t>
+              <a:t> If the request URL refers to an already existing resource, the server replaces the existing entity with the new enclosed entity. If the URL does not point to an existing resource, the server can create the resource with that URL.</a:t>
             </a:r>
           </a:p>
           <a:p>
@@ -5849,7 +5666,7 @@
             </a:r>
             <a:r>
               <a:rPr lang="en-US" dirty="0"/>
-              <a:t>: it queries the server for a page and obtain the methods and headers that can be used with that page.</a:t>
+              <a:t>: it queries the server for a resource and obtain the methods and headers that can be used with that resource.</a:t>
             </a:r>
           </a:p>
         </p:txBody>
@@ -7949,11 +7766,7 @@
             </a:r>
             <a:r>
               <a:rPr lang="it-IT" dirty="0"/>
-              <a:t> of </a:t>
-            </a:r>
-            <a:r>
-              <a:rPr lang="it-IT" dirty="0" err="1"/>
-              <a:t>Chrome</a:t>
+              <a:t> in Chrome</a:t>
             </a:r>
             <a:endParaRPr lang="en-GB" dirty="0"/>
           </a:p>
@@ -9204,6 +9017,12 @@
             </a:r>
             <a:endParaRPr lang="it-IT" sz="2800" dirty="0"/>
           </a:p>
+          <a:p>
+            <a:endParaRPr lang="it-IT" sz="2800" dirty="0"/>
+          </a:p>
+          <a:p>
+            <a:endParaRPr lang="it-IT" sz="2800" dirty="0"/>
+          </a:p>
         </p:txBody>
       </p:sp>
       <p:sp>
@@ -10305,2103 +10124,6 @@
           <a:p>
             <a:r>
               <a:rPr lang="en-US" dirty="0"/>
-              <a:t>Common Gateway Interface</a:t>
-            </a:r>
-          </a:p>
-        </p:txBody>
-      </p:sp>
-      <p:sp>
-        <p:nvSpPr>
-          <p:cNvPr id="3" name="Segnaposto contenuto 2"/>
-          <p:cNvSpPr>
-            <a:spLocks noGrp="1"/>
-          </p:cNvSpPr>
-          <p:nvPr>
-            <p:ph idx="1"/>
-          </p:nvPr>
-        </p:nvSpPr>
-        <p:spPr>
-          <a:xfrm>
-            <a:off x="428172" y="1361167"/>
-            <a:ext cx="11368314" cy="5358610"/>
-          </a:xfrm>
-        </p:spPr>
-        <p:txBody>
-          <a:bodyPr>
-            <a:normAutofit/>
-          </a:bodyPr>
-          <a:lstStyle/>
-          <a:p>
-            <a:r>
-              <a:rPr lang="en-GB" sz="2200" b="1" dirty="0"/>
-              <a:t>Common Gateway Interface (CGI): </a:t>
-            </a:r>
-            <a:r>
-              <a:rPr lang="en-GB" sz="2200" dirty="0"/>
-              <a:t>an interface specification that allows Web servers to talk to back-end programs and scripts that can accept input (e.g., from forms) and generate HTML pages in response. </a:t>
-            </a:r>
-          </a:p>
-        </p:txBody>
-      </p:sp>
-      <p:sp>
-        <p:nvSpPr>
-          <p:cNvPr id="8" name="Segnaposto contenuto 2"/>
-          <p:cNvSpPr txBox="1">
-            <a:spLocks/>
-          </p:cNvSpPr>
-          <p:nvPr/>
-        </p:nvSpPr>
-        <p:spPr>
-          <a:xfrm>
-            <a:off x="428172" y="2412445"/>
-            <a:ext cx="5893115" cy="4130122"/>
-          </a:xfrm>
-          <a:prstGeom prst="rect">
-            <a:avLst/>
-          </a:prstGeom>
-        </p:spPr>
-        <p:txBody>
-          <a:bodyPr vert="horz" lIns="91440" tIns="45720" rIns="91440" bIns="45720" rtlCol="0">
-            <a:normAutofit/>
-          </a:bodyPr>
-          <a:lstStyle>
-            <a:lvl1pPr marL="342900" indent="-342900" algn="l" defTabSz="914400" rtl="0" eaLnBrk="1" latinLnBrk="0" hangingPunct="1">
-              <a:lnSpc>
-                <a:spcPct val="90000"/>
-              </a:lnSpc>
-              <a:spcBef>
-                <a:spcPts val="1000"/>
-              </a:spcBef>
-              <a:buClr>
-                <a:srgbClr val="00B050"/>
-              </a:buClr>
-              <a:buFont typeface="Wingdings" panose="05000000000000000000" pitchFamily="2" charset="2"/>
-              <a:buChar char="Ø"/>
-              <a:defRPr sz="2400" kern="1200">
-                <a:solidFill>
-                  <a:schemeClr val="tx1"/>
-                </a:solidFill>
-                <a:latin typeface="Palatino Linotype" panose="02040502050505030304" pitchFamily="18" charset="0"/>
-                <a:ea typeface="+mn-ea"/>
-                <a:cs typeface="+mn-cs"/>
-              </a:defRPr>
-            </a:lvl1pPr>
-            <a:lvl2pPr marL="685800" indent="-228600" algn="l" defTabSz="914400" rtl="0" eaLnBrk="1" latinLnBrk="0" hangingPunct="1">
-              <a:lnSpc>
-                <a:spcPct val="90000"/>
-              </a:lnSpc>
-              <a:spcBef>
-                <a:spcPts val="500"/>
-              </a:spcBef>
-              <a:buClr>
-                <a:srgbClr val="00B050"/>
-              </a:buClr>
-              <a:buFont typeface="Wingdings" panose="05000000000000000000" pitchFamily="2" charset="2"/>
-              <a:buChar char="§"/>
-              <a:defRPr sz="2000" kern="1200">
-                <a:solidFill>
-                  <a:schemeClr val="tx1"/>
-                </a:solidFill>
-                <a:latin typeface="Palatino Linotype" panose="02040502050505030304" pitchFamily="18" charset="0"/>
-                <a:ea typeface="+mn-ea"/>
-                <a:cs typeface="+mn-cs"/>
-              </a:defRPr>
-            </a:lvl2pPr>
-            <a:lvl3pPr marL="1143000" indent="-228600" algn="l" defTabSz="914400" rtl="0" eaLnBrk="1" latinLnBrk="0" hangingPunct="1">
-              <a:lnSpc>
-                <a:spcPct val="90000"/>
-              </a:lnSpc>
-              <a:spcBef>
-                <a:spcPts val="500"/>
-              </a:spcBef>
-              <a:buClr>
-                <a:srgbClr val="00B050"/>
-              </a:buClr>
-              <a:buFont typeface="Arial" panose="020B0604020202020204" pitchFamily="34" charset="0"/>
-              <a:buChar char="•"/>
-              <a:defRPr sz="1800" kern="1200">
-                <a:solidFill>
-                  <a:schemeClr val="tx1"/>
-                </a:solidFill>
-                <a:latin typeface="Palatino Linotype" panose="02040502050505030304" pitchFamily="18" charset="0"/>
-                <a:ea typeface="+mn-ea"/>
-                <a:cs typeface="+mn-cs"/>
-              </a:defRPr>
-            </a:lvl3pPr>
-            <a:lvl4pPr marL="1600200" indent="-228600" algn="l" defTabSz="914400" rtl="0" eaLnBrk="1" latinLnBrk="0" hangingPunct="1">
-              <a:lnSpc>
-                <a:spcPct val="90000"/>
-              </a:lnSpc>
-              <a:spcBef>
-                <a:spcPts val="500"/>
-              </a:spcBef>
-              <a:buClr>
-                <a:srgbClr val="00B050"/>
-              </a:buClr>
-              <a:buFont typeface="Courier New" panose="02070309020205020404" pitchFamily="49" charset="0"/>
-              <a:buChar char="o"/>
-              <a:defRPr sz="1600" kern="1200">
-                <a:solidFill>
-                  <a:schemeClr val="tx1"/>
-                </a:solidFill>
-                <a:latin typeface="Palatino Linotype" panose="02040502050505030304" pitchFamily="18" charset="0"/>
-                <a:ea typeface="+mn-ea"/>
-                <a:cs typeface="+mn-cs"/>
-              </a:defRPr>
-            </a:lvl4pPr>
-            <a:lvl5pPr marL="2057400" indent="-228600" algn="l" defTabSz="914400" rtl="0" eaLnBrk="1" latinLnBrk="0" hangingPunct="1">
-              <a:lnSpc>
-                <a:spcPct val="90000"/>
-              </a:lnSpc>
-              <a:spcBef>
-                <a:spcPts val="500"/>
-              </a:spcBef>
-              <a:buClr>
-                <a:srgbClr val="00B050"/>
-              </a:buClr>
-              <a:buFont typeface="Times New Roman" panose="02020603050405020304" pitchFamily="18" charset="0"/>
-              <a:buChar char="̶"/>
-              <a:defRPr sz="1600" kern="1200">
-                <a:solidFill>
-                  <a:schemeClr val="tx1"/>
-                </a:solidFill>
-                <a:latin typeface="Palatino Linotype" panose="02040502050505030304" pitchFamily="18" charset="0"/>
-                <a:ea typeface="+mn-ea"/>
-                <a:cs typeface="+mn-cs"/>
-              </a:defRPr>
-            </a:lvl5pPr>
-            <a:lvl6pPr marL="2514600" indent="-228600" algn="l" defTabSz="914400" rtl="0" eaLnBrk="1" latinLnBrk="0" hangingPunct="1">
-              <a:lnSpc>
-                <a:spcPct val="90000"/>
-              </a:lnSpc>
-              <a:spcBef>
-                <a:spcPts val="500"/>
-              </a:spcBef>
-              <a:buFont typeface="Arial" panose="020B0604020202020204" pitchFamily="34" charset="0"/>
-              <a:buChar char="•"/>
-              <a:defRPr sz="1800" kern="1200">
-                <a:solidFill>
-                  <a:schemeClr val="tx1"/>
-                </a:solidFill>
-                <a:latin typeface="+mn-lt"/>
-                <a:ea typeface="+mn-ea"/>
-                <a:cs typeface="+mn-cs"/>
-              </a:defRPr>
-            </a:lvl6pPr>
-            <a:lvl7pPr marL="2971800" indent="-228600" algn="l" defTabSz="914400" rtl="0" eaLnBrk="1" latinLnBrk="0" hangingPunct="1">
-              <a:lnSpc>
-                <a:spcPct val="90000"/>
-              </a:lnSpc>
-              <a:spcBef>
-                <a:spcPts val="500"/>
-              </a:spcBef>
-              <a:buFont typeface="Arial" panose="020B0604020202020204" pitchFamily="34" charset="0"/>
-              <a:buChar char="•"/>
-              <a:defRPr sz="1800" kern="1200">
-                <a:solidFill>
-                  <a:schemeClr val="tx1"/>
-                </a:solidFill>
-                <a:latin typeface="+mn-lt"/>
-                <a:ea typeface="+mn-ea"/>
-                <a:cs typeface="+mn-cs"/>
-              </a:defRPr>
-            </a:lvl7pPr>
-            <a:lvl8pPr marL="3429000" indent="-228600" algn="l" defTabSz="914400" rtl="0" eaLnBrk="1" latinLnBrk="0" hangingPunct="1">
-              <a:lnSpc>
-                <a:spcPct val="90000"/>
-              </a:lnSpc>
-              <a:spcBef>
-                <a:spcPts val="500"/>
-              </a:spcBef>
-              <a:buFont typeface="Arial" panose="020B0604020202020204" pitchFamily="34" charset="0"/>
-              <a:buChar char="•"/>
-              <a:defRPr sz="1800" kern="1200">
-                <a:solidFill>
-                  <a:schemeClr val="tx1"/>
-                </a:solidFill>
-                <a:latin typeface="+mn-lt"/>
-                <a:ea typeface="+mn-ea"/>
-                <a:cs typeface="+mn-cs"/>
-              </a:defRPr>
-            </a:lvl8pPr>
-            <a:lvl9pPr marL="3886200" indent="-228600" algn="l" defTabSz="914400" rtl="0" eaLnBrk="1" latinLnBrk="0" hangingPunct="1">
-              <a:lnSpc>
-                <a:spcPct val="90000"/>
-              </a:lnSpc>
-              <a:spcBef>
-                <a:spcPts val="500"/>
-              </a:spcBef>
-              <a:buFont typeface="Arial" panose="020B0604020202020204" pitchFamily="34" charset="0"/>
-              <a:buChar char="•"/>
-              <a:defRPr sz="1800" kern="1200">
-                <a:solidFill>
-                  <a:schemeClr val="tx1"/>
-                </a:solidFill>
-                <a:latin typeface="+mn-lt"/>
-                <a:ea typeface="+mn-ea"/>
-                <a:cs typeface="+mn-cs"/>
-              </a:defRPr>
-            </a:lvl9pPr>
-          </a:lstStyle>
-          <a:p>
-            <a:r>
-              <a:rPr lang="en-GB" sz="2200" dirty="0"/>
-              <a:t>Programs may be written in whatever language is convenient (e.g., Python).</a:t>
-            </a:r>
-          </a:p>
-          <a:p>
-            <a:r>
-              <a:rPr lang="en-GB" sz="2200" dirty="0"/>
-              <a:t>By convention, programs invoked via CGI live in a directory called </a:t>
-            </a:r>
-            <a:r>
-              <a:rPr lang="en-GB" sz="2200" b="1" dirty="0" err="1"/>
-              <a:t>cgi</a:t>
-            </a:r>
-            <a:r>
-              <a:rPr lang="en-GB" sz="2200" b="1" dirty="0"/>
-              <a:t>-bin</a:t>
-            </a:r>
-            <a:r>
-              <a:rPr lang="en-GB" sz="2200" dirty="0"/>
-              <a:t>, which is visible in the URL. </a:t>
-            </a:r>
-          </a:p>
-          <a:p>
-            <a:r>
-              <a:rPr lang="en-GB" sz="2200" dirty="0"/>
-              <a:t>The server maps a request to this directory to a program name and executes that program as a separate process. It provides any data sent with the request as input to the program. </a:t>
-            </a:r>
-          </a:p>
-          <a:p>
-            <a:r>
-              <a:rPr lang="en-GB" sz="2200" dirty="0"/>
-              <a:t>The output of the program gives a Web page that is returned to the browser.</a:t>
-            </a:r>
-          </a:p>
-          <a:p>
-            <a:endParaRPr lang="en-US" dirty="0"/>
-          </a:p>
-        </p:txBody>
-      </p:sp>
-      <p:pic>
-        <p:nvPicPr>
-          <p:cNvPr id="6" name="Immagine 5"/>
-          <p:cNvPicPr>
-            <a:picLocks noChangeAspect="1"/>
-          </p:cNvPicPr>
-          <p:nvPr/>
-        </p:nvPicPr>
-        <p:blipFill>
-          <a:blip r:embed="rId3">
-            <a:extLst>
-              <a:ext uri="{28A0092B-C50C-407E-A947-70E740481C1C}">
-                <a14:useLocalDpi xmlns:a14="http://schemas.microsoft.com/office/drawing/2010/main" val="0"/>
-              </a:ext>
-            </a:extLst>
-          </a:blip>
-          <a:stretch>
-            <a:fillRect/>
-          </a:stretch>
-        </p:blipFill>
-        <p:spPr>
-          <a:xfrm>
-            <a:off x="6507622" y="2313207"/>
-            <a:ext cx="5627952" cy="4047845"/>
-          </a:xfrm>
-          <a:prstGeom prst="rect">
-            <a:avLst/>
-          </a:prstGeom>
-        </p:spPr>
-      </p:pic>
-      <p:sp>
-        <p:nvSpPr>
-          <p:cNvPr id="9" name="Cornice 8"/>
-          <p:cNvSpPr/>
-          <p:nvPr/>
-        </p:nvSpPr>
-        <p:spPr>
-          <a:xfrm>
-            <a:off x="6507622" y="3076352"/>
-            <a:ext cx="5068186" cy="269360"/>
-          </a:xfrm>
-          <a:prstGeom prst="frame">
-            <a:avLst>
-              <a:gd name="adj1" fmla="val 18951"/>
-            </a:avLst>
-          </a:prstGeom>
-          <a:solidFill>
-            <a:srgbClr val="00B050"/>
-          </a:solidFill>
-          <a:ln>
-            <a:solidFill>
-              <a:srgbClr val="00B050"/>
-            </a:solidFill>
-          </a:ln>
-        </p:spPr>
-        <p:style>
-          <a:lnRef idx="2">
-            <a:schemeClr val="accent1">
-              <a:shade val="50000"/>
-            </a:schemeClr>
-          </a:lnRef>
-          <a:fillRef idx="1">
-            <a:schemeClr val="accent1"/>
-          </a:fillRef>
-          <a:effectRef idx="0">
-            <a:schemeClr val="accent1"/>
-          </a:effectRef>
-          <a:fontRef idx="minor">
-            <a:schemeClr val="lt1"/>
-          </a:fontRef>
-        </p:style>
-        <p:txBody>
-          <a:bodyPr rtlCol="0" anchor="ctr"/>
-          <a:lstStyle/>
-          <a:p>
-            <a:pPr algn="ctr"/>
-            <a:endParaRPr lang="en-GB">
-              <a:solidFill>
-                <a:schemeClr val="tx1"/>
-              </a:solidFill>
-            </a:endParaRPr>
-          </a:p>
-        </p:txBody>
-      </p:sp>
-      <p:sp>
-        <p:nvSpPr>
-          <p:cNvPr id="4" name="Segnaposto numero diapositiva 3"/>
-          <p:cNvSpPr>
-            <a:spLocks noGrp="1"/>
-          </p:cNvSpPr>
-          <p:nvPr>
-            <p:ph type="sldNum" sz="quarter" idx="12"/>
-          </p:nvPr>
-        </p:nvSpPr>
-        <p:spPr/>
-        <p:txBody>
-          <a:bodyPr/>
-          <a:lstStyle/>
-          <a:p>
-            <a:fld id="{31DE2C5B-556E-47B8-A792-024C2FCA4ACC}" type="slidenum">
-              <a:rPr lang="en-GB" smtClean="0"/>
-              <a:t>23</a:t>
-            </a:fld>
-            <a:endParaRPr lang="en-GB"/>
-          </a:p>
-        </p:txBody>
-      </p:sp>
-    </p:spTree>
-    <p:extLst>
-      <p:ext uri="{BB962C8B-B14F-4D97-AF65-F5344CB8AC3E}">
-        <p14:creationId xmlns:p14="http://schemas.microsoft.com/office/powerpoint/2010/main" val="1965494705"/>
-      </p:ext>
-    </p:extLst>
-  </p:cSld>
-  <p:clrMapOvr>
-    <a:masterClrMapping/>
-  </p:clrMapOvr>
-</p:sld>
-</file>
-
-<file path=ppt/slides/slide24.xml><?xml version="1.0" encoding="utf-8"?>
-<p:sld xmlns:a="http://schemas.openxmlformats.org/drawingml/2006/main" xmlns:r="http://schemas.openxmlformats.org/officeDocument/2006/relationships" xmlns:p="http://schemas.openxmlformats.org/presentationml/2006/main">
-  <p:cSld>
-    <p:spTree>
-      <p:nvGrpSpPr>
-        <p:cNvPr id="1" name=""/>
-        <p:cNvGrpSpPr/>
-        <p:nvPr/>
-      </p:nvGrpSpPr>
-      <p:grpSpPr>
-        <a:xfrm>
-          <a:off x="0" y="0"/>
-          <a:ext cx="0" cy="0"/>
-          <a:chOff x="0" y="0"/>
-          <a:chExt cx="0" cy="0"/>
-        </a:xfrm>
-      </p:grpSpPr>
-      <p:sp>
-        <p:nvSpPr>
-          <p:cNvPr id="2" name="Titolo 1"/>
-          <p:cNvSpPr>
-            <a:spLocks noGrp="1"/>
-          </p:cNvSpPr>
-          <p:nvPr>
-            <p:ph type="title"/>
-          </p:nvPr>
-        </p:nvSpPr>
-        <p:spPr/>
-        <p:txBody>
-          <a:bodyPr/>
-          <a:lstStyle/>
-          <a:p>
-            <a:r>
-              <a:rPr lang="en-US" dirty="0"/>
-              <a:t>PHP: Hypertext Preprocessor</a:t>
-            </a:r>
-          </a:p>
-        </p:txBody>
-      </p:sp>
-      <p:sp>
-        <p:nvSpPr>
-          <p:cNvPr id="3" name="Segnaposto contenuto 2"/>
-          <p:cNvSpPr>
-            <a:spLocks noGrp="1"/>
-          </p:cNvSpPr>
-          <p:nvPr>
-            <p:ph idx="1"/>
-          </p:nvPr>
-        </p:nvSpPr>
-        <p:spPr>
-          <a:xfrm>
-            <a:off x="428172" y="1256833"/>
-            <a:ext cx="6144924" cy="2358237"/>
-          </a:xfrm>
-        </p:spPr>
-        <p:txBody>
-          <a:bodyPr>
-            <a:normAutofit/>
-          </a:bodyPr>
-          <a:lstStyle/>
-          <a:p>
-            <a:r>
-              <a:rPr lang="en-GB" sz="2000" dirty="0"/>
-              <a:t>An alternative approach to CGI is to embed little scripts inside HTML pages and have them be executed by the server itself to generate the page. </a:t>
-            </a:r>
-          </a:p>
-          <a:p>
-            <a:r>
-              <a:rPr lang="en-GB" sz="2000" dirty="0"/>
-              <a:t>A popular language for writing these scripts is </a:t>
-            </a:r>
-            <a:r>
-              <a:rPr lang="en-GB" sz="2000" b="1" dirty="0"/>
-              <a:t>PHP (PHP: Hypertext </a:t>
-            </a:r>
-            <a:r>
-              <a:rPr lang="en-GB" sz="2000" b="1" dirty="0" err="1"/>
-              <a:t>Preprocessor</a:t>
-            </a:r>
-            <a:r>
-              <a:rPr lang="en-GB" sz="2000" b="1" dirty="0"/>
-              <a:t>).</a:t>
-            </a:r>
-          </a:p>
-          <a:p>
-            <a:r>
-              <a:rPr lang="it-IT" sz="2000" dirty="0"/>
-              <a:t>Web pages </a:t>
-            </a:r>
-            <a:r>
-              <a:rPr lang="it-IT" sz="2000" dirty="0" err="1"/>
-              <a:t>embedding</a:t>
-            </a:r>
-            <a:r>
-              <a:rPr lang="it-IT" sz="2000" dirty="0"/>
-              <a:t> PHP scripts </a:t>
-            </a:r>
-            <a:r>
-              <a:rPr lang="it-IT" sz="2000" dirty="0" err="1"/>
-              <a:t>have</a:t>
-            </a:r>
-            <a:r>
-              <a:rPr lang="it-IT" sz="2000" dirty="0"/>
-              <a:t> a .</a:t>
-            </a:r>
-            <a:r>
-              <a:rPr lang="it-IT" sz="2000" dirty="0" err="1"/>
-              <a:t>php</a:t>
-            </a:r>
-            <a:r>
-              <a:rPr lang="it-IT" sz="2000" dirty="0"/>
-              <a:t> extension.</a:t>
-            </a:r>
-            <a:endParaRPr lang="en-GB" sz="2000" dirty="0"/>
-          </a:p>
-        </p:txBody>
-      </p:sp>
-      <p:sp>
-        <p:nvSpPr>
-          <p:cNvPr id="8" name="Segnaposto contenuto 2"/>
-          <p:cNvSpPr txBox="1">
-            <a:spLocks/>
-          </p:cNvSpPr>
-          <p:nvPr/>
-        </p:nvSpPr>
-        <p:spPr>
-          <a:xfrm>
-            <a:off x="5239788" y="4162405"/>
-            <a:ext cx="4726463" cy="2532952"/>
-          </a:xfrm>
-          <a:prstGeom prst="rect">
-            <a:avLst/>
-          </a:prstGeom>
-          <a:ln>
-            <a:solidFill>
-              <a:srgbClr val="00B050"/>
-            </a:solidFill>
-          </a:ln>
-        </p:spPr>
-        <p:txBody>
-          <a:bodyPr vert="horz" lIns="91440" tIns="45720" rIns="91440" bIns="45720" rtlCol="0">
-            <a:noAutofit/>
-          </a:bodyPr>
-          <a:lstStyle>
-            <a:lvl1pPr marL="342900" indent="-342900" algn="l" defTabSz="914400" rtl="0" eaLnBrk="1" latinLnBrk="0" hangingPunct="1">
-              <a:lnSpc>
-                <a:spcPct val="90000"/>
-              </a:lnSpc>
-              <a:spcBef>
-                <a:spcPts val="1000"/>
-              </a:spcBef>
-              <a:buClr>
-                <a:srgbClr val="00B050"/>
-              </a:buClr>
-              <a:buFont typeface="Wingdings" panose="05000000000000000000" pitchFamily="2" charset="2"/>
-              <a:buChar char="Ø"/>
-              <a:defRPr sz="2400" kern="1200">
-                <a:solidFill>
-                  <a:schemeClr val="tx1"/>
-                </a:solidFill>
-                <a:latin typeface="Palatino Linotype" panose="02040502050505030304" pitchFamily="18" charset="0"/>
-                <a:ea typeface="+mn-ea"/>
-                <a:cs typeface="+mn-cs"/>
-              </a:defRPr>
-            </a:lvl1pPr>
-            <a:lvl2pPr marL="685800" indent="-228600" algn="l" defTabSz="914400" rtl="0" eaLnBrk="1" latinLnBrk="0" hangingPunct="1">
-              <a:lnSpc>
-                <a:spcPct val="90000"/>
-              </a:lnSpc>
-              <a:spcBef>
-                <a:spcPts val="500"/>
-              </a:spcBef>
-              <a:buClr>
-                <a:srgbClr val="00B050"/>
-              </a:buClr>
-              <a:buFont typeface="Wingdings" panose="05000000000000000000" pitchFamily="2" charset="2"/>
-              <a:buChar char="§"/>
-              <a:defRPr sz="2000" kern="1200">
-                <a:solidFill>
-                  <a:schemeClr val="tx1"/>
-                </a:solidFill>
-                <a:latin typeface="Palatino Linotype" panose="02040502050505030304" pitchFamily="18" charset="0"/>
-                <a:ea typeface="+mn-ea"/>
-                <a:cs typeface="+mn-cs"/>
-              </a:defRPr>
-            </a:lvl2pPr>
-            <a:lvl3pPr marL="1143000" indent="-228600" algn="l" defTabSz="914400" rtl="0" eaLnBrk="1" latinLnBrk="0" hangingPunct="1">
-              <a:lnSpc>
-                <a:spcPct val="90000"/>
-              </a:lnSpc>
-              <a:spcBef>
-                <a:spcPts val="500"/>
-              </a:spcBef>
-              <a:buClr>
-                <a:srgbClr val="00B050"/>
-              </a:buClr>
-              <a:buFont typeface="Arial" panose="020B0604020202020204" pitchFamily="34" charset="0"/>
-              <a:buChar char="•"/>
-              <a:defRPr sz="1800" kern="1200">
-                <a:solidFill>
-                  <a:schemeClr val="tx1"/>
-                </a:solidFill>
-                <a:latin typeface="Palatino Linotype" panose="02040502050505030304" pitchFamily="18" charset="0"/>
-                <a:ea typeface="+mn-ea"/>
-                <a:cs typeface="+mn-cs"/>
-              </a:defRPr>
-            </a:lvl3pPr>
-            <a:lvl4pPr marL="1600200" indent="-228600" algn="l" defTabSz="914400" rtl="0" eaLnBrk="1" latinLnBrk="0" hangingPunct="1">
-              <a:lnSpc>
-                <a:spcPct val="90000"/>
-              </a:lnSpc>
-              <a:spcBef>
-                <a:spcPts val="500"/>
-              </a:spcBef>
-              <a:buClr>
-                <a:srgbClr val="00B050"/>
-              </a:buClr>
-              <a:buFont typeface="Courier New" panose="02070309020205020404" pitchFamily="49" charset="0"/>
-              <a:buChar char="o"/>
-              <a:defRPr sz="1600" kern="1200">
-                <a:solidFill>
-                  <a:schemeClr val="tx1"/>
-                </a:solidFill>
-                <a:latin typeface="Palatino Linotype" panose="02040502050505030304" pitchFamily="18" charset="0"/>
-                <a:ea typeface="+mn-ea"/>
-                <a:cs typeface="+mn-cs"/>
-              </a:defRPr>
-            </a:lvl4pPr>
-            <a:lvl5pPr marL="2057400" indent="-228600" algn="l" defTabSz="914400" rtl="0" eaLnBrk="1" latinLnBrk="0" hangingPunct="1">
-              <a:lnSpc>
-                <a:spcPct val="90000"/>
-              </a:lnSpc>
-              <a:spcBef>
-                <a:spcPts val="500"/>
-              </a:spcBef>
-              <a:buClr>
-                <a:srgbClr val="00B050"/>
-              </a:buClr>
-              <a:buFont typeface="Times New Roman" panose="02020603050405020304" pitchFamily="18" charset="0"/>
-              <a:buChar char="̶"/>
-              <a:defRPr sz="1600" kern="1200">
-                <a:solidFill>
-                  <a:schemeClr val="tx1"/>
-                </a:solidFill>
-                <a:latin typeface="Palatino Linotype" panose="02040502050505030304" pitchFamily="18" charset="0"/>
-                <a:ea typeface="+mn-ea"/>
-                <a:cs typeface="+mn-cs"/>
-              </a:defRPr>
-            </a:lvl5pPr>
-            <a:lvl6pPr marL="2514600" indent="-228600" algn="l" defTabSz="914400" rtl="0" eaLnBrk="1" latinLnBrk="0" hangingPunct="1">
-              <a:lnSpc>
-                <a:spcPct val="90000"/>
-              </a:lnSpc>
-              <a:spcBef>
-                <a:spcPts val="500"/>
-              </a:spcBef>
-              <a:buFont typeface="Arial" panose="020B0604020202020204" pitchFamily="34" charset="0"/>
-              <a:buChar char="•"/>
-              <a:defRPr sz="1800" kern="1200">
-                <a:solidFill>
-                  <a:schemeClr val="tx1"/>
-                </a:solidFill>
-                <a:latin typeface="+mn-lt"/>
-                <a:ea typeface="+mn-ea"/>
-                <a:cs typeface="+mn-cs"/>
-              </a:defRPr>
-            </a:lvl6pPr>
-            <a:lvl7pPr marL="2971800" indent="-228600" algn="l" defTabSz="914400" rtl="0" eaLnBrk="1" latinLnBrk="0" hangingPunct="1">
-              <a:lnSpc>
-                <a:spcPct val="90000"/>
-              </a:lnSpc>
-              <a:spcBef>
-                <a:spcPts val="500"/>
-              </a:spcBef>
-              <a:buFont typeface="Arial" panose="020B0604020202020204" pitchFamily="34" charset="0"/>
-              <a:buChar char="•"/>
-              <a:defRPr sz="1800" kern="1200">
-                <a:solidFill>
-                  <a:schemeClr val="tx1"/>
-                </a:solidFill>
-                <a:latin typeface="+mn-lt"/>
-                <a:ea typeface="+mn-ea"/>
-                <a:cs typeface="+mn-cs"/>
-              </a:defRPr>
-            </a:lvl7pPr>
-            <a:lvl8pPr marL="3429000" indent="-228600" algn="l" defTabSz="914400" rtl="0" eaLnBrk="1" latinLnBrk="0" hangingPunct="1">
-              <a:lnSpc>
-                <a:spcPct val="90000"/>
-              </a:lnSpc>
-              <a:spcBef>
-                <a:spcPts val="500"/>
-              </a:spcBef>
-              <a:buFont typeface="Arial" panose="020B0604020202020204" pitchFamily="34" charset="0"/>
-              <a:buChar char="•"/>
-              <a:defRPr sz="1800" kern="1200">
-                <a:solidFill>
-                  <a:schemeClr val="tx1"/>
-                </a:solidFill>
-                <a:latin typeface="+mn-lt"/>
-                <a:ea typeface="+mn-ea"/>
-                <a:cs typeface="+mn-cs"/>
-              </a:defRPr>
-            </a:lvl8pPr>
-            <a:lvl9pPr marL="3886200" indent="-228600" algn="l" defTabSz="914400" rtl="0" eaLnBrk="1" latinLnBrk="0" hangingPunct="1">
-              <a:lnSpc>
-                <a:spcPct val="90000"/>
-              </a:lnSpc>
-              <a:spcBef>
-                <a:spcPts val="500"/>
-              </a:spcBef>
-              <a:buFont typeface="Arial" panose="020B0604020202020204" pitchFamily="34" charset="0"/>
-              <a:buChar char="•"/>
-              <a:defRPr sz="1800" kern="1200">
-                <a:solidFill>
-                  <a:schemeClr val="tx1"/>
-                </a:solidFill>
-                <a:latin typeface="+mn-lt"/>
-                <a:ea typeface="+mn-ea"/>
-                <a:cs typeface="+mn-cs"/>
-              </a:defRPr>
-            </a:lvl9pPr>
-          </a:lstStyle>
-          <a:p>
-            <a:pPr marL="0" indent="0" algn="ctr">
-              <a:buNone/>
-            </a:pPr>
-            <a:r>
-              <a:rPr lang="it-IT" sz="1400" b="1" dirty="0" err="1"/>
-              <a:t>action.php</a:t>
-            </a:r>
-            <a:endParaRPr lang="en-GB" sz="1400" b="1" dirty="0"/>
-          </a:p>
-          <a:p>
-            <a:pPr marL="0" indent="0">
-              <a:buNone/>
-            </a:pPr>
-            <a:r>
-              <a:rPr lang="en-GB" sz="1400" dirty="0"/>
-              <a:t>&lt;html&gt;</a:t>
-            </a:r>
-          </a:p>
-          <a:p>
-            <a:pPr marL="0" indent="0">
-              <a:buNone/>
-            </a:pPr>
-            <a:r>
-              <a:rPr lang="en-GB" sz="1400" dirty="0"/>
-              <a:t>&lt;body&gt;</a:t>
-            </a:r>
-          </a:p>
-          <a:p>
-            <a:pPr marL="0" indent="0">
-              <a:buNone/>
-            </a:pPr>
-            <a:r>
-              <a:rPr lang="en-GB" sz="1400" dirty="0"/>
-              <a:t>&lt;h1&gt; Reply: &lt;/h1&gt;</a:t>
-            </a:r>
-          </a:p>
-          <a:p>
-            <a:pPr marL="0" indent="0">
-              <a:buNone/>
-            </a:pPr>
-            <a:r>
-              <a:rPr lang="en-GB" sz="1400" dirty="0"/>
-              <a:t>Hello &lt;?</a:t>
-            </a:r>
-            <a:r>
-              <a:rPr lang="en-GB" sz="1400" dirty="0" err="1"/>
-              <a:t>php</a:t>
-            </a:r>
-            <a:r>
-              <a:rPr lang="en-GB" sz="1400" dirty="0"/>
-              <a:t> echo $name; ?&gt;.</a:t>
-            </a:r>
-          </a:p>
-          <a:p>
-            <a:pPr marL="0" indent="0">
-              <a:buNone/>
-            </a:pPr>
-            <a:r>
-              <a:rPr lang="en-GB" sz="1400" dirty="0"/>
-              <a:t>Prediction: next year you will be &lt;?</a:t>
-            </a:r>
-            <a:r>
-              <a:rPr lang="en-GB" sz="1400" dirty="0" err="1"/>
-              <a:t>php</a:t>
-            </a:r>
-            <a:r>
-              <a:rPr lang="en-GB" sz="1400" dirty="0"/>
-              <a:t> echo $age + 1; ?&gt;</a:t>
-            </a:r>
-          </a:p>
-          <a:p>
-            <a:pPr marL="0" indent="0">
-              <a:buNone/>
-            </a:pPr>
-            <a:r>
-              <a:rPr lang="en-GB" sz="1400" dirty="0"/>
-              <a:t>&lt;/body&gt;</a:t>
-            </a:r>
-          </a:p>
-          <a:p>
-            <a:pPr marL="0" indent="0">
-              <a:buNone/>
-            </a:pPr>
-            <a:r>
-              <a:rPr lang="en-GB" sz="1400" dirty="0"/>
-              <a:t>&lt;/html&gt;</a:t>
-            </a:r>
-            <a:endParaRPr lang="en-US" sz="1400" dirty="0"/>
-          </a:p>
-        </p:txBody>
-      </p:sp>
-      <p:sp>
-        <p:nvSpPr>
-          <p:cNvPr id="7" name="Segnaposto contenuto 2"/>
-          <p:cNvSpPr txBox="1">
-            <a:spLocks/>
-          </p:cNvSpPr>
-          <p:nvPr/>
-        </p:nvSpPr>
-        <p:spPr>
-          <a:xfrm>
-            <a:off x="6862288" y="1210978"/>
-            <a:ext cx="5002844" cy="2681939"/>
-          </a:xfrm>
-          <a:prstGeom prst="rect">
-            <a:avLst/>
-          </a:prstGeom>
-          <a:ln>
-            <a:solidFill>
-              <a:srgbClr val="00B050"/>
-            </a:solidFill>
-          </a:ln>
-        </p:spPr>
-        <p:txBody>
-          <a:bodyPr vert="horz" lIns="91440" tIns="45720" rIns="91440" bIns="45720" rtlCol="0">
-            <a:noAutofit/>
-          </a:bodyPr>
-          <a:lstStyle>
-            <a:lvl1pPr marL="342900" indent="-342900" algn="l" defTabSz="914400" rtl="0" eaLnBrk="1" latinLnBrk="0" hangingPunct="1">
-              <a:lnSpc>
-                <a:spcPct val="90000"/>
-              </a:lnSpc>
-              <a:spcBef>
-                <a:spcPts val="1000"/>
-              </a:spcBef>
-              <a:buClr>
-                <a:srgbClr val="00B050"/>
-              </a:buClr>
-              <a:buFont typeface="Wingdings" panose="05000000000000000000" pitchFamily="2" charset="2"/>
-              <a:buChar char="Ø"/>
-              <a:defRPr sz="2400" kern="1200">
-                <a:solidFill>
-                  <a:schemeClr val="tx1"/>
-                </a:solidFill>
-                <a:latin typeface="Palatino Linotype" panose="02040502050505030304" pitchFamily="18" charset="0"/>
-                <a:ea typeface="+mn-ea"/>
-                <a:cs typeface="+mn-cs"/>
-              </a:defRPr>
-            </a:lvl1pPr>
-            <a:lvl2pPr marL="685800" indent="-228600" algn="l" defTabSz="914400" rtl="0" eaLnBrk="1" latinLnBrk="0" hangingPunct="1">
-              <a:lnSpc>
-                <a:spcPct val="90000"/>
-              </a:lnSpc>
-              <a:spcBef>
-                <a:spcPts val="500"/>
-              </a:spcBef>
-              <a:buClr>
-                <a:srgbClr val="00B050"/>
-              </a:buClr>
-              <a:buFont typeface="Wingdings" panose="05000000000000000000" pitchFamily="2" charset="2"/>
-              <a:buChar char="§"/>
-              <a:defRPr sz="2000" kern="1200">
-                <a:solidFill>
-                  <a:schemeClr val="tx1"/>
-                </a:solidFill>
-                <a:latin typeface="Palatino Linotype" panose="02040502050505030304" pitchFamily="18" charset="0"/>
-                <a:ea typeface="+mn-ea"/>
-                <a:cs typeface="+mn-cs"/>
-              </a:defRPr>
-            </a:lvl2pPr>
-            <a:lvl3pPr marL="1143000" indent="-228600" algn="l" defTabSz="914400" rtl="0" eaLnBrk="1" latinLnBrk="0" hangingPunct="1">
-              <a:lnSpc>
-                <a:spcPct val="90000"/>
-              </a:lnSpc>
-              <a:spcBef>
-                <a:spcPts val="500"/>
-              </a:spcBef>
-              <a:buClr>
-                <a:srgbClr val="00B050"/>
-              </a:buClr>
-              <a:buFont typeface="Arial" panose="020B0604020202020204" pitchFamily="34" charset="0"/>
-              <a:buChar char="•"/>
-              <a:defRPr sz="1800" kern="1200">
-                <a:solidFill>
-                  <a:schemeClr val="tx1"/>
-                </a:solidFill>
-                <a:latin typeface="Palatino Linotype" panose="02040502050505030304" pitchFamily="18" charset="0"/>
-                <a:ea typeface="+mn-ea"/>
-                <a:cs typeface="+mn-cs"/>
-              </a:defRPr>
-            </a:lvl3pPr>
-            <a:lvl4pPr marL="1600200" indent="-228600" algn="l" defTabSz="914400" rtl="0" eaLnBrk="1" latinLnBrk="0" hangingPunct="1">
-              <a:lnSpc>
-                <a:spcPct val="90000"/>
-              </a:lnSpc>
-              <a:spcBef>
-                <a:spcPts val="500"/>
-              </a:spcBef>
-              <a:buClr>
-                <a:srgbClr val="00B050"/>
-              </a:buClr>
-              <a:buFont typeface="Courier New" panose="02070309020205020404" pitchFamily="49" charset="0"/>
-              <a:buChar char="o"/>
-              <a:defRPr sz="1600" kern="1200">
-                <a:solidFill>
-                  <a:schemeClr val="tx1"/>
-                </a:solidFill>
-                <a:latin typeface="Palatino Linotype" panose="02040502050505030304" pitchFamily="18" charset="0"/>
-                <a:ea typeface="+mn-ea"/>
-                <a:cs typeface="+mn-cs"/>
-              </a:defRPr>
-            </a:lvl4pPr>
-            <a:lvl5pPr marL="2057400" indent="-228600" algn="l" defTabSz="914400" rtl="0" eaLnBrk="1" latinLnBrk="0" hangingPunct="1">
-              <a:lnSpc>
-                <a:spcPct val="90000"/>
-              </a:lnSpc>
-              <a:spcBef>
-                <a:spcPts val="500"/>
-              </a:spcBef>
-              <a:buClr>
-                <a:srgbClr val="00B050"/>
-              </a:buClr>
-              <a:buFont typeface="Times New Roman" panose="02020603050405020304" pitchFamily="18" charset="0"/>
-              <a:buChar char="̶"/>
-              <a:defRPr sz="1600" kern="1200">
-                <a:solidFill>
-                  <a:schemeClr val="tx1"/>
-                </a:solidFill>
-                <a:latin typeface="Palatino Linotype" panose="02040502050505030304" pitchFamily="18" charset="0"/>
-                <a:ea typeface="+mn-ea"/>
-                <a:cs typeface="+mn-cs"/>
-              </a:defRPr>
-            </a:lvl5pPr>
-            <a:lvl6pPr marL="2514600" indent="-228600" algn="l" defTabSz="914400" rtl="0" eaLnBrk="1" latinLnBrk="0" hangingPunct="1">
-              <a:lnSpc>
-                <a:spcPct val="90000"/>
-              </a:lnSpc>
-              <a:spcBef>
-                <a:spcPts val="500"/>
-              </a:spcBef>
-              <a:buFont typeface="Arial" panose="020B0604020202020204" pitchFamily="34" charset="0"/>
-              <a:buChar char="•"/>
-              <a:defRPr sz="1800" kern="1200">
-                <a:solidFill>
-                  <a:schemeClr val="tx1"/>
-                </a:solidFill>
-                <a:latin typeface="+mn-lt"/>
-                <a:ea typeface="+mn-ea"/>
-                <a:cs typeface="+mn-cs"/>
-              </a:defRPr>
-            </a:lvl6pPr>
-            <a:lvl7pPr marL="2971800" indent="-228600" algn="l" defTabSz="914400" rtl="0" eaLnBrk="1" latinLnBrk="0" hangingPunct="1">
-              <a:lnSpc>
-                <a:spcPct val="90000"/>
-              </a:lnSpc>
-              <a:spcBef>
-                <a:spcPts val="500"/>
-              </a:spcBef>
-              <a:buFont typeface="Arial" panose="020B0604020202020204" pitchFamily="34" charset="0"/>
-              <a:buChar char="•"/>
-              <a:defRPr sz="1800" kern="1200">
-                <a:solidFill>
-                  <a:schemeClr val="tx1"/>
-                </a:solidFill>
-                <a:latin typeface="+mn-lt"/>
-                <a:ea typeface="+mn-ea"/>
-                <a:cs typeface="+mn-cs"/>
-              </a:defRPr>
-            </a:lvl7pPr>
-            <a:lvl8pPr marL="3429000" indent="-228600" algn="l" defTabSz="914400" rtl="0" eaLnBrk="1" latinLnBrk="0" hangingPunct="1">
-              <a:lnSpc>
-                <a:spcPct val="90000"/>
-              </a:lnSpc>
-              <a:spcBef>
-                <a:spcPts val="500"/>
-              </a:spcBef>
-              <a:buFont typeface="Arial" panose="020B0604020202020204" pitchFamily="34" charset="0"/>
-              <a:buChar char="•"/>
-              <a:defRPr sz="1800" kern="1200">
-                <a:solidFill>
-                  <a:schemeClr val="tx1"/>
-                </a:solidFill>
-                <a:latin typeface="+mn-lt"/>
-                <a:ea typeface="+mn-ea"/>
-                <a:cs typeface="+mn-cs"/>
-              </a:defRPr>
-            </a:lvl8pPr>
-            <a:lvl9pPr marL="3886200" indent="-228600" algn="l" defTabSz="914400" rtl="0" eaLnBrk="1" latinLnBrk="0" hangingPunct="1">
-              <a:lnSpc>
-                <a:spcPct val="90000"/>
-              </a:lnSpc>
-              <a:spcBef>
-                <a:spcPts val="500"/>
-              </a:spcBef>
-              <a:buFont typeface="Arial" panose="020B0604020202020204" pitchFamily="34" charset="0"/>
-              <a:buChar char="•"/>
-              <a:defRPr sz="1800" kern="1200">
-                <a:solidFill>
-                  <a:schemeClr val="tx1"/>
-                </a:solidFill>
-                <a:latin typeface="+mn-lt"/>
-                <a:ea typeface="+mn-ea"/>
-                <a:cs typeface="+mn-cs"/>
-              </a:defRPr>
-            </a:lvl9pPr>
-          </a:lstStyle>
-          <a:p>
-            <a:pPr marL="0" indent="0" algn="ctr">
-              <a:buNone/>
-            </a:pPr>
-            <a:r>
-              <a:rPr lang="it-IT" sz="1400" b="1" dirty="0"/>
-              <a:t>form.html</a:t>
-            </a:r>
-            <a:endParaRPr lang="en-GB" sz="1400" b="1" dirty="0"/>
-          </a:p>
-          <a:p>
-            <a:pPr marL="0" indent="0">
-              <a:spcBef>
-                <a:spcPts val="600"/>
-              </a:spcBef>
-              <a:buNone/>
-            </a:pPr>
-            <a:r>
-              <a:rPr lang="en-GB" sz="1400" dirty="0"/>
-              <a:t>&lt;html&gt;</a:t>
-            </a:r>
-          </a:p>
-          <a:p>
-            <a:pPr marL="0" indent="0">
-              <a:spcBef>
-                <a:spcPts val="600"/>
-              </a:spcBef>
-              <a:buNone/>
-            </a:pPr>
-            <a:r>
-              <a:rPr lang="en-GB" sz="1400" dirty="0"/>
-              <a:t>&lt;body&gt;</a:t>
-            </a:r>
-          </a:p>
-          <a:p>
-            <a:pPr marL="0" indent="0">
-              <a:spcBef>
-                <a:spcPts val="600"/>
-              </a:spcBef>
-              <a:buNone/>
-            </a:pPr>
-            <a:r>
-              <a:rPr lang="en-GB" sz="1400" dirty="0"/>
-              <a:t>&lt;form action="</a:t>
-            </a:r>
-            <a:r>
-              <a:rPr lang="en-GB" sz="1400" dirty="0" err="1"/>
-              <a:t>action.php</a:t>
-            </a:r>
-            <a:r>
-              <a:rPr lang="en-GB" sz="1400" dirty="0"/>
-              <a:t>" method="post"&gt;</a:t>
-            </a:r>
-          </a:p>
-          <a:p>
-            <a:pPr marL="0" indent="0">
-              <a:spcBef>
-                <a:spcPts val="600"/>
-              </a:spcBef>
-              <a:buNone/>
-            </a:pPr>
-            <a:r>
-              <a:rPr lang="en-GB" sz="1400" dirty="0"/>
-              <a:t>&lt;p&gt; Enter your name: &lt;input type="text" name="name"&gt; &lt;/p&gt;</a:t>
-            </a:r>
-          </a:p>
-          <a:p>
-            <a:pPr marL="0" indent="0">
-              <a:spcBef>
-                <a:spcPts val="600"/>
-              </a:spcBef>
-              <a:buNone/>
-            </a:pPr>
-            <a:r>
-              <a:rPr lang="en-GB" sz="1400" dirty="0"/>
-              <a:t>&lt;p&gt; Enter your age: &lt;input type="text" name="age"&gt; &lt;/p&gt;</a:t>
-            </a:r>
-          </a:p>
-          <a:p>
-            <a:pPr marL="0" indent="0">
-              <a:spcBef>
-                <a:spcPts val="600"/>
-              </a:spcBef>
-              <a:buNone/>
-            </a:pPr>
-            <a:r>
-              <a:rPr lang="en-GB" sz="1400" dirty="0"/>
-              <a:t>&lt;input type="submit"&gt;</a:t>
-            </a:r>
-          </a:p>
-          <a:p>
-            <a:pPr marL="0" indent="0">
-              <a:spcBef>
-                <a:spcPts val="600"/>
-              </a:spcBef>
-              <a:buNone/>
-            </a:pPr>
-            <a:r>
-              <a:rPr lang="en-GB" sz="1400" dirty="0"/>
-              <a:t>&lt;/form&gt;</a:t>
-            </a:r>
-          </a:p>
-          <a:p>
-            <a:pPr marL="0" indent="0">
-              <a:spcBef>
-                <a:spcPts val="600"/>
-              </a:spcBef>
-              <a:buNone/>
-            </a:pPr>
-            <a:r>
-              <a:rPr lang="en-GB" sz="1400" dirty="0"/>
-              <a:t>&lt;/body&gt;</a:t>
-            </a:r>
-          </a:p>
-          <a:p>
-            <a:pPr marL="0" indent="0">
-              <a:spcBef>
-                <a:spcPts val="600"/>
-              </a:spcBef>
-              <a:buNone/>
-            </a:pPr>
-            <a:r>
-              <a:rPr lang="en-GB" sz="1400" dirty="0"/>
-              <a:t>&lt;/html&gt;</a:t>
-            </a:r>
-            <a:endParaRPr lang="en-US" sz="1400" dirty="0"/>
-          </a:p>
-        </p:txBody>
-      </p:sp>
-      <p:sp>
-        <p:nvSpPr>
-          <p:cNvPr id="4" name="Rettangolo 3"/>
-          <p:cNvSpPr/>
-          <p:nvPr/>
-        </p:nvSpPr>
-        <p:spPr>
-          <a:xfrm>
-            <a:off x="8902996" y="3342002"/>
-            <a:ext cx="3111766" cy="2196499"/>
-          </a:xfrm>
-          <a:prstGeom prst="rect">
-            <a:avLst/>
-          </a:prstGeom>
-          <a:solidFill>
-            <a:schemeClr val="bg1"/>
-          </a:solidFill>
-          <a:ln>
-            <a:solidFill>
-              <a:srgbClr val="00B050"/>
-            </a:solidFill>
-          </a:ln>
-        </p:spPr>
-        <p:txBody>
-          <a:bodyPr wrap="square">
-            <a:spAutoFit/>
-          </a:bodyPr>
-          <a:lstStyle/>
-          <a:p>
-            <a:pPr algn="ctr">
-              <a:lnSpc>
-                <a:spcPct val="70000"/>
-              </a:lnSpc>
-              <a:spcBef>
-                <a:spcPts val="1000"/>
-              </a:spcBef>
-              <a:buClr>
-                <a:srgbClr val="00B050"/>
-              </a:buClr>
-            </a:pPr>
-            <a:r>
-              <a:rPr lang="it-IT" sz="1400" b="1" dirty="0">
-                <a:latin typeface="Palatino Linotype" panose="02040502050505030304" pitchFamily="18" charset="0"/>
-              </a:rPr>
-              <a:t>response.html</a:t>
-            </a:r>
-            <a:endParaRPr lang="en-GB" sz="1400" b="1" dirty="0">
-              <a:latin typeface="Palatino Linotype" panose="02040502050505030304" pitchFamily="18" charset="0"/>
-            </a:endParaRPr>
-          </a:p>
-          <a:p>
-            <a:pPr>
-              <a:lnSpc>
-                <a:spcPct val="70000"/>
-              </a:lnSpc>
-              <a:spcBef>
-                <a:spcPts val="1000"/>
-              </a:spcBef>
-              <a:buClr>
-                <a:srgbClr val="00B050"/>
-              </a:buClr>
-            </a:pPr>
-            <a:r>
-              <a:rPr lang="en-GB" sz="1400" dirty="0">
-                <a:latin typeface="Palatino Linotype" panose="02040502050505030304" pitchFamily="18" charset="0"/>
-              </a:rPr>
-              <a:t>&lt;html&gt;</a:t>
-            </a:r>
-          </a:p>
-          <a:p>
-            <a:pPr>
-              <a:lnSpc>
-                <a:spcPct val="70000"/>
-              </a:lnSpc>
-              <a:spcBef>
-                <a:spcPts val="1000"/>
-              </a:spcBef>
-              <a:buClr>
-                <a:srgbClr val="00B050"/>
-              </a:buClr>
-            </a:pPr>
-            <a:r>
-              <a:rPr lang="en-GB" sz="1400" dirty="0">
-                <a:latin typeface="Palatino Linotype" panose="02040502050505030304" pitchFamily="18" charset="0"/>
-              </a:rPr>
-              <a:t>&lt;body&gt;</a:t>
-            </a:r>
-          </a:p>
-          <a:p>
-            <a:pPr>
-              <a:lnSpc>
-                <a:spcPct val="70000"/>
-              </a:lnSpc>
-              <a:spcBef>
-                <a:spcPts val="1000"/>
-              </a:spcBef>
-              <a:buClr>
-                <a:srgbClr val="00B050"/>
-              </a:buClr>
-            </a:pPr>
-            <a:r>
-              <a:rPr lang="en-GB" sz="1400" dirty="0">
-                <a:latin typeface="Palatino Linotype" panose="02040502050505030304" pitchFamily="18" charset="0"/>
-              </a:rPr>
-              <a:t>&lt;h1&gt; Reply: &lt;/h1&gt;</a:t>
-            </a:r>
-          </a:p>
-          <a:p>
-            <a:pPr>
-              <a:lnSpc>
-                <a:spcPct val="70000"/>
-              </a:lnSpc>
-              <a:spcBef>
-                <a:spcPts val="1000"/>
-              </a:spcBef>
-              <a:buClr>
-                <a:srgbClr val="00B050"/>
-              </a:buClr>
-            </a:pPr>
-            <a:r>
-              <a:rPr lang="en-GB" sz="1400" dirty="0">
-                <a:latin typeface="Palatino Linotype" panose="02040502050505030304" pitchFamily="18" charset="0"/>
-              </a:rPr>
-              <a:t>Hello Amelia.</a:t>
-            </a:r>
-          </a:p>
-          <a:p>
-            <a:pPr>
-              <a:lnSpc>
-                <a:spcPct val="70000"/>
-              </a:lnSpc>
-              <a:spcBef>
-                <a:spcPts val="1000"/>
-              </a:spcBef>
-              <a:buClr>
-                <a:srgbClr val="00B050"/>
-              </a:buClr>
-            </a:pPr>
-            <a:r>
-              <a:rPr lang="en-GB" sz="1400" dirty="0">
-                <a:latin typeface="Palatino Linotype" panose="02040502050505030304" pitchFamily="18" charset="0"/>
-              </a:rPr>
-              <a:t>Prediction: next year you will be 33</a:t>
-            </a:r>
-          </a:p>
-          <a:p>
-            <a:pPr>
-              <a:lnSpc>
-                <a:spcPct val="70000"/>
-              </a:lnSpc>
-              <a:spcBef>
-                <a:spcPts val="1000"/>
-              </a:spcBef>
-              <a:buClr>
-                <a:srgbClr val="00B050"/>
-              </a:buClr>
-            </a:pPr>
-            <a:r>
-              <a:rPr lang="en-GB" sz="1400" dirty="0">
-                <a:latin typeface="Palatino Linotype" panose="02040502050505030304" pitchFamily="18" charset="0"/>
-              </a:rPr>
-              <a:t>&lt;/body&gt;</a:t>
-            </a:r>
-          </a:p>
-          <a:p>
-            <a:pPr>
-              <a:lnSpc>
-                <a:spcPct val="70000"/>
-              </a:lnSpc>
-              <a:spcBef>
-                <a:spcPts val="1000"/>
-              </a:spcBef>
-              <a:buClr>
-                <a:srgbClr val="00B050"/>
-              </a:buClr>
-            </a:pPr>
-            <a:r>
-              <a:rPr lang="en-GB" sz="1400" dirty="0">
-                <a:latin typeface="Palatino Linotype" panose="02040502050505030304" pitchFamily="18" charset="0"/>
-              </a:rPr>
-              <a:t>&lt;/html&gt;</a:t>
-            </a:r>
-            <a:endParaRPr lang="it-IT" sz="1400" dirty="0">
-              <a:latin typeface="Palatino Linotype" panose="02040502050505030304" pitchFamily="18" charset="0"/>
-            </a:endParaRPr>
-          </a:p>
-        </p:txBody>
-      </p:sp>
-      <p:sp>
-        <p:nvSpPr>
-          <p:cNvPr id="10" name="Segnaposto contenuto 2"/>
-          <p:cNvSpPr txBox="1">
-            <a:spLocks/>
-          </p:cNvSpPr>
-          <p:nvPr/>
-        </p:nvSpPr>
-        <p:spPr>
-          <a:xfrm>
-            <a:off x="428173" y="3747480"/>
-            <a:ext cx="4531523" cy="1048209"/>
-          </a:xfrm>
-          <a:prstGeom prst="rect">
-            <a:avLst/>
-          </a:prstGeom>
-        </p:spPr>
-        <p:txBody>
-          <a:bodyPr vert="horz" lIns="91440" tIns="45720" rIns="91440" bIns="45720" rtlCol="0">
-            <a:noAutofit/>
-          </a:bodyPr>
-          <a:lstStyle>
-            <a:lvl1pPr marL="342900" indent="-342900" algn="l" defTabSz="914400" rtl="0" eaLnBrk="1" latinLnBrk="0" hangingPunct="1">
-              <a:lnSpc>
-                <a:spcPct val="90000"/>
-              </a:lnSpc>
-              <a:spcBef>
-                <a:spcPts val="1000"/>
-              </a:spcBef>
-              <a:buClr>
-                <a:srgbClr val="00B050"/>
-              </a:buClr>
-              <a:buFont typeface="Wingdings" panose="05000000000000000000" pitchFamily="2" charset="2"/>
-              <a:buChar char="Ø"/>
-              <a:defRPr sz="2400" kern="1200">
-                <a:solidFill>
-                  <a:schemeClr val="tx1"/>
-                </a:solidFill>
-                <a:latin typeface="Palatino Linotype" panose="02040502050505030304" pitchFamily="18" charset="0"/>
-                <a:ea typeface="+mn-ea"/>
-                <a:cs typeface="+mn-cs"/>
-              </a:defRPr>
-            </a:lvl1pPr>
-            <a:lvl2pPr marL="685800" indent="-228600" algn="l" defTabSz="914400" rtl="0" eaLnBrk="1" latinLnBrk="0" hangingPunct="1">
-              <a:lnSpc>
-                <a:spcPct val="90000"/>
-              </a:lnSpc>
-              <a:spcBef>
-                <a:spcPts val="500"/>
-              </a:spcBef>
-              <a:buClr>
-                <a:srgbClr val="00B050"/>
-              </a:buClr>
-              <a:buFont typeface="Wingdings" panose="05000000000000000000" pitchFamily="2" charset="2"/>
-              <a:buChar char="§"/>
-              <a:defRPr sz="2000" kern="1200">
-                <a:solidFill>
-                  <a:schemeClr val="tx1"/>
-                </a:solidFill>
-                <a:latin typeface="Palatino Linotype" panose="02040502050505030304" pitchFamily="18" charset="0"/>
-                <a:ea typeface="+mn-ea"/>
-                <a:cs typeface="+mn-cs"/>
-              </a:defRPr>
-            </a:lvl2pPr>
-            <a:lvl3pPr marL="1143000" indent="-228600" algn="l" defTabSz="914400" rtl="0" eaLnBrk="1" latinLnBrk="0" hangingPunct="1">
-              <a:lnSpc>
-                <a:spcPct val="90000"/>
-              </a:lnSpc>
-              <a:spcBef>
-                <a:spcPts val="500"/>
-              </a:spcBef>
-              <a:buClr>
-                <a:srgbClr val="00B050"/>
-              </a:buClr>
-              <a:buFont typeface="Arial" panose="020B0604020202020204" pitchFamily="34" charset="0"/>
-              <a:buChar char="•"/>
-              <a:defRPr sz="1800" kern="1200">
-                <a:solidFill>
-                  <a:schemeClr val="tx1"/>
-                </a:solidFill>
-                <a:latin typeface="Palatino Linotype" panose="02040502050505030304" pitchFamily="18" charset="0"/>
-                <a:ea typeface="+mn-ea"/>
-                <a:cs typeface="+mn-cs"/>
-              </a:defRPr>
-            </a:lvl3pPr>
-            <a:lvl4pPr marL="1600200" indent="-228600" algn="l" defTabSz="914400" rtl="0" eaLnBrk="1" latinLnBrk="0" hangingPunct="1">
-              <a:lnSpc>
-                <a:spcPct val="90000"/>
-              </a:lnSpc>
-              <a:spcBef>
-                <a:spcPts val="500"/>
-              </a:spcBef>
-              <a:buClr>
-                <a:srgbClr val="00B050"/>
-              </a:buClr>
-              <a:buFont typeface="Courier New" panose="02070309020205020404" pitchFamily="49" charset="0"/>
-              <a:buChar char="o"/>
-              <a:defRPr sz="1600" kern="1200">
-                <a:solidFill>
-                  <a:schemeClr val="tx1"/>
-                </a:solidFill>
-                <a:latin typeface="Palatino Linotype" panose="02040502050505030304" pitchFamily="18" charset="0"/>
-                <a:ea typeface="+mn-ea"/>
-                <a:cs typeface="+mn-cs"/>
-              </a:defRPr>
-            </a:lvl4pPr>
-            <a:lvl5pPr marL="2057400" indent="-228600" algn="l" defTabSz="914400" rtl="0" eaLnBrk="1" latinLnBrk="0" hangingPunct="1">
-              <a:lnSpc>
-                <a:spcPct val="90000"/>
-              </a:lnSpc>
-              <a:spcBef>
-                <a:spcPts val="500"/>
-              </a:spcBef>
-              <a:buClr>
-                <a:srgbClr val="00B050"/>
-              </a:buClr>
-              <a:buFont typeface="Times New Roman" panose="02020603050405020304" pitchFamily="18" charset="0"/>
-              <a:buChar char="̶"/>
-              <a:defRPr sz="1600" kern="1200">
-                <a:solidFill>
-                  <a:schemeClr val="tx1"/>
-                </a:solidFill>
-                <a:latin typeface="Palatino Linotype" panose="02040502050505030304" pitchFamily="18" charset="0"/>
-                <a:ea typeface="+mn-ea"/>
-                <a:cs typeface="+mn-cs"/>
-              </a:defRPr>
-            </a:lvl5pPr>
-            <a:lvl6pPr marL="2514600" indent="-228600" algn="l" defTabSz="914400" rtl="0" eaLnBrk="1" latinLnBrk="0" hangingPunct="1">
-              <a:lnSpc>
-                <a:spcPct val="90000"/>
-              </a:lnSpc>
-              <a:spcBef>
-                <a:spcPts val="500"/>
-              </a:spcBef>
-              <a:buFont typeface="Arial" panose="020B0604020202020204" pitchFamily="34" charset="0"/>
-              <a:buChar char="•"/>
-              <a:defRPr sz="1800" kern="1200">
-                <a:solidFill>
-                  <a:schemeClr val="tx1"/>
-                </a:solidFill>
-                <a:latin typeface="+mn-lt"/>
-                <a:ea typeface="+mn-ea"/>
-                <a:cs typeface="+mn-cs"/>
-              </a:defRPr>
-            </a:lvl6pPr>
-            <a:lvl7pPr marL="2971800" indent="-228600" algn="l" defTabSz="914400" rtl="0" eaLnBrk="1" latinLnBrk="0" hangingPunct="1">
-              <a:lnSpc>
-                <a:spcPct val="90000"/>
-              </a:lnSpc>
-              <a:spcBef>
-                <a:spcPts val="500"/>
-              </a:spcBef>
-              <a:buFont typeface="Arial" panose="020B0604020202020204" pitchFamily="34" charset="0"/>
-              <a:buChar char="•"/>
-              <a:defRPr sz="1800" kern="1200">
-                <a:solidFill>
-                  <a:schemeClr val="tx1"/>
-                </a:solidFill>
-                <a:latin typeface="+mn-lt"/>
-                <a:ea typeface="+mn-ea"/>
-                <a:cs typeface="+mn-cs"/>
-              </a:defRPr>
-            </a:lvl7pPr>
-            <a:lvl8pPr marL="3429000" indent="-228600" algn="l" defTabSz="914400" rtl="0" eaLnBrk="1" latinLnBrk="0" hangingPunct="1">
-              <a:lnSpc>
-                <a:spcPct val="90000"/>
-              </a:lnSpc>
-              <a:spcBef>
-                <a:spcPts val="500"/>
-              </a:spcBef>
-              <a:buFont typeface="Arial" panose="020B0604020202020204" pitchFamily="34" charset="0"/>
-              <a:buChar char="•"/>
-              <a:defRPr sz="1800" kern="1200">
-                <a:solidFill>
-                  <a:schemeClr val="tx1"/>
-                </a:solidFill>
-                <a:latin typeface="+mn-lt"/>
-                <a:ea typeface="+mn-ea"/>
-                <a:cs typeface="+mn-cs"/>
-              </a:defRPr>
-            </a:lvl8pPr>
-            <a:lvl9pPr marL="3886200" indent="-228600" algn="l" defTabSz="914400" rtl="0" eaLnBrk="1" latinLnBrk="0" hangingPunct="1">
-              <a:lnSpc>
-                <a:spcPct val="90000"/>
-              </a:lnSpc>
-              <a:spcBef>
-                <a:spcPts val="500"/>
-              </a:spcBef>
-              <a:buFont typeface="Arial" panose="020B0604020202020204" pitchFamily="34" charset="0"/>
-              <a:buChar char="•"/>
-              <a:defRPr sz="1800" kern="1200">
-                <a:solidFill>
-                  <a:schemeClr val="tx1"/>
-                </a:solidFill>
-                <a:latin typeface="+mn-lt"/>
-                <a:ea typeface="+mn-ea"/>
-                <a:cs typeface="+mn-cs"/>
-              </a:defRPr>
-            </a:lvl9pPr>
-          </a:lstStyle>
-          <a:p>
-            <a:pPr marL="457200" indent="-457200">
-              <a:buFont typeface="+mj-lt"/>
-              <a:buAutoNum type="arabicPeriod"/>
-            </a:pPr>
-            <a:r>
-              <a:rPr lang="en-US" sz="1800" dirty="0"/>
-              <a:t>The Web form HTML file</a:t>
-            </a:r>
-            <a:r>
-              <a:rPr lang="en-US" sz="1800" b="1" dirty="0"/>
-              <a:t> contains a POST </a:t>
-            </a:r>
-            <a:r>
-              <a:rPr lang="en-US" sz="1800" dirty="0"/>
-              <a:t>to </a:t>
-            </a:r>
-            <a:r>
-              <a:rPr lang="en-US" sz="1800" dirty="0" err="1"/>
-              <a:t>action.php</a:t>
-            </a:r>
-            <a:r>
-              <a:rPr lang="en-US" sz="1800" dirty="0"/>
-              <a:t>. The POST sends formatted input data to the server (e.g. ‘name=</a:t>
-            </a:r>
-            <a:r>
-              <a:rPr lang="en-US" sz="1800" dirty="0" err="1"/>
-              <a:t>Amelia&amp;age</a:t>
-            </a:r>
-            <a:r>
-              <a:rPr lang="en-US" sz="1800" dirty="0"/>
-              <a:t>=32’).</a:t>
-            </a:r>
-          </a:p>
-        </p:txBody>
-      </p:sp>
-      <p:sp>
-        <p:nvSpPr>
-          <p:cNvPr id="11" name="Segnaposto contenuto 2"/>
-          <p:cNvSpPr txBox="1">
-            <a:spLocks/>
-          </p:cNvSpPr>
-          <p:nvPr/>
-        </p:nvSpPr>
-        <p:spPr>
-          <a:xfrm>
-            <a:off x="428172" y="4852393"/>
-            <a:ext cx="4596059" cy="876658"/>
-          </a:xfrm>
-          <a:prstGeom prst="rect">
-            <a:avLst/>
-          </a:prstGeom>
-        </p:spPr>
-        <p:txBody>
-          <a:bodyPr vert="horz" lIns="91440" tIns="45720" rIns="91440" bIns="45720" rtlCol="0">
-            <a:noAutofit/>
-          </a:bodyPr>
-          <a:lstStyle>
-            <a:lvl1pPr marL="342900" indent="-342900" algn="l" defTabSz="914400" rtl="0" eaLnBrk="1" latinLnBrk="0" hangingPunct="1">
-              <a:lnSpc>
-                <a:spcPct val="90000"/>
-              </a:lnSpc>
-              <a:spcBef>
-                <a:spcPts val="1000"/>
-              </a:spcBef>
-              <a:buClr>
-                <a:srgbClr val="00B050"/>
-              </a:buClr>
-              <a:buFont typeface="Wingdings" panose="05000000000000000000" pitchFamily="2" charset="2"/>
-              <a:buChar char="Ø"/>
-              <a:defRPr sz="2400" kern="1200">
-                <a:solidFill>
-                  <a:schemeClr val="tx1"/>
-                </a:solidFill>
-                <a:latin typeface="Palatino Linotype" panose="02040502050505030304" pitchFamily="18" charset="0"/>
-                <a:ea typeface="+mn-ea"/>
-                <a:cs typeface="+mn-cs"/>
-              </a:defRPr>
-            </a:lvl1pPr>
-            <a:lvl2pPr marL="685800" indent="-228600" algn="l" defTabSz="914400" rtl="0" eaLnBrk="1" latinLnBrk="0" hangingPunct="1">
-              <a:lnSpc>
-                <a:spcPct val="90000"/>
-              </a:lnSpc>
-              <a:spcBef>
-                <a:spcPts val="500"/>
-              </a:spcBef>
-              <a:buClr>
-                <a:srgbClr val="00B050"/>
-              </a:buClr>
-              <a:buFont typeface="Wingdings" panose="05000000000000000000" pitchFamily="2" charset="2"/>
-              <a:buChar char="§"/>
-              <a:defRPr sz="2000" kern="1200">
-                <a:solidFill>
-                  <a:schemeClr val="tx1"/>
-                </a:solidFill>
-                <a:latin typeface="Palatino Linotype" panose="02040502050505030304" pitchFamily="18" charset="0"/>
-                <a:ea typeface="+mn-ea"/>
-                <a:cs typeface="+mn-cs"/>
-              </a:defRPr>
-            </a:lvl2pPr>
-            <a:lvl3pPr marL="1143000" indent="-228600" algn="l" defTabSz="914400" rtl="0" eaLnBrk="1" latinLnBrk="0" hangingPunct="1">
-              <a:lnSpc>
-                <a:spcPct val="90000"/>
-              </a:lnSpc>
-              <a:spcBef>
-                <a:spcPts val="500"/>
-              </a:spcBef>
-              <a:buClr>
-                <a:srgbClr val="00B050"/>
-              </a:buClr>
-              <a:buFont typeface="Arial" panose="020B0604020202020204" pitchFamily="34" charset="0"/>
-              <a:buChar char="•"/>
-              <a:defRPr sz="1800" kern="1200">
-                <a:solidFill>
-                  <a:schemeClr val="tx1"/>
-                </a:solidFill>
-                <a:latin typeface="Palatino Linotype" panose="02040502050505030304" pitchFamily="18" charset="0"/>
-                <a:ea typeface="+mn-ea"/>
-                <a:cs typeface="+mn-cs"/>
-              </a:defRPr>
-            </a:lvl3pPr>
-            <a:lvl4pPr marL="1600200" indent="-228600" algn="l" defTabSz="914400" rtl="0" eaLnBrk="1" latinLnBrk="0" hangingPunct="1">
-              <a:lnSpc>
-                <a:spcPct val="90000"/>
-              </a:lnSpc>
-              <a:spcBef>
-                <a:spcPts val="500"/>
-              </a:spcBef>
-              <a:buClr>
-                <a:srgbClr val="00B050"/>
-              </a:buClr>
-              <a:buFont typeface="Courier New" panose="02070309020205020404" pitchFamily="49" charset="0"/>
-              <a:buChar char="o"/>
-              <a:defRPr sz="1600" kern="1200">
-                <a:solidFill>
-                  <a:schemeClr val="tx1"/>
-                </a:solidFill>
-                <a:latin typeface="Palatino Linotype" panose="02040502050505030304" pitchFamily="18" charset="0"/>
-                <a:ea typeface="+mn-ea"/>
-                <a:cs typeface="+mn-cs"/>
-              </a:defRPr>
-            </a:lvl4pPr>
-            <a:lvl5pPr marL="2057400" indent="-228600" algn="l" defTabSz="914400" rtl="0" eaLnBrk="1" latinLnBrk="0" hangingPunct="1">
-              <a:lnSpc>
-                <a:spcPct val="90000"/>
-              </a:lnSpc>
-              <a:spcBef>
-                <a:spcPts val="500"/>
-              </a:spcBef>
-              <a:buClr>
-                <a:srgbClr val="00B050"/>
-              </a:buClr>
-              <a:buFont typeface="Times New Roman" panose="02020603050405020304" pitchFamily="18" charset="0"/>
-              <a:buChar char="̶"/>
-              <a:defRPr sz="1600" kern="1200">
-                <a:solidFill>
-                  <a:schemeClr val="tx1"/>
-                </a:solidFill>
-                <a:latin typeface="Palatino Linotype" panose="02040502050505030304" pitchFamily="18" charset="0"/>
-                <a:ea typeface="+mn-ea"/>
-                <a:cs typeface="+mn-cs"/>
-              </a:defRPr>
-            </a:lvl5pPr>
-            <a:lvl6pPr marL="2514600" indent="-228600" algn="l" defTabSz="914400" rtl="0" eaLnBrk="1" latinLnBrk="0" hangingPunct="1">
-              <a:lnSpc>
-                <a:spcPct val="90000"/>
-              </a:lnSpc>
-              <a:spcBef>
-                <a:spcPts val="500"/>
-              </a:spcBef>
-              <a:buFont typeface="Arial" panose="020B0604020202020204" pitchFamily="34" charset="0"/>
-              <a:buChar char="•"/>
-              <a:defRPr sz="1800" kern="1200">
-                <a:solidFill>
-                  <a:schemeClr val="tx1"/>
-                </a:solidFill>
-                <a:latin typeface="+mn-lt"/>
-                <a:ea typeface="+mn-ea"/>
-                <a:cs typeface="+mn-cs"/>
-              </a:defRPr>
-            </a:lvl6pPr>
-            <a:lvl7pPr marL="2971800" indent="-228600" algn="l" defTabSz="914400" rtl="0" eaLnBrk="1" latinLnBrk="0" hangingPunct="1">
-              <a:lnSpc>
-                <a:spcPct val="90000"/>
-              </a:lnSpc>
-              <a:spcBef>
-                <a:spcPts val="500"/>
-              </a:spcBef>
-              <a:buFont typeface="Arial" panose="020B0604020202020204" pitchFamily="34" charset="0"/>
-              <a:buChar char="•"/>
-              <a:defRPr sz="1800" kern="1200">
-                <a:solidFill>
-                  <a:schemeClr val="tx1"/>
-                </a:solidFill>
-                <a:latin typeface="+mn-lt"/>
-                <a:ea typeface="+mn-ea"/>
-                <a:cs typeface="+mn-cs"/>
-              </a:defRPr>
-            </a:lvl7pPr>
-            <a:lvl8pPr marL="3429000" indent="-228600" algn="l" defTabSz="914400" rtl="0" eaLnBrk="1" latinLnBrk="0" hangingPunct="1">
-              <a:lnSpc>
-                <a:spcPct val="90000"/>
-              </a:lnSpc>
-              <a:spcBef>
-                <a:spcPts val="500"/>
-              </a:spcBef>
-              <a:buFont typeface="Arial" panose="020B0604020202020204" pitchFamily="34" charset="0"/>
-              <a:buChar char="•"/>
-              <a:defRPr sz="1800" kern="1200">
-                <a:solidFill>
-                  <a:schemeClr val="tx1"/>
-                </a:solidFill>
-                <a:latin typeface="+mn-lt"/>
-                <a:ea typeface="+mn-ea"/>
-                <a:cs typeface="+mn-cs"/>
-              </a:defRPr>
-            </a:lvl8pPr>
-            <a:lvl9pPr marL="3886200" indent="-228600" algn="l" defTabSz="914400" rtl="0" eaLnBrk="1" latinLnBrk="0" hangingPunct="1">
-              <a:lnSpc>
-                <a:spcPct val="90000"/>
-              </a:lnSpc>
-              <a:spcBef>
-                <a:spcPts val="500"/>
-              </a:spcBef>
-              <a:buFont typeface="Arial" panose="020B0604020202020204" pitchFamily="34" charset="0"/>
-              <a:buChar char="•"/>
-              <a:defRPr sz="1800" kern="1200">
-                <a:solidFill>
-                  <a:schemeClr val="tx1"/>
-                </a:solidFill>
-                <a:latin typeface="+mn-lt"/>
-                <a:ea typeface="+mn-ea"/>
-                <a:cs typeface="+mn-cs"/>
-              </a:defRPr>
-            </a:lvl9pPr>
-          </a:lstStyle>
-          <a:p>
-            <a:pPr marL="457200" indent="-457200">
-              <a:buFont typeface="+mj-lt"/>
-              <a:buAutoNum type="arabicPeriod" startAt="2"/>
-            </a:pPr>
-            <a:r>
-              <a:rPr lang="en-US" sz="1800" dirty="0"/>
-              <a:t>The server process </a:t>
-            </a:r>
-            <a:r>
-              <a:rPr lang="en-US" sz="1800" b="1" dirty="0" err="1"/>
-              <a:t>action.php</a:t>
-            </a:r>
-            <a:r>
-              <a:rPr lang="en-US" sz="1800" dirty="0"/>
-              <a:t> with the data provided by the POST. The </a:t>
-            </a:r>
-            <a:r>
-              <a:rPr lang="en-US" sz="1800" b="1" dirty="0" err="1"/>
-              <a:t>php</a:t>
-            </a:r>
-            <a:r>
-              <a:rPr lang="en-US" sz="1800" b="1" dirty="0"/>
-              <a:t> script </a:t>
-            </a:r>
-            <a:r>
-              <a:rPr lang="en-US" sz="1800" dirty="0"/>
-              <a:t>is run. </a:t>
-            </a:r>
-          </a:p>
-        </p:txBody>
-      </p:sp>
-      <p:sp>
-        <p:nvSpPr>
-          <p:cNvPr id="12" name="Segnaposto contenuto 2"/>
-          <p:cNvSpPr txBox="1">
-            <a:spLocks/>
-          </p:cNvSpPr>
-          <p:nvPr/>
-        </p:nvSpPr>
-        <p:spPr>
-          <a:xfrm>
-            <a:off x="428172" y="5714127"/>
-            <a:ext cx="4639329" cy="1006429"/>
-          </a:xfrm>
-          <a:prstGeom prst="rect">
-            <a:avLst/>
-          </a:prstGeom>
-        </p:spPr>
-        <p:txBody>
-          <a:bodyPr vert="horz" lIns="91440" tIns="45720" rIns="91440" bIns="45720" rtlCol="0">
-            <a:noAutofit/>
-          </a:bodyPr>
-          <a:lstStyle>
-            <a:lvl1pPr marL="342900" indent="-342900" algn="l" defTabSz="914400" rtl="0" eaLnBrk="1" latinLnBrk="0" hangingPunct="1">
-              <a:lnSpc>
-                <a:spcPct val="90000"/>
-              </a:lnSpc>
-              <a:spcBef>
-                <a:spcPts val="1000"/>
-              </a:spcBef>
-              <a:buClr>
-                <a:srgbClr val="00B050"/>
-              </a:buClr>
-              <a:buFont typeface="Wingdings" panose="05000000000000000000" pitchFamily="2" charset="2"/>
-              <a:buChar char="Ø"/>
-              <a:defRPr sz="2400" kern="1200">
-                <a:solidFill>
-                  <a:schemeClr val="tx1"/>
-                </a:solidFill>
-                <a:latin typeface="Palatino Linotype" panose="02040502050505030304" pitchFamily="18" charset="0"/>
-                <a:ea typeface="+mn-ea"/>
-                <a:cs typeface="+mn-cs"/>
-              </a:defRPr>
-            </a:lvl1pPr>
-            <a:lvl2pPr marL="685800" indent="-228600" algn="l" defTabSz="914400" rtl="0" eaLnBrk="1" latinLnBrk="0" hangingPunct="1">
-              <a:lnSpc>
-                <a:spcPct val="90000"/>
-              </a:lnSpc>
-              <a:spcBef>
-                <a:spcPts val="500"/>
-              </a:spcBef>
-              <a:buClr>
-                <a:srgbClr val="00B050"/>
-              </a:buClr>
-              <a:buFont typeface="Wingdings" panose="05000000000000000000" pitchFamily="2" charset="2"/>
-              <a:buChar char="§"/>
-              <a:defRPr sz="2000" kern="1200">
-                <a:solidFill>
-                  <a:schemeClr val="tx1"/>
-                </a:solidFill>
-                <a:latin typeface="Palatino Linotype" panose="02040502050505030304" pitchFamily="18" charset="0"/>
-                <a:ea typeface="+mn-ea"/>
-                <a:cs typeface="+mn-cs"/>
-              </a:defRPr>
-            </a:lvl2pPr>
-            <a:lvl3pPr marL="1143000" indent="-228600" algn="l" defTabSz="914400" rtl="0" eaLnBrk="1" latinLnBrk="0" hangingPunct="1">
-              <a:lnSpc>
-                <a:spcPct val="90000"/>
-              </a:lnSpc>
-              <a:spcBef>
-                <a:spcPts val="500"/>
-              </a:spcBef>
-              <a:buClr>
-                <a:srgbClr val="00B050"/>
-              </a:buClr>
-              <a:buFont typeface="Arial" panose="020B0604020202020204" pitchFamily="34" charset="0"/>
-              <a:buChar char="•"/>
-              <a:defRPr sz="1800" kern="1200">
-                <a:solidFill>
-                  <a:schemeClr val="tx1"/>
-                </a:solidFill>
-                <a:latin typeface="Palatino Linotype" panose="02040502050505030304" pitchFamily="18" charset="0"/>
-                <a:ea typeface="+mn-ea"/>
-                <a:cs typeface="+mn-cs"/>
-              </a:defRPr>
-            </a:lvl3pPr>
-            <a:lvl4pPr marL="1600200" indent="-228600" algn="l" defTabSz="914400" rtl="0" eaLnBrk="1" latinLnBrk="0" hangingPunct="1">
-              <a:lnSpc>
-                <a:spcPct val="90000"/>
-              </a:lnSpc>
-              <a:spcBef>
-                <a:spcPts val="500"/>
-              </a:spcBef>
-              <a:buClr>
-                <a:srgbClr val="00B050"/>
-              </a:buClr>
-              <a:buFont typeface="Courier New" panose="02070309020205020404" pitchFamily="49" charset="0"/>
-              <a:buChar char="o"/>
-              <a:defRPr sz="1600" kern="1200">
-                <a:solidFill>
-                  <a:schemeClr val="tx1"/>
-                </a:solidFill>
-                <a:latin typeface="Palatino Linotype" panose="02040502050505030304" pitchFamily="18" charset="0"/>
-                <a:ea typeface="+mn-ea"/>
-                <a:cs typeface="+mn-cs"/>
-              </a:defRPr>
-            </a:lvl4pPr>
-            <a:lvl5pPr marL="2057400" indent="-228600" algn="l" defTabSz="914400" rtl="0" eaLnBrk="1" latinLnBrk="0" hangingPunct="1">
-              <a:lnSpc>
-                <a:spcPct val="90000"/>
-              </a:lnSpc>
-              <a:spcBef>
-                <a:spcPts val="500"/>
-              </a:spcBef>
-              <a:buClr>
-                <a:srgbClr val="00B050"/>
-              </a:buClr>
-              <a:buFont typeface="Times New Roman" panose="02020603050405020304" pitchFamily="18" charset="0"/>
-              <a:buChar char="̶"/>
-              <a:defRPr sz="1600" kern="1200">
-                <a:solidFill>
-                  <a:schemeClr val="tx1"/>
-                </a:solidFill>
-                <a:latin typeface="Palatino Linotype" panose="02040502050505030304" pitchFamily="18" charset="0"/>
-                <a:ea typeface="+mn-ea"/>
-                <a:cs typeface="+mn-cs"/>
-              </a:defRPr>
-            </a:lvl5pPr>
-            <a:lvl6pPr marL="2514600" indent="-228600" algn="l" defTabSz="914400" rtl="0" eaLnBrk="1" latinLnBrk="0" hangingPunct="1">
-              <a:lnSpc>
-                <a:spcPct val="90000"/>
-              </a:lnSpc>
-              <a:spcBef>
-                <a:spcPts val="500"/>
-              </a:spcBef>
-              <a:buFont typeface="Arial" panose="020B0604020202020204" pitchFamily="34" charset="0"/>
-              <a:buChar char="•"/>
-              <a:defRPr sz="1800" kern="1200">
-                <a:solidFill>
-                  <a:schemeClr val="tx1"/>
-                </a:solidFill>
-                <a:latin typeface="+mn-lt"/>
-                <a:ea typeface="+mn-ea"/>
-                <a:cs typeface="+mn-cs"/>
-              </a:defRPr>
-            </a:lvl6pPr>
-            <a:lvl7pPr marL="2971800" indent="-228600" algn="l" defTabSz="914400" rtl="0" eaLnBrk="1" latinLnBrk="0" hangingPunct="1">
-              <a:lnSpc>
-                <a:spcPct val="90000"/>
-              </a:lnSpc>
-              <a:spcBef>
-                <a:spcPts val="500"/>
-              </a:spcBef>
-              <a:buFont typeface="Arial" panose="020B0604020202020204" pitchFamily="34" charset="0"/>
-              <a:buChar char="•"/>
-              <a:defRPr sz="1800" kern="1200">
-                <a:solidFill>
-                  <a:schemeClr val="tx1"/>
-                </a:solidFill>
-                <a:latin typeface="+mn-lt"/>
-                <a:ea typeface="+mn-ea"/>
-                <a:cs typeface="+mn-cs"/>
-              </a:defRPr>
-            </a:lvl7pPr>
-            <a:lvl8pPr marL="3429000" indent="-228600" algn="l" defTabSz="914400" rtl="0" eaLnBrk="1" latinLnBrk="0" hangingPunct="1">
-              <a:lnSpc>
-                <a:spcPct val="90000"/>
-              </a:lnSpc>
-              <a:spcBef>
-                <a:spcPts val="500"/>
-              </a:spcBef>
-              <a:buFont typeface="Arial" panose="020B0604020202020204" pitchFamily="34" charset="0"/>
-              <a:buChar char="•"/>
-              <a:defRPr sz="1800" kern="1200">
-                <a:solidFill>
-                  <a:schemeClr val="tx1"/>
-                </a:solidFill>
-                <a:latin typeface="+mn-lt"/>
-                <a:ea typeface="+mn-ea"/>
-                <a:cs typeface="+mn-cs"/>
-              </a:defRPr>
-            </a:lvl8pPr>
-            <a:lvl9pPr marL="3886200" indent="-228600" algn="l" defTabSz="914400" rtl="0" eaLnBrk="1" latinLnBrk="0" hangingPunct="1">
-              <a:lnSpc>
-                <a:spcPct val="90000"/>
-              </a:lnSpc>
-              <a:spcBef>
-                <a:spcPts val="500"/>
-              </a:spcBef>
-              <a:buFont typeface="Arial" panose="020B0604020202020204" pitchFamily="34" charset="0"/>
-              <a:buChar char="•"/>
-              <a:defRPr sz="1800" kern="1200">
-                <a:solidFill>
-                  <a:schemeClr val="tx1"/>
-                </a:solidFill>
-                <a:latin typeface="+mn-lt"/>
-                <a:ea typeface="+mn-ea"/>
-                <a:cs typeface="+mn-cs"/>
-              </a:defRPr>
-            </a:lvl9pPr>
-          </a:lstStyle>
-          <a:p>
-            <a:pPr marL="457200" indent="-457200">
-              <a:buFont typeface="+mj-lt"/>
-              <a:buAutoNum type="arabicPeriod" startAt="3"/>
-            </a:pPr>
-            <a:r>
-              <a:rPr lang="en-US" sz="1800" dirty="0" err="1"/>
-              <a:t>action.php</a:t>
-            </a:r>
-            <a:r>
-              <a:rPr lang="en-US" sz="1800" dirty="0"/>
-              <a:t> generates a </a:t>
-            </a:r>
-            <a:r>
-              <a:rPr lang="en-US" sz="1800" b="1" dirty="0"/>
-              <a:t>HTML page</a:t>
-            </a:r>
-            <a:r>
-              <a:rPr lang="en-US" sz="1800" dirty="0"/>
-              <a:t>, which is provided in response to the client’s browser.</a:t>
-            </a:r>
-          </a:p>
-        </p:txBody>
-      </p:sp>
-      <p:sp>
-        <p:nvSpPr>
-          <p:cNvPr id="5" name="Segnaposto numero diapositiva 4"/>
-          <p:cNvSpPr>
-            <a:spLocks noGrp="1"/>
-          </p:cNvSpPr>
-          <p:nvPr>
-            <p:ph type="sldNum" sz="quarter" idx="12"/>
-          </p:nvPr>
-        </p:nvSpPr>
-        <p:spPr/>
-        <p:txBody>
-          <a:bodyPr/>
-          <a:lstStyle/>
-          <a:p>
-            <a:fld id="{31DE2C5B-556E-47B8-A792-024C2FCA4ACC}" type="slidenum">
-              <a:rPr lang="en-GB" smtClean="0"/>
-              <a:t>24</a:t>
-            </a:fld>
-            <a:endParaRPr lang="en-GB"/>
-          </a:p>
-        </p:txBody>
-      </p:sp>
-    </p:spTree>
-    <p:extLst>
-      <p:ext uri="{BB962C8B-B14F-4D97-AF65-F5344CB8AC3E}">
-        <p14:creationId xmlns:p14="http://schemas.microsoft.com/office/powerpoint/2010/main" val="722602639"/>
-      </p:ext>
-    </p:extLst>
-  </p:cSld>
-  <p:clrMapOvr>
-    <a:masterClrMapping/>
-  </p:clrMapOvr>
-</p:sld>
-</file>
-
-<file path=ppt/slides/slide25.xml><?xml version="1.0" encoding="utf-8"?>
-<p:sld xmlns:a="http://schemas.openxmlformats.org/drawingml/2006/main" xmlns:r="http://schemas.openxmlformats.org/officeDocument/2006/relationships" xmlns:p="http://schemas.openxmlformats.org/presentationml/2006/main">
-  <p:cSld>
-    <p:spTree>
-      <p:nvGrpSpPr>
-        <p:cNvPr id="1" name=""/>
-        <p:cNvGrpSpPr/>
-        <p:nvPr/>
-      </p:nvGrpSpPr>
-      <p:grpSpPr>
-        <a:xfrm>
-          <a:off x="0" y="0"/>
-          <a:ext cx="0" cy="0"/>
-          <a:chOff x="0" y="0"/>
-          <a:chExt cx="0" cy="0"/>
-        </a:xfrm>
-      </p:grpSpPr>
-      <p:sp>
-        <p:nvSpPr>
-          <p:cNvPr id="2" name="Titolo 1"/>
-          <p:cNvSpPr>
-            <a:spLocks noGrp="1"/>
-          </p:cNvSpPr>
-          <p:nvPr>
-            <p:ph type="title"/>
-          </p:nvPr>
-        </p:nvSpPr>
-        <p:spPr/>
-        <p:txBody>
-          <a:bodyPr/>
-          <a:lstStyle/>
-          <a:p>
-            <a:r>
-              <a:rPr lang="en-US" dirty="0"/>
               <a:t>Client-side dynamic Web page generation</a:t>
             </a:r>
           </a:p>
@@ -12888,7 +10610,7 @@
           <a:p>
             <a:fld id="{31DE2C5B-556E-47B8-A792-024C2FCA4ACC}" type="slidenum">
               <a:rPr lang="en-GB" smtClean="0"/>
-              <a:t>25</a:t>
+              <a:t>23</a:t>
             </a:fld>
             <a:endParaRPr lang="en-GB"/>
           </a:p>
@@ -12907,7 +10629,7 @@
 </p:sld>
 </file>
 
-<file path=ppt/slides/slide26.xml><?xml version="1.0" encoding="utf-8"?>
+<file path=ppt/slides/slide24.xml><?xml version="1.0" encoding="utf-8"?>
 <p:sld xmlns:a="http://schemas.openxmlformats.org/drawingml/2006/main" xmlns:r="http://schemas.openxmlformats.org/officeDocument/2006/relationships" xmlns:p="http://schemas.openxmlformats.org/presentationml/2006/main">
   <p:cSld>
     <p:spTree>
@@ -12940,8 +10662,12 @@
           <a:lstStyle/>
           <a:p>
             <a:r>
+              <a:rPr lang="it-IT" dirty="0" err="1"/>
+              <a:t>Example</a:t>
+            </a:r>
+            <a:r>
               <a:rPr lang="it-IT" dirty="0"/>
-              <a:t>Web </a:t>
+              <a:t> of a Web </a:t>
             </a:r>
             <a:r>
               <a:rPr lang="it-IT" dirty="0" err="1"/>
@@ -12968,7 +10694,7 @@
         <p:spPr>
           <a:xfrm>
             <a:off x="891363" y="1775633"/>
-            <a:ext cx="3565451" cy="3264197"/>
+            <a:ext cx="3565451" cy="3586969"/>
           </a:xfrm>
           <a:prstGeom prst="rect">
             <a:avLst/>
@@ -13124,7 +10850,7 @@
         <p:spPr>
           <a:xfrm>
             <a:off x="1306032" y="2414124"/>
-            <a:ext cx="2736112" cy="2107542"/>
+            <a:ext cx="2736112" cy="2620392"/>
           </a:xfrm>
           <a:prstGeom prst="rect">
             <a:avLst/>
@@ -13254,7 +10980,7 @@
         <p:spPr>
           <a:xfrm>
             <a:off x="1469066" y="3185506"/>
-            <a:ext cx="2417134" cy="446567"/>
+            <a:ext cx="2417134" cy="634978"/>
           </a:xfrm>
           <a:prstGeom prst="rect">
             <a:avLst/>
@@ -13283,7 +11009,19 @@
               <a:rPr lang="it-IT" dirty="0">
                 <a:latin typeface="Palatino Linotype" panose="02040502050505030304" pitchFamily="18" charset="0"/>
               </a:rPr>
-              <a:t>JavaScript </a:t>
+              <a:t>Client-side </a:t>
+            </a:r>
+            <a:r>
+              <a:rPr lang="it-IT" dirty="0" err="1">
+                <a:latin typeface="Palatino Linotype" panose="02040502050505030304" pitchFamily="18" charset="0"/>
+              </a:rPr>
+              <a:t>language</a:t>
+            </a:r>
+            <a:r>
+              <a:rPr lang="it-IT" dirty="0">
+                <a:latin typeface="Palatino Linotype" panose="02040502050505030304" pitchFamily="18" charset="0"/>
+              </a:rPr>
+              <a:t> </a:t>
             </a:r>
             <a:r>
               <a:rPr lang="it-IT" dirty="0" err="1">
@@ -13305,7 +11043,7 @@
         </p:nvSpPr>
         <p:spPr>
           <a:xfrm>
-            <a:off x="1469066" y="3736049"/>
+            <a:off x="1469066" y="4006434"/>
             <a:ext cx="1049078" cy="446567"/>
           </a:xfrm>
           <a:prstGeom prst="rect">
@@ -13351,7 +11089,7 @@
         </p:nvSpPr>
         <p:spPr>
           <a:xfrm>
-            <a:off x="1745513" y="4064136"/>
+            <a:off x="1843412" y="4420997"/>
             <a:ext cx="1871330" cy="400110"/>
           </a:xfrm>
           <a:prstGeom prst="rect">
@@ -13386,8 +11124,8 @@
         </p:nvSpPr>
         <p:spPr>
           <a:xfrm>
-            <a:off x="7159254" y="2395823"/>
-            <a:ext cx="1933354" cy="446567"/>
+            <a:off x="7129469" y="2027702"/>
+            <a:ext cx="1933354" cy="1033177"/>
           </a:xfrm>
           <a:prstGeom prst="rect">
             <a:avLst/>
@@ -13416,65 +11154,25 @@
               <a:rPr lang="it-IT" dirty="0">
                 <a:latin typeface="Palatino Linotype" panose="02040502050505030304" pitchFamily="18" charset="0"/>
               </a:rPr>
-              <a:t>PHP </a:t>
+              <a:t>Server-side </a:t>
             </a:r>
             <a:r>
               <a:rPr lang="it-IT" dirty="0" err="1">
                 <a:latin typeface="Palatino Linotype" panose="02040502050505030304" pitchFamily="18" charset="0"/>
               </a:rPr>
+              <a:t>language</a:t>
+            </a:r>
+            <a:r>
+              <a:rPr lang="it-IT" dirty="0">
+                <a:latin typeface="Palatino Linotype" panose="02040502050505030304" pitchFamily="18" charset="0"/>
+              </a:rPr>
+              <a:t>  </a:t>
+            </a:r>
+            <a:r>
+              <a:rPr lang="it-IT" dirty="0" err="1">
+                <a:latin typeface="Palatino Linotype" panose="02040502050505030304" pitchFamily="18" charset="0"/>
+              </a:rPr>
               <a:t>interpreter</a:t>
-            </a:r>
-            <a:endParaRPr lang="en-GB" dirty="0">
-              <a:latin typeface="Palatino Linotype" panose="02040502050505030304" pitchFamily="18" charset="0"/>
-            </a:endParaRPr>
-          </a:p>
-        </p:txBody>
-      </p:sp>
-      <p:sp>
-        <p:nvSpPr>
-          <p:cNvPr id="16" name="Rettangolo 15"/>
-          <p:cNvSpPr/>
-          <p:nvPr/>
-        </p:nvSpPr>
-        <p:spPr>
-          <a:xfrm>
-            <a:off x="7159254" y="3289482"/>
-            <a:ext cx="1584251" cy="446567"/>
-          </a:xfrm>
-          <a:prstGeom prst="rect">
-            <a:avLst/>
-          </a:prstGeom>
-        </p:spPr>
-        <p:style>
-          <a:lnRef idx="1">
-            <a:schemeClr val="accent6"/>
-          </a:lnRef>
-          <a:fillRef idx="2">
-            <a:schemeClr val="accent6"/>
-          </a:fillRef>
-          <a:effectRef idx="1">
-            <a:schemeClr val="accent6"/>
-          </a:effectRef>
-          <a:fontRef idx="minor">
-            <a:schemeClr val="dk1"/>
-          </a:fontRef>
-        </p:style>
-        <p:txBody>
-          <a:bodyPr rtlCol="0" anchor="ctr"/>
-          <a:lstStyle/>
-          <a:p>
-            <a:pPr algn="ctr"/>
-            <a:r>
-              <a:rPr lang="it-IT" dirty="0">
-                <a:latin typeface="Palatino Linotype" panose="02040502050505030304" pitchFamily="18" charset="0"/>
-              </a:rPr>
-              <a:t>CGI </a:t>
-            </a:r>
-            <a:r>
-              <a:rPr lang="it-IT" dirty="0" err="1">
-                <a:latin typeface="Palatino Linotype" panose="02040502050505030304" pitchFamily="18" charset="0"/>
-              </a:rPr>
-              <a:t>interface</a:t>
             </a:r>
             <a:endParaRPr lang="en-GB" dirty="0">
               <a:latin typeface="Palatino Linotype" panose="02040502050505030304" pitchFamily="18" charset="0"/>
@@ -13527,6 +11225,12 @@
                 <a:latin typeface="Palatino Linotype" panose="02040502050505030304" pitchFamily="18" charset="0"/>
               </a:rPr>
               <a:t>programs</a:t>
+            </a:r>
+            <a:r>
+              <a:rPr lang="it-IT" dirty="0">
+                <a:latin typeface="Palatino Linotype" panose="02040502050505030304" pitchFamily="18" charset="0"/>
+              </a:rPr>
+              <a:t> # 2</a:t>
             </a:r>
             <a:endParaRPr lang="en-GB" dirty="0">
               <a:latin typeface="Palatino Linotype" panose="02040502050505030304" pitchFamily="18" charset="0"/>
@@ -13616,42 +11320,6 @@
           </a:fontRef>
         </p:style>
       </p:cxnSp>
-      <p:cxnSp>
-        <p:nvCxnSpPr>
-          <p:cNvPr id="21" name="Connettore 2 20"/>
-          <p:cNvCxnSpPr/>
-          <p:nvPr/>
-        </p:nvCxnSpPr>
-        <p:spPr>
-          <a:xfrm flipH="1">
-            <a:off x="4524533" y="3512765"/>
-            <a:ext cx="1980000" cy="0"/>
-          </a:xfrm>
-          <a:prstGeom prst="straightConnector1">
-            <a:avLst/>
-          </a:prstGeom>
-          <a:ln w="57150">
-            <a:solidFill>
-              <a:schemeClr val="tx1"/>
-            </a:solidFill>
-            <a:tailEnd type="triangle"/>
-          </a:ln>
-        </p:spPr>
-        <p:style>
-          <a:lnRef idx="1">
-            <a:schemeClr val="accent1"/>
-          </a:lnRef>
-          <a:fillRef idx="0">
-            <a:schemeClr val="accent1"/>
-          </a:fillRef>
-          <a:effectRef idx="0">
-            <a:schemeClr val="accent1"/>
-          </a:effectRef>
-          <a:fontRef idx="minor">
-            <a:schemeClr val="tx1"/>
-          </a:fontRef>
-        </p:style>
-      </p:cxnSp>
       <p:sp>
         <p:nvSpPr>
           <p:cNvPr id="23" name="CasellaDiTesto 22"/>
@@ -13697,43 +11365,6 @@
           <a:xfrm>
             <a:off x="9202480" y="2693582"/>
             <a:ext cx="411124" cy="198474"/>
-          </a:xfrm>
-          <a:prstGeom prst="straightConnector1">
-            <a:avLst/>
-          </a:prstGeom>
-          <a:ln w="38100">
-            <a:solidFill>
-              <a:schemeClr val="tx1"/>
-            </a:solidFill>
-            <a:headEnd type="triangle" w="med" len="med"/>
-            <a:tailEnd type="triangle" w="med" len="med"/>
-          </a:ln>
-        </p:spPr>
-        <p:style>
-          <a:lnRef idx="1">
-            <a:schemeClr val="accent1"/>
-          </a:lnRef>
-          <a:fillRef idx="0">
-            <a:schemeClr val="accent1"/>
-          </a:fillRef>
-          <a:effectRef idx="0">
-            <a:schemeClr val="accent1"/>
-          </a:effectRef>
-          <a:fontRef idx="minor">
-            <a:schemeClr val="tx1"/>
-          </a:fontRef>
-        </p:style>
-      </p:cxnSp>
-      <p:cxnSp>
-        <p:nvCxnSpPr>
-          <p:cNvPr id="27" name="Connettore 2 26"/>
-          <p:cNvCxnSpPr/>
-          <p:nvPr/>
-        </p:nvCxnSpPr>
-        <p:spPr>
-          <a:xfrm>
-            <a:off x="8591107" y="3804917"/>
-            <a:ext cx="274674" cy="328033"/>
           </a:xfrm>
           <a:prstGeom prst="straightConnector1">
             <a:avLst/>
@@ -13835,46 +11466,9 @@
           </a:fontRef>
         </p:style>
       </p:cxnSp>
-      <p:cxnSp>
-        <p:nvCxnSpPr>
-          <p:cNvPr id="33" name="Connettore 2 32"/>
-          <p:cNvCxnSpPr/>
-          <p:nvPr/>
-        </p:nvCxnSpPr>
-        <p:spPr>
-          <a:xfrm>
-            <a:off x="6673125" y="3512765"/>
-            <a:ext cx="411124" cy="0"/>
-          </a:xfrm>
-          <a:prstGeom prst="straightConnector1">
-            <a:avLst/>
-          </a:prstGeom>
-          <a:ln w="38100">
-            <a:solidFill>
-              <a:schemeClr val="tx1"/>
-            </a:solidFill>
-            <a:headEnd type="triangle" w="med" len="med"/>
-            <a:tailEnd type="triangle" w="med" len="med"/>
-          </a:ln>
-        </p:spPr>
-        <p:style>
-          <a:lnRef idx="1">
-            <a:schemeClr val="accent1"/>
-          </a:lnRef>
-          <a:fillRef idx="0">
-            <a:schemeClr val="accent1"/>
-          </a:fillRef>
-          <a:effectRef idx="0">
-            <a:schemeClr val="accent1"/>
-          </a:effectRef>
-          <a:fontRef idx="minor">
-            <a:schemeClr val="tx1"/>
-          </a:fontRef>
-        </p:style>
-      </p:cxnSp>
-      <p:sp>
-        <p:nvSpPr>
-          <p:cNvPr id="34" name="Segnaposto contenuto 2"/>
+      <p:sp>
+        <p:nvSpPr>
+          <p:cNvPr id="35" name="Segnaposto contenuto 2"/>
           <p:cNvSpPr txBox="1">
             <a:spLocks/>
           </p:cNvSpPr>
@@ -13882,8 +11476,8 @@
         </p:nvSpPr>
         <p:spPr>
           <a:xfrm>
-            <a:off x="243876" y="5354230"/>
-            <a:ext cx="5809595" cy="422730"/>
+            <a:off x="6257379" y="5362602"/>
+            <a:ext cx="5430032" cy="673671"/>
           </a:xfrm>
           <a:prstGeom prst="rect">
             <a:avLst/>
@@ -14075,14 +11669,201 @@
           <a:p>
             <a:r>
               <a:rPr lang="en-US" sz="1800" dirty="0"/>
-              <a:t>Alternatives to JavaScript: VBScript, applets Java</a:t>
-            </a:r>
-          </a:p>
-        </p:txBody>
-      </p:sp>
-      <p:sp>
-        <p:nvSpPr>
-          <p:cNvPr id="35" name="Segnaposto contenuto 2"/>
+              <a:t>Common server-side languages: </a:t>
+            </a:r>
+            <a:r>
+              <a:rPr lang="en-US" sz="1800" dirty="0" err="1"/>
+              <a:t>Javascript</a:t>
+            </a:r>
+            <a:r>
+              <a:rPr lang="en-US" sz="1800" dirty="0"/>
+              <a:t>, Python, PHP</a:t>
+            </a:r>
+          </a:p>
+        </p:txBody>
+      </p:sp>
+      <p:sp>
+        <p:nvSpPr>
+          <p:cNvPr id="3" name="Segnaposto numero diapositiva 2"/>
+          <p:cNvSpPr>
+            <a:spLocks noGrp="1"/>
+          </p:cNvSpPr>
+          <p:nvPr>
+            <p:ph type="sldNum" sz="quarter" idx="12"/>
+          </p:nvPr>
+        </p:nvSpPr>
+        <p:spPr/>
+        <p:txBody>
+          <a:bodyPr/>
+          <a:lstStyle/>
+          <a:p>
+            <a:fld id="{31DE2C5B-556E-47B8-A792-024C2FCA4ACC}" type="slidenum">
+              <a:rPr lang="en-GB" smtClean="0"/>
+              <a:t>24</a:t>
+            </a:fld>
+            <a:endParaRPr lang="en-GB"/>
+          </a:p>
+        </p:txBody>
+      </p:sp>
+      <p:sp>
+        <p:nvSpPr>
+          <p:cNvPr id="14" name="Rettangolo 16">
+            <a:extLst>
+              <a:ext uri="{FF2B5EF4-FFF2-40B4-BE49-F238E27FC236}">
+                <a16:creationId xmlns:a16="http://schemas.microsoft.com/office/drawing/2014/main" id="{BC01BE50-F8B9-36F6-A824-7D32D35A100A}"/>
+              </a:ext>
+            </a:extLst>
+          </p:cNvPr>
+          <p:cNvSpPr/>
+          <p:nvPr/>
+        </p:nvSpPr>
+        <p:spPr>
+          <a:xfrm>
+            <a:off x="7044069" y="3927920"/>
+            <a:ext cx="1625011" cy="613860"/>
+          </a:xfrm>
+          <a:prstGeom prst="rect">
+            <a:avLst/>
+          </a:prstGeom>
+        </p:spPr>
+        <p:style>
+          <a:lnRef idx="1">
+            <a:schemeClr val="accent6"/>
+          </a:lnRef>
+          <a:fillRef idx="2">
+            <a:schemeClr val="accent6"/>
+          </a:fillRef>
+          <a:effectRef idx="1">
+            <a:schemeClr val="accent6"/>
+          </a:effectRef>
+          <a:fontRef idx="minor">
+            <a:schemeClr val="dk1"/>
+          </a:fontRef>
+        </p:style>
+        <p:txBody>
+          <a:bodyPr rtlCol="0" anchor="ctr"/>
+          <a:lstStyle/>
+          <a:p>
+            <a:pPr algn="ctr"/>
+            <a:r>
+              <a:rPr lang="it-IT" dirty="0">
+                <a:latin typeface="Palatino Linotype" panose="02040502050505030304" pitchFamily="18" charset="0"/>
+              </a:rPr>
+              <a:t>Back-end </a:t>
+            </a:r>
+            <a:r>
+              <a:rPr lang="it-IT" dirty="0" err="1">
+                <a:latin typeface="Palatino Linotype" panose="02040502050505030304" pitchFamily="18" charset="0"/>
+              </a:rPr>
+              <a:t>program</a:t>
+            </a:r>
+            <a:r>
+              <a:rPr lang="it-IT" dirty="0">
+                <a:latin typeface="Palatino Linotype" panose="02040502050505030304" pitchFamily="18" charset="0"/>
+              </a:rPr>
+              <a:t> # 1</a:t>
+            </a:r>
+            <a:endParaRPr lang="en-GB" dirty="0">
+              <a:latin typeface="Palatino Linotype" panose="02040502050505030304" pitchFamily="18" charset="0"/>
+            </a:endParaRPr>
+          </a:p>
+        </p:txBody>
+      </p:sp>
+      <p:cxnSp>
+        <p:nvCxnSpPr>
+          <p:cNvPr id="19" name="Connettore 2 29">
+            <a:extLst>
+              <a:ext uri="{FF2B5EF4-FFF2-40B4-BE49-F238E27FC236}">
+                <a16:creationId xmlns:a16="http://schemas.microsoft.com/office/drawing/2014/main" id="{57DED65E-1E99-73D4-3C18-BB6CD5904AA7}"/>
+              </a:ext>
+            </a:extLst>
+          </p:cNvPr>
+          <p:cNvCxnSpPr>
+            <a:cxnSpLocks/>
+          </p:cNvCxnSpPr>
+          <p:nvPr/>
+        </p:nvCxnSpPr>
+        <p:spPr>
+          <a:xfrm>
+            <a:off x="7979243" y="3105501"/>
+            <a:ext cx="0" cy="714983"/>
+          </a:xfrm>
+          <a:prstGeom prst="straightConnector1">
+            <a:avLst/>
+          </a:prstGeom>
+          <a:ln w="38100">
+            <a:solidFill>
+              <a:schemeClr val="tx1"/>
+            </a:solidFill>
+            <a:headEnd type="triangle" w="med" len="med"/>
+            <a:tailEnd type="triangle" w="med" len="med"/>
+          </a:ln>
+        </p:spPr>
+        <p:style>
+          <a:lnRef idx="1">
+            <a:schemeClr val="accent1"/>
+          </a:lnRef>
+          <a:fillRef idx="0">
+            <a:schemeClr val="accent1"/>
+          </a:fillRef>
+          <a:effectRef idx="0">
+            <a:schemeClr val="accent1"/>
+          </a:effectRef>
+          <a:fontRef idx="minor">
+            <a:schemeClr val="tx1"/>
+          </a:fontRef>
+        </p:style>
+      </p:cxnSp>
+      <p:sp>
+        <p:nvSpPr>
+          <p:cNvPr id="24" name="CasellaDiTesto 12">
+            <a:extLst>
+              <a:ext uri="{FF2B5EF4-FFF2-40B4-BE49-F238E27FC236}">
+                <a16:creationId xmlns:a16="http://schemas.microsoft.com/office/drawing/2014/main" id="{BEC558DF-C63E-7105-9A53-179F853B4522}"/>
+              </a:ext>
+            </a:extLst>
+          </p:cNvPr>
+          <p:cNvSpPr txBox="1"/>
+          <p:nvPr/>
+        </p:nvSpPr>
+        <p:spPr>
+          <a:xfrm>
+            <a:off x="7331150" y="4560410"/>
+            <a:ext cx="1871330" cy="400110"/>
+          </a:xfrm>
+          <a:prstGeom prst="rect">
+            <a:avLst/>
+          </a:prstGeom>
+          <a:noFill/>
+        </p:spPr>
+        <p:txBody>
+          <a:bodyPr wrap="square" rtlCol="0">
+            <a:spAutoFit/>
+          </a:bodyPr>
+          <a:lstStyle/>
+          <a:p>
+            <a:pPr algn="ctr"/>
+            <a:r>
+              <a:rPr lang="it-IT" sz="2000" dirty="0">
+                <a:latin typeface="Palatino Linotype" panose="02040502050505030304" pitchFamily="18" charset="0"/>
+              </a:rPr>
+              <a:t>…</a:t>
+            </a:r>
+            <a:endParaRPr lang="en-GB" sz="2000" dirty="0">
+              <a:latin typeface="Palatino Linotype" panose="02040502050505030304" pitchFamily="18" charset="0"/>
+            </a:endParaRPr>
+          </a:p>
+        </p:txBody>
+      </p:sp>
+      <p:sp>
+        <p:nvSpPr>
+          <p:cNvPr id="26" name="Segnaposto contenuto 2">
+            <a:extLst>
+              <a:ext uri="{FF2B5EF4-FFF2-40B4-BE49-F238E27FC236}">
+                <a16:creationId xmlns:a16="http://schemas.microsoft.com/office/drawing/2014/main" id="{F1ED357C-D488-F47D-3AE5-38C07E0E39F5}"/>
+              </a:ext>
+            </a:extLst>
+          </p:cNvPr>
           <p:cNvSpPr txBox="1">
             <a:spLocks/>
           </p:cNvSpPr>
@@ -14090,8 +11871,8 @@
         </p:nvSpPr>
         <p:spPr>
           <a:xfrm>
-            <a:off x="6257379" y="5362603"/>
-            <a:ext cx="5430032" cy="422730"/>
+            <a:off x="682297" y="5487964"/>
+            <a:ext cx="5430032" cy="673671"/>
           </a:xfrm>
           <a:prstGeom prst="rect">
             <a:avLst/>
@@ -14283,39 +12064,16 @@
           <a:p>
             <a:r>
               <a:rPr lang="en-US" sz="1800" dirty="0"/>
-              <a:t>Alternatives to PHP: </a:t>
+              <a:t>Common server-side languages: </a:t>
             </a:r>
             <a:r>
               <a:rPr lang="en-US" sz="1800" dirty="0" err="1"/>
-              <a:t>JavaServer</a:t>
+              <a:t>Javascript</a:t>
             </a:r>
             <a:r>
               <a:rPr lang="en-US" sz="1800" dirty="0"/>
-              <a:t> Pages, Active Server Pages .NET</a:t>
-            </a:r>
-          </a:p>
-        </p:txBody>
-      </p:sp>
-      <p:sp>
-        <p:nvSpPr>
-          <p:cNvPr id="3" name="Segnaposto numero diapositiva 2"/>
-          <p:cNvSpPr>
-            <a:spLocks noGrp="1"/>
-          </p:cNvSpPr>
-          <p:nvPr>
-            <p:ph type="sldNum" sz="quarter" idx="12"/>
-          </p:nvPr>
-        </p:nvSpPr>
-        <p:spPr/>
-        <p:txBody>
-          <a:bodyPr/>
-          <a:lstStyle/>
-          <a:p>
-            <a:fld id="{31DE2C5B-556E-47B8-A792-024C2FCA4ACC}" type="slidenum">
-              <a:rPr lang="en-GB" smtClean="0"/>
-              <a:t>26</a:t>
-            </a:fld>
-            <a:endParaRPr lang="en-GB"/>
+              <a:t>, Java</a:t>
+            </a:r>
           </a:p>
         </p:txBody>
       </p:sp>
@@ -14332,7 +12090,7 @@
 </p:sld>
 </file>
 
-<file path=ppt/slides/slide27.xml><?xml version="1.0" encoding="utf-8"?>
+<file path=ppt/slides/slide25.xml><?xml version="1.0" encoding="utf-8"?>
 <p:sld xmlns:a="http://schemas.openxmlformats.org/drawingml/2006/main" xmlns:r="http://schemas.openxmlformats.org/officeDocument/2006/relationships" xmlns:p="http://schemas.openxmlformats.org/presentationml/2006/main">
   <p:cSld>
     <p:spTree>
@@ -14631,7 +12389,7 @@
           <a:p>
             <a:fld id="{31DE2C5B-556E-47B8-A792-024C2FCA4ACC}" type="slidenum">
               <a:rPr lang="en-GB" smtClean="0"/>
-              <a:t>27</a:t>
+              <a:t>25</a:t>
             </a:fld>
             <a:endParaRPr lang="en-GB"/>
           </a:p>
@@ -14650,7 +12408,7 @@
 </p:sld>
 </file>
 
-<file path=ppt/slides/slide28.xml><?xml version="1.0" encoding="utf-8"?>
+<file path=ppt/slides/slide26.xml><?xml version="1.0" encoding="utf-8"?>
 <p:sld xmlns:a="http://schemas.openxmlformats.org/drawingml/2006/main" xmlns:r="http://schemas.openxmlformats.org/officeDocument/2006/relationships" xmlns:p="http://schemas.openxmlformats.org/presentationml/2006/main">
   <p:cSld>
     <p:spTree>
@@ -15087,7 +12845,7 @@
           <a:p>
             <a:fld id="{31DE2C5B-556E-47B8-A792-024C2FCA4ACC}" type="slidenum">
               <a:rPr lang="en-GB" smtClean="0"/>
-              <a:t>28</a:t>
+              <a:t>26</a:t>
             </a:fld>
             <a:endParaRPr lang="en-GB"/>
           </a:p>
@@ -15097,6 +12855,570 @@
     <p:extLst>
       <p:ext uri="{BB962C8B-B14F-4D97-AF65-F5344CB8AC3E}">
         <p14:creationId xmlns:p14="http://schemas.microsoft.com/office/powerpoint/2010/main" val="2782851166"/>
+      </p:ext>
+    </p:extLst>
+  </p:cSld>
+  <p:clrMapOvr>
+    <a:masterClrMapping/>
+  </p:clrMapOvr>
+</p:sld>
+</file>
+
+<file path=ppt/slides/slide27.xml><?xml version="1.0" encoding="utf-8"?>
+<p:sld xmlns:a="http://schemas.openxmlformats.org/drawingml/2006/main" xmlns:r="http://schemas.openxmlformats.org/officeDocument/2006/relationships" xmlns:p="http://schemas.openxmlformats.org/presentationml/2006/main">
+  <p:cSld>
+    <p:spTree>
+      <p:nvGrpSpPr>
+        <p:cNvPr id="1" name=""/>
+        <p:cNvGrpSpPr/>
+        <p:nvPr/>
+      </p:nvGrpSpPr>
+      <p:grpSpPr>
+        <a:xfrm>
+          <a:off x="0" y="0"/>
+          <a:ext cx="0" cy="0"/>
+          <a:chOff x="0" y="0"/>
+          <a:chExt cx="0" cy="0"/>
+        </a:xfrm>
+      </p:grpSpPr>
+      <p:sp>
+        <p:nvSpPr>
+          <p:cNvPr id="2" name="Titolo 1"/>
+          <p:cNvSpPr>
+            <a:spLocks noGrp="1"/>
+          </p:cNvSpPr>
+          <p:nvPr>
+            <p:ph type="title"/>
+          </p:nvPr>
+        </p:nvSpPr>
+        <p:spPr/>
+        <p:txBody>
+          <a:bodyPr/>
+          <a:lstStyle/>
+          <a:p>
+            <a:r>
+              <a:rPr lang="en-US" dirty="0"/>
+              <a:t>Structured data formats</a:t>
+            </a:r>
+          </a:p>
+        </p:txBody>
+      </p:sp>
+      <p:sp>
+        <p:nvSpPr>
+          <p:cNvPr id="3" name="Segnaposto contenuto 2"/>
+          <p:cNvSpPr>
+            <a:spLocks noGrp="1"/>
+          </p:cNvSpPr>
+          <p:nvPr>
+            <p:ph idx="1"/>
+          </p:nvPr>
+        </p:nvSpPr>
+        <p:spPr>
+          <a:xfrm>
+            <a:off x="666306" y="1361167"/>
+            <a:ext cx="10866475" cy="3069066"/>
+          </a:xfrm>
+        </p:spPr>
+        <p:txBody>
+          <a:bodyPr>
+            <a:normAutofit lnSpcReduction="10000"/>
+          </a:bodyPr>
+          <a:lstStyle/>
+          <a:p>
+            <a:r>
+              <a:rPr lang="en-US" dirty="0"/>
+              <a:t>Asynchronous Web applications need to exchange data with the server.</a:t>
+            </a:r>
+          </a:p>
+          <a:p>
+            <a:r>
+              <a:rPr lang="en-US" dirty="0"/>
+              <a:t>HTML is not suitable for representing data because it mixes content with formatting. It is indeed concerned about the presentation of the content. </a:t>
+            </a:r>
+          </a:p>
+          <a:p>
+            <a:pPr lvl="1"/>
+            <a:r>
+              <a:rPr lang="en-US" sz="2400" dirty="0"/>
+              <a:t>It is difficult to automatically retrieve data within an HTML file</a:t>
+            </a:r>
+          </a:p>
+          <a:p>
+            <a:r>
+              <a:rPr lang="en-US" dirty="0"/>
+              <a:t>Two popular structured data formats that facilitate the automatic structured data processing: </a:t>
+            </a:r>
+          </a:p>
+          <a:p>
+            <a:pPr lvl="1"/>
+            <a:r>
+              <a:rPr lang="en-GB" sz="2400" dirty="0"/>
+              <a:t>Extensible </a:t>
+            </a:r>
+            <a:r>
+              <a:rPr lang="en-GB" sz="2400" dirty="0" err="1"/>
+              <a:t>Markup</a:t>
+            </a:r>
+            <a:r>
+              <a:rPr lang="en-GB" sz="2400" dirty="0"/>
+              <a:t> Language (XML)</a:t>
+            </a:r>
+          </a:p>
+          <a:p>
+            <a:pPr lvl="1"/>
+            <a:r>
+              <a:rPr lang="it-IT" sz="2400" dirty="0"/>
+              <a:t>JavaScript Object </a:t>
+            </a:r>
+            <a:r>
+              <a:rPr lang="it-IT" sz="2400" dirty="0" err="1"/>
+              <a:t>Notation</a:t>
+            </a:r>
+            <a:r>
+              <a:rPr lang="it-IT" sz="2400" dirty="0"/>
+              <a:t> (JSON)</a:t>
+            </a:r>
+            <a:endParaRPr lang="en-GB" sz="2400" dirty="0"/>
+          </a:p>
+          <a:p>
+            <a:pPr lvl="1"/>
+            <a:endParaRPr lang="en-US" dirty="0"/>
+          </a:p>
+        </p:txBody>
+      </p:sp>
+      <p:sp>
+        <p:nvSpPr>
+          <p:cNvPr id="4" name="Segnaposto numero diapositiva 3"/>
+          <p:cNvSpPr>
+            <a:spLocks noGrp="1"/>
+          </p:cNvSpPr>
+          <p:nvPr>
+            <p:ph type="sldNum" sz="quarter" idx="12"/>
+          </p:nvPr>
+        </p:nvSpPr>
+        <p:spPr/>
+        <p:txBody>
+          <a:bodyPr/>
+          <a:lstStyle/>
+          <a:p>
+            <a:fld id="{31DE2C5B-556E-47B8-A792-024C2FCA4ACC}" type="slidenum">
+              <a:rPr lang="en-GB" smtClean="0"/>
+              <a:t>27</a:t>
+            </a:fld>
+            <a:endParaRPr lang="en-GB"/>
+          </a:p>
+        </p:txBody>
+      </p:sp>
+    </p:spTree>
+    <p:extLst>
+      <p:ext uri="{BB962C8B-B14F-4D97-AF65-F5344CB8AC3E}">
+        <p14:creationId xmlns:p14="http://schemas.microsoft.com/office/powerpoint/2010/main" val="2108416613"/>
+      </p:ext>
+    </p:extLst>
+  </p:cSld>
+  <p:clrMapOvr>
+    <a:masterClrMapping/>
+  </p:clrMapOvr>
+</p:sld>
+</file>
+
+<file path=ppt/slides/slide28.xml><?xml version="1.0" encoding="utf-8"?>
+<p:sld xmlns:a="http://schemas.openxmlformats.org/drawingml/2006/main" xmlns:r="http://schemas.openxmlformats.org/officeDocument/2006/relationships" xmlns:p="http://schemas.openxmlformats.org/presentationml/2006/main">
+  <p:cSld>
+    <p:spTree>
+      <p:nvGrpSpPr>
+        <p:cNvPr id="1" name=""/>
+        <p:cNvGrpSpPr/>
+        <p:nvPr/>
+      </p:nvGrpSpPr>
+      <p:grpSpPr>
+        <a:xfrm>
+          <a:off x="0" y="0"/>
+          <a:ext cx="0" cy="0"/>
+          <a:chOff x="0" y="0"/>
+          <a:chExt cx="0" cy="0"/>
+        </a:xfrm>
+      </p:grpSpPr>
+      <p:sp>
+        <p:nvSpPr>
+          <p:cNvPr id="2" name="Titolo 1"/>
+          <p:cNvSpPr>
+            <a:spLocks noGrp="1"/>
+          </p:cNvSpPr>
+          <p:nvPr>
+            <p:ph type="title"/>
+          </p:nvPr>
+        </p:nvSpPr>
+        <p:spPr/>
+        <p:txBody>
+          <a:bodyPr/>
+          <a:lstStyle/>
+          <a:p>
+            <a:r>
+              <a:rPr lang="en-GB" dirty="0"/>
+              <a:t>Extensible </a:t>
+            </a:r>
+            <a:r>
+              <a:rPr lang="en-GB" dirty="0" err="1"/>
+              <a:t>Markup</a:t>
+            </a:r>
+            <a:r>
+              <a:rPr lang="en-GB" dirty="0"/>
+              <a:t> Language (XML)</a:t>
+            </a:r>
+          </a:p>
+        </p:txBody>
+      </p:sp>
+      <p:sp>
+        <p:nvSpPr>
+          <p:cNvPr id="3" name="Segnaposto contenuto 2"/>
+          <p:cNvSpPr>
+            <a:spLocks noGrp="1"/>
+          </p:cNvSpPr>
+          <p:nvPr>
+            <p:ph idx="1"/>
+          </p:nvPr>
+        </p:nvSpPr>
+        <p:spPr>
+          <a:xfrm>
+            <a:off x="428172" y="1679189"/>
+            <a:ext cx="5830861" cy="4303397"/>
+          </a:xfrm>
+        </p:spPr>
+        <p:txBody>
+          <a:bodyPr>
+            <a:normAutofit/>
+          </a:bodyPr>
+          <a:lstStyle/>
+          <a:p>
+            <a:r>
+              <a:rPr lang="en-US" dirty="0"/>
+              <a:t>A language for specifying structured content.</a:t>
+            </a:r>
+          </a:p>
+          <a:p>
+            <a:r>
+              <a:rPr lang="en-US" dirty="0"/>
+              <a:t>Introduced in 1998.</a:t>
+            </a:r>
+          </a:p>
+          <a:p>
+            <a:r>
+              <a:rPr lang="en-US" dirty="0"/>
+              <a:t>It defines a set of rules for encoding documents in a format that is both human-readable and machine-readable.</a:t>
+            </a:r>
+          </a:p>
+          <a:p>
+            <a:r>
+              <a:rPr lang="en-US" dirty="0"/>
+              <a:t>Unlike HTML, there are no defined tags for XML. Each user can define their own tags.</a:t>
+            </a:r>
+          </a:p>
+          <a:p>
+            <a:r>
+              <a:rPr lang="en-US" dirty="0"/>
+              <a:t>Extension .xml</a:t>
+            </a:r>
+          </a:p>
+          <a:p>
+            <a:endParaRPr lang="en-GB" dirty="0"/>
+          </a:p>
+        </p:txBody>
+      </p:sp>
+      <p:sp>
+        <p:nvSpPr>
+          <p:cNvPr id="4" name="Rettangolo 3"/>
+          <p:cNvSpPr/>
+          <p:nvPr/>
+        </p:nvSpPr>
+        <p:spPr>
+          <a:xfrm>
+            <a:off x="6457507" y="1955637"/>
+            <a:ext cx="5174511" cy="4401205"/>
+          </a:xfrm>
+          <a:prstGeom prst="rect">
+            <a:avLst/>
+          </a:prstGeom>
+          <a:ln w="19050">
+            <a:solidFill>
+              <a:srgbClr val="00B050"/>
+            </a:solidFill>
+          </a:ln>
+        </p:spPr>
+        <p:txBody>
+          <a:bodyPr wrap="square">
+            <a:spAutoFit/>
+          </a:bodyPr>
+          <a:lstStyle/>
+          <a:p>
+            <a:r>
+              <a:rPr lang="en-GB" sz="1400" dirty="0">
+                <a:latin typeface="Palatino Linotype" panose="02040502050505030304" pitchFamily="18" charset="0"/>
+              </a:rPr>
+              <a:t>&lt;?xml version="1.0" ?&gt;</a:t>
+            </a:r>
+          </a:p>
+          <a:p>
+            <a:r>
+              <a:rPr lang="en-GB" sz="1400" dirty="0">
+                <a:latin typeface="Palatino Linotype" panose="02040502050505030304" pitchFamily="18" charset="0"/>
+              </a:rPr>
+              <a:t>&lt;book list&gt;</a:t>
+            </a:r>
+          </a:p>
+          <a:p>
+            <a:r>
+              <a:rPr lang="en-GB" sz="1400" dirty="0">
+                <a:latin typeface="Palatino Linotype" panose="02040502050505030304" pitchFamily="18" charset="0"/>
+              </a:rPr>
+              <a:t>&lt;book&gt;</a:t>
+            </a:r>
+          </a:p>
+          <a:p>
+            <a:r>
+              <a:rPr lang="en-GB" sz="1400" dirty="0">
+                <a:latin typeface="Palatino Linotype" panose="02040502050505030304" pitchFamily="18" charset="0"/>
+              </a:rPr>
+              <a:t>&lt;title&gt; Human </a:t>
+            </a:r>
+            <a:r>
+              <a:rPr lang="en-GB" sz="1400" dirty="0" err="1">
+                <a:latin typeface="Palatino Linotype" panose="02040502050505030304" pitchFamily="18" charset="0"/>
+              </a:rPr>
+              <a:t>Behavior</a:t>
+            </a:r>
+            <a:r>
+              <a:rPr lang="en-GB" sz="1400" dirty="0">
+                <a:latin typeface="Palatino Linotype" panose="02040502050505030304" pitchFamily="18" charset="0"/>
+              </a:rPr>
+              <a:t> and the Principle of Least Effort &lt;/title&gt;</a:t>
+            </a:r>
+          </a:p>
+          <a:p>
+            <a:r>
+              <a:rPr lang="en-GB" sz="1400" dirty="0">
+                <a:latin typeface="Palatino Linotype" panose="02040502050505030304" pitchFamily="18" charset="0"/>
+              </a:rPr>
+              <a:t>&lt;author&gt; George </a:t>
+            </a:r>
+            <a:r>
+              <a:rPr lang="en-GB" sz="1400" dirty="0" err="1">
+                <a:latin typeface="Palatino Linotype" panose="02040502050505030304" pitchFamily="18" charset="0"/>
+              </a:rPr>
+              <a:t>Zipf</a:t>
+            </a:r>
+            <a:r>
+              <a:rPr lang="en-GB" sz="1400" dirty="0">
+                <a:latin typeface="Palatino Linotype" panose="02040502050505030304" pitchFamily="18" charset="0"/>
+              </a:rPr>
+              <a:t> &lt;/author&gt;</a:t>
+            </a:r>
+          </a:p>
+          <a:p>
+            <a:r>
+              <a:rPr lang="en-GB" sz="1400" dirty="0">
+                <a:latin typeface="Palatino Linotype" panose="02040502050505030304" pitchFamily="18" charset="0"/>
+              </a:rPr>
+              <a:t>&lt;year&gt; 1949 &lt;/year&gt;</a:t>
+            </a:r>
+          </a:p>
+          <a:p>
+            <a:r>
+              <a:rPr lang="en-GB" sz="1400" dirty="0">
+                <a:latin typeface="Palatino Linotype" panose="02040502050505030304" pitchFamily="18" charset="0"/>
+              </a:rPr>
+              <a:t>&lt;/book&gt;</a:t>
+            </a:r>
+          </a:p>
+          <a:p>
+            <a:r>
+              <a:rPr lang="en-GB" sz="1400" dirty="0">
+                <a:latin typeface="Palatino Linotype" panose="02040502050505030304" pitchFamily="18" charset="0"/>
+              </a:rPr>
+              <a:t>&lt;book&gt;</a:t>
+            </a:r>
+          </a:p>
+          <a:p>
+            <a:r>
+              <a:rPr lang="en-GB" sz="1400" dirty="0">
+                <a:latin typeface="Palatino Linotype" panose="02040502050505030304" pitchFamily="18" charset="0"/>
+              </a:rPr>
+              <a:t>&lt;title&gt; The Mathematical Theory of Communication &lt;/title&gt;</a:t>
+            </a:r>
+          </a:p>
+          <a:p>
+            <a:r>
+              <a:rPr lang="en-GB" sz="1400" dirty="0">
+                <a:latin typeface="Palatino Linotype" panose="02040502050505030304" pitchFamily="18" charset="0"/>
+              </a:rPr>
+              <a:t>&lt;author&gt; Claude E. Shannon &lt;/author&gt;</a:t>
+            </a:r>
+          </a:p>
+          <a:p>
+            <a:r>
+              <a:rPr lang="en-GB" sz="1400" dirty="0">
+                <a:latin typeface="Palatino Linotype" panose="02040502050505030304" pitchFamily="18" charset="0"/>
+              </a:rPr>
+              <a:t>&lt;author&gt; Warren Weaver &lt;/author&gt;</a:t>
+            </a:r>
+          </a:p>
+          <a:p>
+            <a:r>
+              <a:rPr lang="en-GB" sz="1400" dirty="0">
+                <a:latin typeface="Palatino Linotype" panose="02040502050505030304" pitchFamily="18" charset="0"/>
+              </a:rPr>
+              <a:t>&lt;year&gt; 1949 &lt;/year&gt;</a:t>
+            </a:r>
+          </a:p>
+          <a:p>
+            <a:r>
+              <a:rPr lang="en-GB" sz="1400" dirty="0">
+                <a:latin typeface="Palatino Linotype" panose="02040502050505030304" pitchFamily="18" charset="0"/>
+              </a:rPr>
+              <a:t>&lt;/book&gt;</a:t>
+            </a:r>
+          </a:p>
+          <a:p>
+            <a:r>
+              <a:rPr lang="en-GB" sz="1400" dirty="0">
+                <a:latin typeface="Palatino Linotype" panose="02040502050505030304" pitchFamily="18" charset="0"/>
+              </a:rPr>
+              <a:t>&lt;book&gt;</a:t>
+            </a:r>
+          </a:p>
+          <a:p>
+            <a:r>
+              <a:rPr lang="en-GB" sz="1400" dirty="0">
+                <a:latin typeface="Palatino Linotype" panose="02040502050505030304" pitchFamily="18" charset="0"/>
+              </a:rPr>
+              <a:t>&lt;title&gt; Nineteen Eighty-Four &lt;/title&gt;</a:t>
+            </a:r>
+          </a:p>
+          <a:p>
+            <a:r>
+              <a:rPr lang="en-GB" sz="1400" dirty="0">
+                <a:latin typeface="Palatino Linotype" panose="02040502050505030304" pitchFamily="18" charset="0"/>
+              </a:rPr>
+              <a:t>&lt;author&gt; George Orwell &lt;/author&gt;</a:t>
+            </a:r>
+          </a:p>
+          <a:p>
+            <a:r>
+              <a:rPr lang="en-GB" sz="1400" dirty="0">
+                <a:latin typeface="Palatino Linotype" panose="02040502050505030304" pitchFamily="18" charset="0"/>
+              </a:rPr>
+              <a:t>&lt;year&gt; 1949 &lt;/year&gt;</a:t>
+            </a:r>
+          </a:p>
+          <a:p>
+            <a:r>
+              <a:rPr lang="en-GB" sz="1400" dirty="0">
+                <a:latin typeface="Palatino Linotype" panose="02040502050505030304" pitchFamily="18" charset="0"/>
+              </a:rPr>
+              <a:t>&lt;/book&gt;</a:t>
+            </a:r>
+          </a:p>
+          <a:p>
+            <a:r>
+              <a:rPr lang="en-GB" sz="1400" dirty="0">
+                <a:latin typeface="Palatino Linotype" panose="02040502050505030304" pitchFamily="18" charset="0"/>
+              </a:rPr>
+              <a:t>&lt;/book list&gt;</a:t>
+            </a:r>
+          </a:p>
+        </p:txBody>
+      </p:sp>
+      <p:sp>
+        <p:nvSpPr>
+          <p:cNvPr id="5" name="CasellaDiTesto 4"/>
+          <p:cNvSpPr txBox="1"/>
+          <p:nvPr/>
+        </p:nvSpPr>
+        <p:spPr>
+          <a:xfrm>
+            <a:off x="6712689" y="1494524"/>
+            <a:ext cx="4798828" cy="369332"/>
+          </a:xfrm>
+          <a:prstGeom prst="rect">
+            <a:avLst/>
+          </a:prstGeom>
+          <a:noFill/>
+        </p:spPr>
+        <p:txBody>
+          <a:bodyPr wrap="square" rtlCol="0">
+            <a:spAutoFit/>
+          </a:bodyPr>
+          <a:lstStyle/>
+          <a:p>
+            <a:r>
+              <a:rPr lang="it-IT" dirty="0" err="1">
+                <a:latin typeface="Palatino Linotype" panose="02040502050505030304" pitchFamily="18" charset="0"/>
+              </a:rPr>
+              <a:t>Example</a:t>
+            </a:r>
+            <a:r>
+              <a:rPr lang="it-IT" dirty="0">
+                <a:latin typeface="Palatino Linotype" panose="02040502050505030304" pitchFamily="18" charset="0"/>
+              </a:rPr>
+              <a:t> of XML code </a:t>
+            </a:r>
+            <a:r>
+              <a:rPr lang="it-IT" dirty="0" err="1">
+                <a:latin typeface="Palatino Linotype" panose="02040502050505030304" pitchFamily="18" charset="0"/>
+              </a:rPr>
+              <a:t>that</a:t>
+            </a:r>
+            <a:r>
+              <a:rPr lang="it-IT" dirty="0">
+                <a:latin typeface="Palatino Linotype" panose="02040502050505030304" pitchFamily="18" charset="0"/>
+              </a:rPr>
+              <a:t> </a:t>
+            </a:r>
+            <a:r>
+              <a:rPr lang="it-IT" dirty="0" err="1">
+                <a:latin typeface="Palatino Linotype" panose="02040502050505030304" pitchFamily="18" charset="0"/>
+              </a:rPr>
+              <a:t>define</a:t>
+            </a:r>
+            <a:r>
+              <a:rPr lang="it-IT" dirty="0">
+                <a:latin typeface="Palatino Linotype" panose="02040502050505030304" pitchFamily="18" charset="0"/>
+              </a:rPr>
+              <a:t> a book list</a:t>
+            </a:r>
+            <a:endParaRPr lang="en-GB" dirty="0">
+              <a:latin typeface="Palatino Linotype" panose="02040502050505030304" pitchFamily="18" charset="0"/>
+            </a:endParaRPr>
+          </a:p>
+        </p:txBody>
+      </p:sp>
+      <p:sp>
+        <p:nvSpPr>
+          <p:cNvPr id="6" name="Segnaposto numero diapositiva 5"/>
+          <p:cNvSpPr>
+            <a:spLocks noGrp="1"/>
+          </p:cNvSpPr>
+          <p:nvPr>
+            <p:ph type="sldNum" sz="quarter" idx="12"/>
+          </p:nvPr>
+        </p:nvSpPr>
+        <p:spPr/>
+        <p:txBody>
+          <a:bodyPr/>
+          <a:lstStyle/>
+          <a:p>
+            <a:fld id="{31DE2C5B-556E-47B8-A792-024C2FCA4ACC}" type="slidenum">
+              <a:rPr lang="en-GB" smtClean="0"/>
+              <a:t>28</a:t>
+            </a:fld>
+            <a:endParaRPr lang="en-GB"/>
+          </a:p>
+        </p:txBody>
+      </p:sp>
+    </p:spTree>
+    <p:extLst>
+      <p:ext uri="{BB962C8B-B14F-4D97-AF65-F5344CB8AC3E}">
+        <p14:creationId xmlns:p14="http://schemas.microsoft.com/office/powerpoint/2010/main" val="341176474"/>
       </p:ext>
     </p:extLst>
   </p:cSld>
@@ -15139,9 +13461,18 @@
           <a:lstStyle/>
           <a:p>
             <a:r>
-              <a:rPr lang="en-US" dirty="0"/>
-              <a:t>Structured data formats</a:t>
-            </a:r>
+              <a:rPr lang="it-IT" dirty="0"/>
+              <a:t>JavaScript Object </a:t>
+            </a:r>
+            <a:r>
+              <a:rPr lang="it-IT" dirty="0" err="1"/>
+              <a:t>Notation</a:t>
+            </a:r>
+            <a:r>
+              <a:rPr lang="it-IT" dirty="0"/>
+              <a:t> (JSON)</a:t>
+            </a:r>
+            <a:endParaRPr lang="en-GB" dirty="0"/>
           </a:p>
         </p:txBody>
       </p:sp>
@@ -15155,76 +13486,73 @@
             <p:ph idx="1"/>
           </p:nvPr>
         </p:nvSpPr>
-        <p:spPr>
-          <a:xfrm>
-            <a:off x="666306" y="1361167"/>
-            <a:ext cx="10866475" cy="3069066"/>
-          </a:xfrm>
-        </p:spPr>
+        <p:spPr/>
         <p:txBody>
           <a:bodyPr>
-            <a:normAutofit lnSpcReduction="10000"/>
+            <a:normAutofit/>
           </a:bodyPr>
           <a:lstStyle/>
           <a:p>
             <a:r>
               <a:rPr lang="en-US" dirty="0"/>
-              <a:t>Asynchronous Web applications need to exchange data with the server.</a:t>
+              <a:t>A format that uses human-readable text to store and transmit data objects consisting of attribute–value pairs and arrays.</a:t>
             </a:r>
           </a:p>
           <a:p>
             <a:r>
               <a:rPr lang="en-US" dirty="0"/>
-              <a:t>HTML is not suitable for representing data because it mixes content with formatting. It is indeed concerned about the presentation of the content. </a:t>
+              <a:t>Introduced in 2001.</a:t>
+            </a:r>
+          </a:p>
+          <a:p>
+            <a:r>
+              <a:rPr lang="en-US" dirty="0"/>
+              <a:t>JSON is language-independent. It was derived from JavaScript, but many modern programming languages include code to generate and parse JSON-format data.</a:t>
+            </a:r>
+          </a:p>
+          <a:p>
+            <a:r>
+              <a:rPr lang="en-US" dirty="0"/>
+              <a:t>Extension .</a:t>
+            </a:r>
+            <a:r>
+              <a:rPr lang="en-US" dirty="0" err="1"/>
+              <a:t>json</a:t>
+            </a:r>
+            <a:endParaRPr lang="en-US" dirty="0"/>
+          </a:p>
+          <a:p>
+            <a:r>
+              <a:rPr lang="en-US" dirty="0"/>
+              <a:t>JSON data types: number, string, Boolean, null (empty value)</a:t>
+            </a:r>
+          </a:p>
+          <a:p>
+            <a:r>
+              <a:rPr lang="en-US" dirty="0"/>
+              <a:t>JSON data structures</a:t>
             </a:r>
           </a:p>
           <a:p>
             <a:pPr lvl="1"/>
             <a:r>
               <a:rPr lang="en-US" sz="2400" dirty="0"/>
-              <a:t>It is difficult to automatically retrieve data within an HTML file</a:t>
-            </a:r>
-          </a:p>
-          <a:p>
-            <a:r>
-              <a:rPr lang="en-US" dirty="0"/>
-              <a:t>Two popular structured data formats that facilitate the automatic structured data processing: </a:t>
+              <a:t>Object</a:t>
             </a:r>
           </a:p>
           <a:p>
             <a:pPr lvl="1"/>
             <a:r>
-              <a:rPr lang="en-GB" sz="2400" dirty="0"/>
-              <a:t>Extensible </a:t>
-            </a:r>
-            <a:r>
-              <a:rPr lang="en-GB" sz="2400" dirty="0" err="1"/>
-              <a:t>Markup</a:t>
-            </a:r>
-            <a:r>
-              <a:rPr lang="en-GB" sz="2400" dirty="0"/>
-              <a:t> Language (XML)</a:t>
+              <a:rPr lang="en-US" sz="2400" dirty="0"/>
+              <a:t>Array</a:t>
             </a:r>
           </a:p>
           <a:p>
             <a:pPr lvl="1"/>
-            <a:r>
-              <a:rPr lang="it-IT" sz="2400" dirty="0"/>
-              <a:t>JavaScript Object </a:t>
-            </a:r>
-            <a:r>
-              <a:rPr lang="it-IT" sz="2400" dirty="0" err="1"/>
-              <a:t>Notation</a:t>
-            </a:r>
-            <a:r>
-              <a:rPr lang="it-IT" sz="2400" dirty="0"/>
-              <a:t> (JSON)</a:t>
-            </a:r>
-            <a:endParaRPr lang="en-GB" sz="2400" dirty="0"/>
-          </a:p>
-          <a:p>
-            <a:pPr lvl="1"/>
-            <a:endParaRPr lang="en-US" dirty="0"/>
+            <a:endParaRPr lang="it-IT" dirty="0"/>
+          </a:p>
+          <a:p>
+            <a:endParaRPr lang="en-GB" dirty="0"/>
           </a:p>
         </p:txBody>
       </p:sp>
@@ -15254,7 +13582,7 @@
     </p:spTree>
     <p:extLst>
       <p:ext uri="{BB962C8B-B14F-4D97-AF65-F5344CB8AC3E}">
-        <p14:creationId xmlns:p14="http://schemas.microsoft.com/office/powerpoint/2010/main" val="2108416613"/>
+        <p14:creationId xmlns:p14="http://schemas.microsoft.com/office/powerpoint/2010/main" val="3144760395"/>
       </p:ext>
     </p:extLst>
   </p:cSld>
@@ -16028,576 +14356,6 @@
           <a:lstStyle/>
           <a:p>
             <a:r>
-              <a:rPr lang="en-GB" dirty="0"/>
-              <a:t>Extensible </a:t>
-            </a:r>
-            <a:r>
-              <a:rPr lang="en-GB" dirty="0" err="1"/>
-              <a:t>Markup</a:t>
-            </a:r>
-            <a:r>
-              <a:rPr lang="en-GB" dirty="0"/>
-              <a:t> Language (XML)</a:t>
-            </a:r>
-          </a:p>
-        </p:txBody>
-      </p:sp>
-      <p:sp>
-        <p:nvSpPr>
-          <p:cNvPr id="3" name="Segnaposto contenuto 2"/>
-          <p:cNvSpPr>
-            <a:spLocks noGrp="1"/>
-          </p:cNvSpPr>
-          <p:nvPr>
-            <p:ph idx="1"/>
-          </p:nvPr>
-        </p:nvSpPr>
-        <p:spPr>
-          <a:xfrm>
-            <a:off x="428172" y="1679189"/>
-            <a:ext cx="5830861" cy="4303397"/>
-          </a:xfrm>
-        </p:spPr>
-        <p:txBody>
-          <a:bodyPr>
-            <a:normAutofit/>
-          </a:bodyPr>
-          <a:lstStyle/>
-          <a:p>
-            <a:r>
-              <a:rPr lang="en-US" dirty="0"/>
-              <a:t>A language for specifying structured content.</a:t>
-            </a:r>
-          </a:p>
-          <a:p>
-            <a:r>
-              <a:rPr lang="en-US" dirty="0"/>
-              <a:t>Introduced in 1998.</a:t>
-            </a:r>
-          </a:p>
-          <a:p>
-            <a:r>
-              <a:rPr lang="en-US" dirty="0"/>
-              <a:t>It defines a set of rules for encoding documents in a format that is both human-readable and machine-readable.</a:t>
-            </a:r>
-          </a:p>
-          <a:p>
-            <a:r>
-              <a:rPr lang="en-US" dirty="0"/>
-              <a:t>Unlike HTML, there are no defined tags for XML. Each user can define their own tags.</a:t>
-            </a:r>
-          </a:p>
-          <a:p>
-            <a:r>
-              <a:rPr lang="en-US" dirty="0"/>
-              <a:t>Extension .xml</a:t>
-            </a:r>
-          </a:p>
-          <a:p>
-            <a:endParaRPr lang="en-GB" dirty="0"/>
-          </a:p>
-        </p:txBody>
-      </p:sp>
-      <p:sp>
-        <p:nvSpPr>
-          <p:cNvPr id="4" name="Rettangolo 3"/>
-          <p:cNvSpPr/>
-          <p:nvPr/>
-        </p:nvSpPr>
-        <p:spPr>
-          <a:xfrm>
-            <a:off x="6457507" y="1955637"/>
-            <a:ext cx="5174511" cy="4401205"/>
-          </a:xfrm>
-          <a:prstGeom prst="rect">
-            <a:avLst/>
-          </a:prstGeom>
-          <a:ln w="19050">
-            <a:solidFill>
-              <a:srgbClr val="00B050"/>
-            </a:solidFill>
-          </a:ln>
-        </p:spPr>
-        <p:txBody>
-          <a:bodyPr wrap="square">
-            <a:spAutoFit/>
-          </a:bodyPr>
-          <a:lstStyle/>
-          <a:p>
-            <a:r>
-              <a:rPr lang="en-GB" sz="1400" dirty="0">
-                <a:latin typeface="Palatino Linotype" panose="02040502050505030304" pitchFamily="18" charset="0"/>
-              </a:rPr>
-              <a:t>&lt;?xml version="1.0" ?&gt;</a:t>
-            </a:r>
-          </a:p>
-          <a:p>
-            <a:r>
-              <a:rPr lang="en-GB" sz="1400" dirty="0">
-                <a:latin typeface="Palatino Linotype" panose="02040502050505030304" pitchFamily="18" charset="0"/>
-              </a:rPr>
-              <a:t>&lt;book list&gt;</a:t>
-            </a:r>
-          </a:p>
-          <a:p>
-            <a:r>
-              <a:rPr lang="en-GB" sz="1400" dirty="0">
-                <a:latin typeface="Palatino Linotype" panose="02040502050505030304" pitchFamily="18" charset="0"/>
-              </a:rPr>
-              <a:t>&lt;book&gt;</a:t>
-            </a:r>
-          </a:p>
-          <a:p>
-            <a:r>
-              <a:rPr lang="en-GB" sz="1400" dirty="0">
-                <a:latin typeface="Palatino Linotype" panose="02040502050505030304" pitchFamily="18" charset="0"/>
-              </a:rPr>
-              <a:t>&lt;title&gt; Human </a:t>
-            </a:r>
-            <a:r>
-              <a:rPr lang="en-GB" sz="1400" dirty="0" err="1">
-                <a:latin typeface="Palatino Linotype" panose="02040502050505030304" pitchFamily="18" charset="0"/>
-              </a:rPr>
-              <a:t>Behavior</a:t>
-            </a:r>
-            <a:r>
-              <a:rPr lang="en-GB" sz="1400" dirty="0">
-                <a:latin typeface="Palatino Linotype" panose="02040502050505030304" pitchFamily="18" charset="0"/>
-              </a:rPr>
-              <a:t> and the Principle of Least Effort &lt;/title&gt;</a:t>
-            </a:r>
-          </a:p>
-          <a:p>
-            <a:r>
-              <a:rPr lang="en-GB" sz="1400" dirty="0">
-                <a:latin typeface="Palatino Linotype" panose="02040502050505030304" pitchFamily="18" charset="0"/>
-              </a:rPr>
-              <a:t>&lt;author&gt; George </a:t>
-            </a:r>
-            <a:r>
-              <a:rPr lang="en-GB" sz="1400" dirty="0" err="1">
-                <a:latin typeface="Palatino Linotype" panose="02040502050505030304" pitchFamily="18" charset="0"/>
-              </a:rPr>
-              <a:t>Zipf</a:t>
-            </a:r>
-            <a:r>
-              <a:rPr lang="en-GB" sz="1400" dirty="0">
-                <a:latin typeface="Palatino Linotype" panose="02040502050505030304" pitchFamily="18" charset="0"/>
-              </a:rPr>
-              <a:t> &lt;/author&gt;</a:t>
-            </a:r>
-          </a:p>
-          <a:p>
-            <a:r>
-              <a:rPr lang="en-GB" sz="1400" dirty="0">
-                <a:latin typeface="Palatino Linotype" panose="02040502050505030304" pitchFamily="18" charset="0"/>
-              </a:rPr>
-              <a:t>&lt;year&gt; 1949 &lt;/year&gt;</a:t>
-            </a:r>
-          </a:p>
-          <a:p>
-            <a:r>
-              <a:rPr lang="en-GB" sz="1400" dirty="0">
-                <a:latin typeface="Palatino Linotype" panose="02040502050505030304" pitchFamily="18" charset="0"/>
-              </a:rPr>
-              <a:t>&lt;/book&gt;</a:t>
-            </a:r>
-          </a:p>
-          <a:p>
-            <a:r>
-              <a:rPr lang="en-GB" sz="1400" dirty="0">
-                <a:latin typeface="Palatino Linotype" panose="02040502050505030304" pitchFamily="18" charset="0"/>
-              </a:rPr>
-              <a:t>&lt;book&gt;</a:t>
-            </a:r>
-          </a:p>
-          <a:p>
-            <a:r>
-              <a:rPr lang="en-GB" sz="1400" dirty="0">
-                <a:latin typeface="Palatino Linotype" panose="02040502050505030304" pitchFamily="18" charset="0"/>
-              </a:rPr>
-              <a:t>&lt;title&gt; The Mathematical Theory of Communication &lt;/title&gt;</a:t>
-            </a:r>
-          </a:p>
-          <a:p>
-            <a:r>
-              <a:rPr lang="en-GB" sz="1400" dirty="0">
-                <a:latin typeface="Palatino Linotype" panose="02040502050505030304" pitchFamily="18" charset="0"/>
-              </a:rPr>
-              <a:t>&lt;author&gt; Claude E. Shannon &lt;/author&gt;</a:t>
-            </a:r>
-          </a:p>
-          <a:p>
-            <a:r>
-              <a:rPr lang="en-GB" sz="1400" dirty="0">
-                <a:latin typeface="Palatino Linotype" panose="02040502050505030304" pitchFamily="18" charset="0"/>
-              </a:rPr>
-              <a:t>&lt;author&gt; Warren Weaver &lt;/author&gt;</a:t>
-            </a:r>
-          </a:p>
-          <a:p>
-            <a:r>
-              <a:rPr lang="en-GB" sz="1400" dirty="0">
-                <a:latin typeface="Palatino Linotype" panose="02040502050505030304" pitchFamily="18" charset="0"/>
-              </a:rPr>
-              <a:t>&lt;year&gt; 1949 &lt;/year&gt;</a:t>
-            </a:r>
-          </a:p>
-          <a:p>
-            <a:r>
-              <a:rPr lang="en-GB" sz="1400" dirty="0">
-                <a:latin typeface="Palatino Linotype" panose="02040502050505030304" pitchFamily="18" charset="0"/>
-              </a:rPr>
-              <a:t>&lt;/book&gt;</a:t>
-            </a:r>
-          </a:p>
-          <a:p>
-            <a:r>
-              <a:rPr lang="en-GB" sz="1400" dirty="0">
-                <a:latin typeface="Palatino Linotype" panose="02040502050505030304" pitchFamily="18" charset="0"/>
-              </a:rPr>
-              <a:t>&lt;book&gt;</a:t>
-            </a:r>
-          </a:p>
-          <a:p>
-            <a:r>
-              <a:rPr lang="en-GB" sz="1400" dirty="0">
-                <a:latin typeface="Palatino Linotype" panose="02040502050505030304" pitchFamily="18" charset="0"/>
-              </a:rPr>
-              <a:t>&lt;title&gt; Nineteen Eighty-Four &lt;/title&gt;</a:t>
-            </a:r>
-          </a:p>
-          <a:p>
-            <a:r>
-              <a:rPr lang="en-GB" sz="1400" dirty="0">
-                <a:latin typeface="Palatino Linotype" panose="02040502050505030304" pitchFamily="18" charset="0"/>
-              </a:rPr>
-              <a:t>&lt;author&gt; George Orwell &lt;/author&gt;</a:t>
-            </a:r>
-          </a:p>
-          <a:p>
-            <a:r>
-              <a:rPr lang="en-GB" sz="1400" dirty="0">
-                <a:latin typeface="Palatino Linotype" panose="02040502050505030304" pitchFamily="18" charset="0"/>
-              </a:rPr>
-              <a:t>&lt;year&gt; 1949 &lt;/year&gt;</a:t>
-            </a:r>
-          </a:p>
-          <a:p>
-            <a:r>
-              <a:rPr lang="en-GB" sz="1400" dirty="0">
-                <a:latin typeface="Palatino Linotype" panose="02040502050505030304" pitchFamily="18" charset="0"/>
-              </a:rPr>
-              <a:t>&lt;/book&gt;</a:t>
-            </a:r>
-          </a:p>
-          <a:p>
-            <a:r>
-              <a:rPr lang="en-GB" sz="1400" dirty="0">
-                <a:latin typeface="Palatino Linotype" panose="02040502050505030304" pitchFamily="18" charset="0"/>
-              </a:rPr>
-              <a:t>&lt;/book list&gt;</a:t>
-            </a:r>
-          </a:p>
-        </p:txBody>
-      </p:sp>
-      <p:sp>
-        <p:nvSpPr>
-          <p:cNvPr id="5" name="CasellaDiTesto 4"/>
-          <p:cNvSpPr txBox="1"/>
-          <p:nvPr/>
-        </p:nvSpPr>
-        <p:spPr>
-          <a:xfrm>
-            <a:off x="6712689" y="1494524"/>
-            <a:ext cx="4798828" cy="369332"/>
-          </a:xfrm>
-          <a:prstGeom prst="rect">
-            <a:avLst/>
-          </a:prstGeom>
-          <a:noFill/>
-        </p:spPr>
-        <p:txBody>
-          <a:bodyPr wrap="square" rtlCol="0">
-            <a:spAutoFit/>
-          </a:bodyPr>
-          <a:lstStyle/>
-          <a:p>
-            <a:r>
-              <a:rPr lang="it-IT" dirty="0" err="1">
-                <a:latin typeface="Palatino Linotype" panose="02040502050505030304" pitchFamily="18" charset="0"/>
-              </a:rPr>
-              <a:t>Example</a:t>
-            </a:r>
-            <a:r>
-              <a:rPr lang="it-IT" dirty="0">
-                <a:latin typeface="Palatino Linotype" panose="02040502050505030304" pitchFamily="18" charset="0"/>
-              </a:rPr>
-              <a:t> of XML code </a:t>
-            </a:r>
-            <a:r>
-              <a:rPr lang="it-IT" dirty="0" err="1">
-                <a:latin typeface="Palatino Linotype" panose="02040502050505030304" pitchFamily="18" charset="0"/>
-              </a:rPr>
-              <a:t>that</a:t>
-            </a:r>
-            <a:r>
-              <a:rPr lang="it-IT" dirty="0">
-                <a:latin typeface="Palatino Linotype" panose="02040502050505030304" pitchFamily="18" charset="0"/>
-              </a:rPr>
-              <a:t> </a:t>
-            </a:r>
-            <a:r>
-              <a:rPr lang="it-IT" dirty="0" err="1">
-                <a:latin typeface="Palatino Linotype" panose="02040502050505030304" pitchFamily="18" charset="0"/>
-              </a:rPr>
-              <a:t>define</a:t>
-            </a:r>
-            <a:r>
-              <a:rPr lang="it-IT" dirty="0">
-                <a:latin typeface="Palatino Linotype" panose="02040502050505030304" pitchFamily="18" charset="0"/>
-              </a:rPr>
-              <a:t> a book list</a:t>
-            </a:r>
-            <a:endParaRPr lang="en-GB" dirty="0">
-              <a:latin typeface="Palatino Linotype" panose="02040502050505030304" pitchFamily="18" charset="0"/>
-            </a:endParaRPr>
-          </a:p>
-        </p:txBody>
-      </p:sp>
-      <p:sp>
-        <p:nvSpPr>
-          <p:cNvPr id="6" name="Segnaposto numero diapositiva 5"/>
-          <p:cNvSpPr>
-            <a:spLocks noGrp="1"/>
-          </p:cNvSpPr>
-          <p:nvPr>
-            <p:ph type="sldNum" sz="quarter" idx="12"/>
-          </p:nvPr>
-        </p:nvSpPr>
-        <p:spPr/>
-        <p:txBody>
-          <a:bodyPr/>
-          <a:lstStyle/>
-          <a:p>
-            <a:fld id="{31DE2C5B-556E-47B8-A792-024C2FCA4ACC}" type="slidenum">
-              <a:rPr lang="en-GB" smtClean="0"/>
-              <a:t>30</a:t>
-            </a:fld>
-            <a:endParaRPr lang="en-GB"/>
-          </a:p>
-        </p:txBody>
-      </p:sp>
-    </p:spTree>
-    <p:extLst>
-      <p:ext uri="{BB962C8B-B14F-4D97-AF65-F5344CB8AC3E}">
-        <p14:creationId xmlns:p14="http://schemas.microsoft.com/office/powerpoint/2010/main" val="341176474"/>
-      </p:ext>
-    </p:extLst>
-  </p:cSld>
-  <p:clrMapOvr>
-    <a:masterClrMapping/>
-  </p:clrMapOvr>
-</p:sld>
-</file>
-
-<file path=ppt/slides/slide31.xml><?xml version="1.0" encoding="utf-8"?>
-<p:sld xmlns:a="http://schemas.openxmlformats.org/drawingml/2006/main" xmlns:r="http://schemas.openxmlformats.org/officeDocument/2006/relationships" xmlns:p="http://schemas.openxmlformats.org/presentationml/2006/main">
-  <p:cSld>
-    <p:spTree>
-      <p:nvGrpSpPr>
-        <p:cNvPr id="1" name=""/>
-        <p:cNvGrpSpPr/>
-        <p:nvPr/>
-      </p:nvGrpSpPr>
-      <p:grpSpPr>
-        <a:xfrm>
-          <a:off x="0" y="0"/>
-          <a:ext cx="0" cy="0"/>
-          <a:chOff x="0" y="0"/>
-          <a:chExt cx="0" cy="0"/>
-        </a:xfrm>
-      </p:grpSpPr>
-      <p:sp>
-        <p:nvSpPr>
-          <p:cNvPr id="2" name="Titolo 1"/>
-          <p:cNvSpPr>
-            <a:spLocks noGrp="1"/>
-          </p:cNvSpPr>
-          <p:nvPr>
-            <p:ph type="title"/>
-          </p:nvPr>
-        </p:nvSpPr>
-        <p:spPr/>
-        <p:txBody>
-          <a:bodyPr/>
-          <a:lstStyle/>
-          <a:p>
-            <a:r>
-              <a:rPr lang="it-IT" dirty="0"/>
-              <a:t>JavaScript Object </a:t>
-            </a:r>
-            <a:r>
-              <a:rPr lang="it-IT" dirty="0" err="1"/>
-              <a:t>Notation</a:t>
-            </a:r>
-            <a:r>
-              <a:rPr lang="it-IT" dirty="0"/>
-              <a:t> (JSON)</a:t>
-            </a:r>
-            <a:endParaRPr lang="en-GB" dirty="0"/>
-          </a:p>
-        </p:txBody>
-      </p:sp>
-      <p:sp>
-        <p:nvSpPr>
-          <p:cNvPr id="3" name="Segnaposto contenuto 2"/>
-          <p:cNvSpPr>
-            <a:spLocks noGrp="1"/>
-          </p:cNvSpPr>
-          <p:nvPr>
-            <p:ph idx="1"/>
-          </p:nvPr>
-        </p:nvSpPr>
-        <p:spPr/>
-        <p:txBody>
-          <a:bodyPr>
-            <a:normAutofit/>
-          </a:bodyPr>
-          <a:lstStyle/>
-          <a:p>
-            <a:r>
-              <a:rPr lang="en-US" dirty="0"/>
-              <a:t>A format that uses human-readable text to store and transmit data objects consisting of attribute–value pairs and arrays.</a:t>
-            </a:r>
-          </a:p>
-          <a:p>
-            <a:r>
-              <a:rPr lang="en-US" dirty="0"/>
-              <a:t>Introduced in 2001.</a:t>
-            </a:r>
-          </a:p>
-          <a:p>
-            <a:r>
-              <a:rPr lang="en-US" dirty="0"/>
-              <a:t>JSON is language-independent. It was derived from JavaScript, but many modern programming languages include code to generate and parse JSON-format data.</a:t>
-            </a:r>
-          </a:p>
-          <a:p>
-            <a:r>
-              <a:rPr lang="en-US" dirty="0"/>
-              <a:t>Extension .</a:t>
-            </a:r>
-            <a:r>
-              <a:rPr lang="en-US" dirty="0" err="1"/>
-              <a:t>json</a:t>
-            </a:r>
-            <a:endParaRPr lang="en-US" dirty="0"/>
-          </a:p>
-          <a:p>
-            <a:r>
-              <a:rPr lang="en-US" dirty="0"/>
-              <a:t>JSON data types: number, string, Boolean, null (empty value)</a:t>
-            </a:r>
-          </a:p>
-          <a:p>
-            <a:r>
-              <a:rPr lang="en-US" dirty="0"/>
-              <a:t>JSON data structures</a:t>
-            </a:r>
-          </a:p>
-          <a:p>
-            <a:pPr lvl="1"/>
-            <a:r>
-              <a:rPr lang="en-US" sz="2400" dirty="0"/>
-              <a:t>Object</a:t>
-            </a:r>
-          </a:p>
-          <a:p>
-            <a:pPr lvl="1"/>
-            <a:r>
-              <a:rPr lang="en-US" sz="2400" dirty="0"/>
-              <a:t>Array</a:t>
-            </a:r>
-          </a:p>
-          <a:p>
-            <a:pPr lvl="1"/>
-            <a:endParaRPr lang="it-IT" dirty="0"/>
-          </a:p>
-          <a:p>
-            <a:endParaRPr lang="en-GB" dirty="0"/>
-          </a:p>
-        </p:txBody>
-      </p:sp>
-      <p:sp>
-        <p:nvSpPr>
-          <p:cNvPr id="4" name="Segnaposto numero diapositiva 3"/>
-          <p:cNvSpPr>
-            <a:spLocks noGrp="1"/>
-          </p:cNvSpPr>
-          <p:nvPr>
-            <p:ph type="sldNum" sz="quarter" idx="12"/>
-          </p:nvPr>
-        </p:nvSpPr>
-        <p:spPr/>
-        <p:txBody>
-          <a:bodyPr/>
-          <a:lstStyle/>
-          <a:p>
-            <a:fld id="{31DE2C5B-556E-47B8-A792-024C2FCA4ACC}" type="slidenum">
-              <a:rPr lang="en-GB" smtClean="0"/>
-              <a:t>31</a:t>
-            </a:fld>
-            <a:endParaRPr lang="en-GB"/>
-          </a:p>
-        </p:txBody>
-      </p:sp>
-    </p:spTree>
-    <p:extLst>
-      <p:ext uri="{BB962C8B-B14F-4D97-AF65-F5344CB8AC3E}">
-        <p14:creationId xmlns:p14="http://schemas.microsoft.com/office/powerpoint/2010/main" val="3144760395"/>
-      </p:ext>
-    </p:extLst>
-  </p:cSld>
-  <p:clrMapOvr>
-    <a:masterClrMapping/>
-  </p:clrMapOvr>
-</p:sld>
-</file>
-
-<file path=ppt/slides/slide32.xml><?xml version="1.0" encoding="utf-8"?>
-<p:sld xmlns:a="http://schemas.openxmlformats.org/drawingml/2006/main" xmlns:r="http://schemas.openxmlformats.org/officeDocument/2006/relationships" xmlns:p="http://schemas.openxmlformats.org/presentationml/2006/main">
-  <p:cSld>
-    <p:spTree>
-      <p:nvGrpSpPr>
-        <p:cNvPr id="1" name=""/>
-        <p:cNvGrpSpPr/>
-        <p:nvPr/>
-      </p:nvGrpSpPr>
-      <p:grpSpPr>
-        <a:xfrm>
-          <a:off x="0" y="0"/>
-          <a:ext cx="0" cy="0"/>
-          <a:chOff x="0" y="0"/>
-          <a:chExt cx="0" cy="0"/>
-        </a:xfrm>
-      </p:grpSpPr>
-      <p:sp>
-        <p:nvSpPr>
-          <p:cNvPr id="2" name="Titolo 1"/>
-          <p:cNvSpPr>
-            <a:spLocks noGrp="1"/>
-          </p:cNvSpPr>
-          <p:nvPr>
-            <p:ph type="title"/>
-          </p:nvPr>
-        </p:nvSpPr>
-        <p:spPr/>
-        <p:txBody>
-          <a:bodyPr/>
-          <a:lstStyle/>
-          <a:p>
-            <a:r>
               <a:rPr lang="it-IT" dirty="0"/>
               <a:t>JSON data </a:t>
             </a:r>
@@ -16798,7 +14556,7 @@
         </p:nvSpPr>
         <p:spPr>
           <a:xfrm>
-            <a:off x="902839" y="5774883"/>
+            <a:off x="839777" y="5507292"/>
             <a:ext cx="6571030" cy="400110"/>
           </a:xfrm>
           <a:prstGeom prst="rect">
@@ -16837,7 +14595,7 @@
           <a:p>
             <a:fld id="{31DE2C5B-556E-47B8-A792-024C2FCA4ACC}" type="slidenum">
               <a:rPr lang="en-GB" smtClean="0"/>
-              <a:t>32</a:t>
+              <a:t>30</a:t>
             </a:fld>
             <a:endParaRPr lang="en-GB"/>
           </a:p>
@@ -16847,6 +14605,1336 @@
     <p:extLst>
       <p:ext uri="{BB962C8B-B14F-4D97-AF65-F5344CB8AC3E}">
         <p14:creationId xmlns:p14="http://schemas.microsoft.com/office/powerpoint/2010/main" val="2901513629"/>
+      </p:ext>
+    </p:extLst>
+  </p:cSld>
+  <p:clrMapOvr>
+    <a:masterClrMapping/>
+  </p:clrMapOvr>
+</p:sld>
+</file>
+
+<file path=ppt/slides/slide31.xml><?xml version="1.0" encoding="utf-8"?>
+<p:sld xmlns:a="http://schemas.openxmlformats.org/drawingml/2006/main" xmlns:r="http://schemas.openxmlformats.org/officeDocument/2006/relationships" xmlns:p="http://schemas.openxmlformats.org/presentationml/2006/main">
+  <p:cSld>
+    <p:spTree>
+      <p:nvGrpSpPr>
+        <p:cNvPr id="1" name=""/>
+        <p:cNvGrpSpPr/>
+        <p:nvPr/>
+      </p:nvGrpSpPr>
+      <p:grpSpPr>
+        <a:xfrm>
+          <a:off x="0" y="0"/>
+          <a:ext cx="0" cy="0"/>
+          <a:chOff x="0" y="0"/>
+          <a:chExt cx="0" cy="0"/>
+        </a:xfrm>
+      </p:grpSpPr>
+      <p:sp>
+        <p:nvSpPr>
+          <p:cNvPr id="2" name="Titolo 1"/>
+          <p:cNvSpPr>
+            <a:spLocks noGrp="1"/>
+          </p:cNvSpPr>
+          <p:nvPr>
+            <p:ph type="title"/>
+          </p:nvPr>
+        </p:nvSpPr>
+        <p:spPr/>
+        <p:txBody>
+          <a:bodyPr/>
+          <a:lstStyle/>
+          <a:p>
+            <a:r>
+              <a:rPr lang="it-IT" dirty="0" err="1"/>
+              <a:t>Why</a:t>
+            </a:r>
+            <a:r>
+              <a:rPr lang="it-IT" dirty="0"/>
+              <a:t> JSON are </a:t>
+            </a:r>
+            <a:r>
+              <a:rPr lang="it-IT" dirty="0" err="1"/>
+              <a:t>important</a:t>
+            </a:r>
+            <a:r>
+              <a:rPr lang="it-IT" dirty="0"/>
+              <a:t> </a:t>
+            </a:r>
+            <a:r>
+              <a:rPr lang="it-IT" dirty="0" err="1"/>
+              <a:t>here</a:t>
+            </a:r>
+            <a:r>
+              <a:rPr lang="it-IT" dirty="0"/>
+              <a:t>? </a:t>
+            </a:r>
+            <a:r>
+              <a:rPr lang="it-IT" dirty="0" err="1"/>
+              <a:t>What</a:t>
+            </a:r>
+            <a:r>
+              <a:rPr lang="it-IT" dirty="0"/>
+              <a:t> </a:t>
+            </a:r>
+            <a:r>
+              <a:rPr lang="it-IT" dirty="0" err="1"/>
+              <a:t>we</a:t>
+            </a:r>
+            <a:r>
+              <a:rPr lang="it-IT" dirty="0"/>
+              <a:t> </a:t>
+            </a:r>
+            <a:r>
+              <a:rPr lang="it-IT" dirty="0" err="1"/>
+              <a:t>need</a:t>
+            </a:r>
+            <a:r>
+              <a:rPr lang="it-IT" dirty="0"/>
+              <a:t>?</a:t>
+            </a:r>
+            <a:endParaRPr lang="en-GB" dirty="0"/>
+          </a:p>
+        </p:txBody>
+      </p:sp>
+      <p:sp>
+        <p:nvSpPr>
+          <p:cNvPr id="9" name="Segnaposto numero diapositiva 8"/>
+          <p:cNvSpPr>
+            <a:spLocks noGrp="1"/>
+          </p:cNvSpPr>
+          <p:nvPr>
+            <p:ph type="sldNum" sz="quarter" idx="12"/>
+          </p:nvPr>
+        </p:nvSpPr>
+        <p:spPr/>
+        <p:txBody>
+          <a:bodyPr/>
+          <a:lstStyle/>
+          <a:p>
+            <a:fld id="{31DE2C5B-556E-47B8-A792-024C2FCA4ACC}" type="slidenum">
+              <a:rPr lang="en-GB" smtClean="0"/>
+              <a:t>31</a:t>
+            </a:fld>
+            <a:endParaRPr lang="en-GB"/>
+          </a:p>
+        </p:txBody>
+      </p:sp>
+      <p:sp>
+        <p:nvSpPr>
+          <p:cNvPr id="11" name="Segnaposto contenuto 2">
+            <a:extLst>
+              <a:ext uri="{FF2B5EF4-FFF2-40B4-BE49-F238E27FC236}">
+                <a16:creationId xmlns:a16="http://schemas.microsoft.com/office/drawing/2014/main" id="{A174B2A5-9A7E-B006-6E94-EB7D88FEBC7B}"/>
+              </a:ext>
+            </a:extLst>
+          </p:cNvPr>
+          <p:cNvSpPr>
+            <a:spLocks noGrp="1"/>
+          </p:cNvSpPr>
+          <p:nvPr>
+            <p:ph idx="1"/>
+          </p:nvPr>
+        </p:nvSpPr>
+        <p:spPr>
+          <a:xfrm>
+            <a:off x="428171" y="1679189"/>
+            <a:ext cx="11522087" cy="1414827"/>
+          </a:xfrm>
+        </p:spPr>
+        <p:txBody>
+          <a:bodyPr>
+            <a:normAutofit/>
+          </a:bodyPr>
+          <a:lstStyle/>
+          <a:p>
+            <a:r>
+              <a:rPr lang="en-US" dirty="0"/>
+              <a:t>The Fitbit data you will need to develop your project (stored in the IMPACT server are stored in a JSON format</a:t>
+            </a:r>
+          </a:p>
+          <a:p>
+            <a:r>
+              <a:rPr lang="en-US" dirty="0"/>
+              <a:t>We need to learn how to make and ”debug” our requests!</a:t>
+            </a:r>
+            <a:endParaRPr lang="en-GB" dirty="0"/>
+          </a:p>
+        </p:txBody>
+      </p:sp>
+      <p:pic>
+        <p:nvPicPr>
+          <p:cNvPr id="13" name="Picture 12">
+            <a:extLst>
+              <a:ext uri="{FF2B5EF4-FFF2-40B4-BE49-F238E27FC236}">
+                <a16:creationId xmlns:a16="http://schemas.microsoft.com/office/drawing/2014/main" id="{6B51E6AB-2E76-2139-19E5-F85C0D24C984}"/>
+              </a:ext>
+            </a:extLst>
+          </p:cNvPr>
+          <p:cNvPicPr>
+            <a:picLocks noChangeAspect="1"/>
+          </p:cNvPicPr>
+          <p:nvPr/>
+        </p:nvPicPr>
+        <p:blipFill>
+          <a:blip r:embed="rId2"/>
+          <a:stretch>
+            <a:fillRect/>
+          </a:stretch>
+        </p:blipFill>
+        <p:spPr>
+          <a:xfrm>
+            <a:off x="5774766" y="5402103"/>
+            <a:ext cx="1049011" cy="1106755"/>
+          </a:xfrm>
+          <a:prstGeom prst="rect">
+            <a:avLst/>
+          </a:prstGeom>
+        </p:spPr>
+      </p:pic>
+      <p:sp>
+        <p:nvSpPr>
+          <p:cNvPr id="14" name="TextBox 13">
+            <a:extLst>
+              <a:ext uri="{FF2B5EF4-FFF2-40B4-BE49-F238E27FC236}">
+                <a16:creationId xmlns:a16="http://schemas.microsoft.com/office/drawing/2014/main" id="{DB4448B8-8D9E-6F3C-723D-97090E6B664B}"/>
+              </a:ext>
+            </a:extLst>
+          </p:cNvPr>
+          <p:cNvSpPr txBox="1"/>
+          <p:nvPr/>
+        </p:nvSpPr>
+        <p:spPr>
+          <a:xfrm>
+            <a:off x="3632454" y="3470907"/>
+            <a:ext cx="4162351" cy="2862322"/>
+          </a:xfrm>
+          <a:prstGeom prst="rect">
+            <a:avLst/>
+          </a:prstGeom>
+          <a:noFill/>
+        </p:spPr>
+        <p:txBody>
+          <a:bodyPr wrap="square">
+            <a:spAutoFit/>
+          </a:bodyPr>
+          <a:lstStyle/>
+          <a:p>
+            <a:r>
+              <a:rPr lang="en-GB" sz="1000" b="0" dirty="0">
+                <a:effectLst/>
+                <a:latin typeface="Menlo" panose="020B0609030804020204" pitchFamily="49" charset="0"/>
+              </a:rPr>
+              <a:t>[</a:t>
+            </a:r>
+          </a:p>
+          <a:p>
+            <a:r>
+              <a:rPr lang="en-GB" sz="1000" b="0" dirty="0">
+                <a:effectLst/>
+                <a:latin typeface="Menlo" panose="020B0609030804020204" pitchFamily="49" charset="0"/>
+              </a:rPr>
+              <a:t>     {</a:t>
+            </a:r>
+          </a:p>
+          <a:p>
+            <a:r>
+              <a:rPr lang="en-GB" sz="1000" b="0" dirty="0">
+                <a:effectLst/>
+                <a:latin typeface="Menlo" panose="020B0609030804020204" pitchFamily="49" charset="0"/>
+              </a:rPr>
+              <a:t>        "time": "03:10:19",</a:t>
+            </a:r>
+          </a:p>
+          <a:p>
+            <a:r>
+              <a:rPr lang="en-GB" sz="1000" b="0" dirty="0">
+                <a:effectLst/>
+                <a:latin typeface="Menlo" panose="020B0609030804020204" pitchFamily="49" charset="0"/>
+              </a:rPr>
+              <a:t>        "value": 58,</a:t>
+            </a:r>
+          </a:p>
+          <a:p>
+            <a:r>
+              <a:rPr lang="en-GB" sz="1000" b="0" dirty="0">
+                <a:effectLst/>
+                <a:latin typeface="Menlo" panose="020B0609030804020204" pitchFamily="49" charset="0"/>
+              </a:rPr>
+              <a:t>        "confidence": 1</a:t>
+            </a:r>
+          </a:p>
+          <a:p>
+            <a:r>
+              <a:rPr lang="en-GB" sz="1000" b="0" dirty="0">
+                <a:effectLst/>
+                <a:latin typeface="Menlo" panose="020B0609030804020204" pitchFamily="49" charset="0"/>
+              </a:rPr>
+              <a:t>    },</a:t>
+            </a:r>
+          </a:p>
+          <a:p>
+            <a:r>
+              <a:rPr lang="en-GB" sz="1000" b="0" dirty="0">
+                <a:effectLst/>
+                <a:latin typeface="Menlo" panose="020B0609030804020204" pitchFamily="49" charset="0"/>
+              </a:rPr>
+              <a:t>    {</a:t>
+            </a:r>
+          </a:p>
+          <a:p>
+            <a:r>
+              <a:rPr lang="en-GB" sz="1000" b="0" dirty="0">
+                <a:effectLst/>
+                <a:latin typeface="Menlo" panose="020B0609030804020204" pitchFamily="49" charset="0"/>
+              </a:rPr>
+              <a:t>        "time": "03:10:24",</a:t>
+            </a:r>
+          </a:p>
+          <a:p>
+            <a:r>
+              <a:rPr lang="en-GB" sz="1000" b="0" dirty="0">
+                <a:effectLst/>
+                <a:latin typeface="Menlo" panose="020B0609030804020204" pitchFamily="49" charset="0"/>
+              </a:rPr>
+              <a:t>        "value": 54,</a:t>
+            </a:r>
+          </a:p>
+          <a:p>
+            <a:r>
+              <a:rPr lang="en-GB" sz="1000" b="0" dirty="0">
+                <a:effectLst/>
+                <a:latin typeface="Menlo" panose="020B0609030804020204" pitchFamily="49" charset="0"/>
+              </a:rPr>
+              <a:t>        "confidence": 3</a:t>
+            </a:r>
+          </a:p>
+          <a:p>
+            <a:r>
+              <a:rPr lang="en-GB" sz="1000" b="0" dirty="0">
+                <a:effectLst/>
+                <a:latin typeface="Menlo" panose="020B0609030804020204" pitchFamily="49" charset="0"/>
+              </a:rPr>
+              <a:t>    },</a:t>
+            </a:r>
+          </a:p>
+          <a:p>
+            <a:r>
+              <a:rPr lang="en-GB" sz="1000" b="0" dirty="0">
+                <a:effectLst/>
+                <a:latin typeface="Menlo" panose="020B0609030804020204" pitchFamily="49" charset="0"/>
+              </a:rPr>
+              <a:t>    {</a:t>
+            </a:r>
+          </a:p>
+          <a:p>
+            <a:r>
+              <a:rPr lang="en-GB" sz="1000" b="0" dirty="0">
+                <a:effectLst/>
+                <a:latin typeface="Menlo" panose="020B0609030804020204" pitchFamily="49" charset="0"/>
+              </a:rPr>
+              <a:t>        "time": "03:10:29",</a:t>
+            </a:r>
+          </a:p>
+          <a:p>
+            <a:r>
+              <a:rPr lang="en-GB" sz="1000" b="0" dirty="0">
+                <a:effectLst/>
+                <a:latin typeface="Menlo" panose="020B0609030804020204" pitchFamily="49" charset="0"/>
+              </a:rPr>
+              <a:t>        "value": 52,</a:t>
+            </a:r>
+          </a:p>
+          <a:p>
+            <a:r>
+              <a:rPr lang="en-GB" sz="1000" b="0" dirty="0">
+                <a:effectLst/>
+                <a:latin typeface="Menlo" panose="020B0609030804020204" pitchFamily="49" charset="0"/>
+              </a:rPr>
+              <a:t>        "confidence": 3</a:t>
+            </a:r>
+          </a:p>
+          <a:p>
+            <a:r>
+              <a:rPr lang="en-GB" sz="1000" b="0" dirty="0">
+                <a:effectLst/>
+                <a:latin typeface="Menlo" panose="020B0609030804020204" pitchFamily="49" charset="0"/>
+              </a:rPr>
+              <a:t>    },</a:t>
+            </a:r>
+            <a:br>
+              <a:rPr lang="en-GB" sz="1000" b="0" dirty="0">
+                <a:effectLst/>
+                <a:latin typeface="Menlo" panose="020B0609030804020204" pitchFamily="49" charset="0"/>
+              </a:rPr>
+            </a:br>
+            <a:r>
+              <a:rPr lang="en-GB" sz="1000" b="0" dirty="0">
+                <a:effectLst/>
+                <a:latin typeface="Menlo" panose="020B0609030804020204" pitchFamily="49" charset="0"/>
+              </a:rPr>
+              <a:t>    </a:t>
+            </a:r>
+            <a:r>
+              <a:rPr lang="en-GB" sz="1000" dirty="0">
+                <a:latin typeface="Menlo" panose="020B0609030804020204" pitchFamily="49" charset="0"/>
+              </a:rPr>
+              <a:t>...</a:t>
+            </a:r>
+          </a:p>
+          <a:p>
+            <a:r>
+              <a:rPr lang="en-GB" sz="1000" b="0" dirty="0">
+                <a:effectLst/>
+                <a:latin typeface="Menlo" panose="020B0609030804020204" pitchFamily="49" charset="0"/>
+              </a:rPr>
+              <a:t>]</a:t>
+            </a:r>
+          </a:p>
+        </p:txBody>
+      </p:sp>
+      <p:cxnSp>
+        <p:nvCxnSpPr>
+          <p:cNvPr id="15" name="Straight Arrow Connector 14">
+            <a:extLst>
+              <a:ext uri="{FF2B5EF4-FFF2-40B4-BE49-F238E27FC236}">
+                <a16:creationId xmlns:a16="http://schemas.microsoft.com/office/drawing/2014/main" id="{C09ECB14-6466-9D43-4944-BFE8541950AD}"/>
+              </a:ext>
+            </a:extLst>
+          </p:cNvPr>
+          <p:cNvCxnSpPr>
+            <a:cxnSpLocks/>
+          </p:cNvCxnSpPr>
+          <p:nvPr/>
+        </p:nvCxnSpPr>
+        <p:spPr>
+          <a:xfrm>
+            <a:off x="7315200" y="4579343"/>
+            <a:ext cx="1037118" cy="0"/>
+          </a:xfrm>
+          <a:prstGeom prst="straightConnector1">
+            <a:avLst/>
+          </a:prstGeom>
+          <a:ln>
+            <a:tailEnd type="triangle"/>
+          </a:ln>
+        </p:spPr>
+        <p:style>
+          <a:lnRef idx="1">
+            <a:schemeClr val="dk1"/>
+          </a:lnRef>
+          <a:fillRef idx="0">
+            <a:schemeClr val="dk1"/>
+          </a:fillRef>
+          <a:effectRef idx="0">
+            <a:schemeClr val="dk1"/>
+          </a:effectRef>
+          <a:fontRef idx="minor">
+            <a:schemeClr val="tx1"/>
+          </a:fontRef>
+        </p:style>
+      </p:cxnSp>
+      <p:grpSp>
+        <p:nvGrpSpPr>
+          <p:cNvPr id="18" name="Group 17">
+            <a:extLst>
+              <a:ext uri="{FF2B5EF4-FFF2-40B4-BE49-F238E27FC236}">
+                <a16:creationId xmlns:a16="http://schemas.microsoft.com/office/drawing/2014/main" id="{7664F556-4D73-8BD0-6FFA-9AC093CDB9EF}"/>
+              </a:ext>
+            </a:extLst>
+          </p:cNvPr>
+          <p:cNvGrpSpPr/>
+          <p:nvPr/>
+        </p:nvGrpSpPr>
+        <p:grpSpPr>
+          <a:xfrm>
+            <a:off x="290607" y="3988637"/>
+            <a:ext cx="2102029" cy="2102029"/>
+            <a:chOff x="0" y="1584963"/>
+            <a:chExt cx="2102029" cy="2102029"/>
+          </a:xfrm>
+        </p:grpSpPr>
+        <p:pic>
+          <p:nvPicPr>
+            <p:cNvPr id="19" name="Graphic 18" descr="Smart Phone outline">
+              <a:extLst>
+                <a:ext uri="{FF2B5EF4-FFF2-40B4-BE49-F238E27FC236}">
+                  <a16:creationId xmlns:a16="http://schemas.microsoft.com/office/drawing/2014/main" id="{ECB9C29A-4F8A-08AE-1E10-9724B6389B97}"/>
+                </a:ext>
+              </a:extLst>
+            </p:cNvPr>
+            <p:cNvPicPr>
+              <a:picLocks noChangeAspect="1"/>
+            </p:cNvPicPr>
+            <p:nvPr/>
+          </p:nvPicPr>
+          <p:blipFill>
+            <a:blip r:embed="rId3">
+              <a:extLst>
+                <a:ext uri="{28A0092B-C50C-407E-A947-70E740481C1C}">
+                  <a14:useLocalDpi xmlns:a14="http://schemas.microsoft.com/office/drawing/2010/main" val="0"/>
+                </a:ext>
+                <a:ext uri="{96DAC541-7B7A-43D3-8B79-37D633B846F1}">
+                  <asvg:svgBlip xmlns:asvg="http://schemas.microsoft.com/office/drawing/2016/SVG/main" r:embed="rId4"/>
+                </a:ext>
+              </a:extLst>
+            </a:blip>
+            <a:stretch>
+              <a:fillRect/>
+            </a:stretch>
+          </p:blipFill>
+          <p:spPr>
+            <a:xfrm>
+              <a:off x="0" y="1584963"/>
+              <a:ext cx="2102029" cy="2102029"/>
+            </a:xfrm>
+            <a:prstGeom prst="rect">
+              <a:avLst/>
+            </a:prstGeom>
+          </p:spPr>
+        </p:pic>
+        <p:pic>
+          <p:nvPicPr>
+            <p:cNvPr id="20" name="Picture 19">
+              <a:extLst>
+                <a:ext uri="{FF2B5EF4-FFF2-40B4-BE49-F238E27FC236}">
+                  <a16:creationId xmlns:a16="http://schemas.microsoft.com/office/drawing/2014/main" id="{07516868-3932-33A2-A22A-3800EEF4A112}"/>
+                </a:ext>
+              </a:extLst>
+            </p:cNvPr>
+            <p:cNvPicPr>
+              <a:picLocks noChangeAspect="1"/>
+            </p:cNvPicPr>
+            <p:nvPr/>
+          </p:nvPicPr>
+          <p:blipFill>
+            <a:blip r:embed="rId5"/>
+            <a:stretch>
+              <a:fillRect/>
+            </a:stretch>
+          </p:blipFill>
+          <p:spPr>
+            <a:xfrm>
+              <a:off x="735199" y="2175669"/>
+              <a:ext cx="623644" cy="920618"/>
+            </a:xfrm>
+            <a:prstGeom prst="rect">
+              <a:avLst/>
+            </a:prstGeom>
+          </p:spPr>
+        </p:pic>
+      </p:grpSp>
+      <p:sp>
+        <p:nvSpPr>
+          <p:cNvPr id="21" name="Content Placeholder 2">
+            <a:extLst>
+              <a:ext uri="{FF2B5EF4-FFF2-40B4-BE49-F238E27FC236}">
+                <a16:creationId xmlns:a16="http://schemas.microsoft.com/office/drawing/2014/main" id="{EA32CC81-EBC4-D66D-762C-4A5BCB192794}"/>
+              </a:ext>
+            </a:extLst>
+          </p:cNvPr>
+          <p:cNvSpPr txBox="1">
+            <a:spLocks/>
+          </p:cNvSpPr>
+          <p:nvPr/>
+        </p:nvSpPr>
+        <p:spPr>
+          <a:xfrm>
+            <a:off x="402688" y="6124801"/>
+            <a:ext cx="1869879" cy="554632"/>
+          </a:xfrm>
+          <a:prstGeom prst="rect">
+            <a:avLst/>
+          </a:prstGeom>
+        </p:spPr>
+        <p:txBody>
+          <a:bodyPr vert="horz" lIns="91440" tIns="45720" rIns="91440" bIns="45720" rtlCol="0">
+            <a:normAutofit/>
+          </a:bodyPr>
+          <a:lstStyle>
+            <a:lvl1pPr marL="342900" indent="-342900" algn="l" defTabSz="914400" rtl="0" eaLnBrk="1" latinLnBrk="0" hangingPunct="1">
+              <a:lnSpc>
+                <a:spcPct val="90000"/>
+              </a:lnSpc>
+              <a:spcBef>
+                <a:spcPts val="1000"/>
+              </a:spcBef>
+              <a:buClr>
+                <a:srgbClr val="00B050"/>
+              </a:buClr>
+              <a:buFont typeface="Wingdings" panose="05000000000000000000" pitchFamily="2" charset="2"/>
+              <a:buChar char="Ø"/>
+              <a:defRPr sz="2400" kern="1200">
+                <a:solidFill>
+                  <a:schemeClr val="tx1"/>
+                </a:solidFill>
+                <a:latin typeface="Palatino Linotype" panose="02040502050505030304" pitchFamily="18" charset="0"/>
+                <a:ea typeface="+mn-ea"/>
+                <a:cs typeface="+mn-cs"/>
+              </a:defRPr>
+            </a:lvl1pPr>
+            <a:lvl2pPr marL="685800" indent="-228600" algn="l" defTabSz="914400" rtl="0" eaLnBrk="1" latinLnBrk="0" hangingPunct="1">
+              <a:lnSpc>
+                <a:spcPct val="90000"/>
+              </a:lnSpc>
+              <a:spcBef>
+                <a:spcPts val="500"/>
+              </a:spcBef>
+              <a:buClr>
+                <a:srgbClr val="00B050"/>
+              </a:buClr>
+              <a:buFont typeface="Wingdings" panose="05000000000000000000" pitchFamily="2" charset="2"/>
+              <a:buChar char="§"/>
+              <a:defRPr sz="2000" kern="1200">
+                <a:solidFill>
+                  <a:schemeClr val="tx1"/>
+                </a:solidFill>
+                <a:latin typeface="Palatino Linotype" panose="02040502050505030304" pitchFamily="18" charset="0"/>
+                <a:ea typeface="+mn-ea"/>
+                <a:cs typeface="+mn-cs"/>
+              </a:defRPr>
+            </a:lvl2pPr>
+            <a:lvl3pPr marL="1143000" indent="-228600" algn="l" defTabSz="914400" rtl="0" eaLnBrk="1" latinLnBrk="0" hangingPunct="1">
+              <a:lnSpc>
+                <a:spcPct val="90000"/>
+              </a:lnSpc>
+              <a:spcBef>
+                <a:spcPts val="500"/>
+              </a:spcBef>
+              <a:buClr>
+                <a:srgbClr val="00B050"/>
+              </a:buClr>
+              <a:buFont typeface="Arial" panose="020B0604020202020204" pitchFamily="34" charset="0"/>
+              <a:buChar char="•"/>
+              <a:defRPr sz="1800" kern="1200">
+                <a:solidFill>
+                  <a:schemeClr val="tx1"/>
+                </a:solidFill>
+                <a:latin typeface="Palatino Linotype" panose="02040502050505030304" pitchFamily="18" charset="0"/>
+                <a:ea typeface="+mn-ea"/>
+                <a:cs typeface="+mn-cs"/>
+              </a:defRPr>
+            </a:lvl3pPr>
+            <a:lvl4pPr marL="1600200" indent="-228600" algn="l" defTabSz="914400" rtl="0" eaLnBrk="1" latinLnBrk="0" hangingPunct="1">
+              <a:lnSpc>
+                <a:spcPct val="90000"/>
+              </a:lnSpc>
+              <a:spcBef>
+                <a:spcPts val="500"/>
+              </a:spcBef>
+              <a:buClr>
+                <a:srgbClr val="00B050"/>
+              </a:buClr>
+              <a:buFont typeface="Courier New" panose="02070309020205020404" pitchFamily="49" charset="0"/>
+              <a:buChar char="o"/>
+              <a:defRPr sz="1600" kern="1200">
+                <a:solidFill>
+                  <a:schemeClr val="tx1"/>
+                </a:solidFill>
+                <a:latin typeface="Palatino Linotype" panose="02040502050505030304" pitchFamily="18" charset="0"/>
+                <a:ea typeface="+mn-ea"/>
+                <a:cs typeface="+mn-cs"/>
+              </a:defRPr>
+            </a:lvl4pPr>
+            <a:lvl5pPr marL="2057400" indent="-228600" algn="l" defTabSz="914400" rtl="0" eaLnBrk="1" latinLnBrk="0" hangingPunct="1">
+              <a:lnSpc>
+                <a:spcPct val="90000"/>
+              </a:lnSpc>
+              <a:spcBef>
+                <a:spcPts val="500"/>
+              </a:spcBef>
+              <a:buClr>
+                <a:srgbClr val="00B050"/>
+              </a:buClr>
+              <a:buFont typeface="Times New Roman" panose="02020603050405020304" pitchFamily="18" charset="0"/>
+              <a:buChar char="̶"/>
+              <a:defRPr sz="1600" kern="1200">
+                <a:solidFill>
+                  <a:schemeClr val="tx1"/>
+                </a:solidFill>
+                <a:latin typeface="Palatino Linotype" panose="02040502050505030304" pitchFamily="18" charset="0"/>
+                <a:ea typeface="+mn-ea"/>
+                <a:cs typeface="+mn-cs"/>
+              </a:defRPr>
+            </a:lvl5pPr>
+            <a:lvl6pPr marL="2514600" indent="-228600" algn="l" defTabSz="914400" rtl="0" eaLnBrk="1" latinLnBrk="0" hangingPunct="1">
+              <a:lnSpc>
+                <a:spcPct val="90000"/>
+              </a:lnSpc>
+              <a:spcBef>
+                <a:spcPts val="500"/>
+              </a:spcBef>
+              <a:buFont typeface="Arial" panose="020B0604020202020204" pitchFamily="34" charset="0"/>
+              <a:buChar char="•"/>
+              <a:defRPr sz="1800" kern="1200">
+                <a:solidFill>
+                  <a:schemeClr val="tx1"/>
+                </a:solidFill>
+                <a:latin typeface="+mn-lt"/>
+                <a:ea typeface="+mn-ea"/>
+                <a:cs typeface="+mn-cs"/>
+              </a:defRPr>
+            </a:lvl6pPr>
+            <a:lvl7pPr marL="2971800" indent="-228600" algn="l" defTabSz="914400" rtl="0" eaLnBrk="1" latinLnBrk="0" hangingPunct="1">
+              <a:lnSpc>
+                <a:spcPct val="90000"/>
+              </a:lnSpc>
+              <a:spcBef>
+                <a:spcPts val="500"/>
+              </a:spcBef>
+              <a:buFont typeface="Arial" panose="020B0604020202020204" pitchFamily="34" charset="0"/>
+              <a:buChar char="•"/>
+              <a:defRPr sz="1800" kern="1200">
+                <a:solidFill>
+                  <a:schemeClr val="tx1"/>
+                </a:solidFill>
+                <a:latin typeface="+mn-lt"/>
+                <a:ea typeface="+mn-ea"/>
+                <a:cs typeface="+mn-cs"/>
+              </a:defRPr>
+            </a:lvl7pPr>
+            <a:lvl8pPr marL="3429000" indent="-228600" algn="l" defTabSz="914400" rtl="0" eaLnBrk="1" latinLnBrk="0" hangingPunct="1">
+              <a:lnSpc>
+                <a:spcPct val="90000"/>
+              </a:lnSpc>
+              <a:spcBef>
+                <a:spcPts val="500"/>
+              </a:spcBef>
+              <a:buFont typeface="Arial" panose="020B0604020202020204" pitchFamily="34" charset="0"/>
+              <a:buChar char="•"/>
+              <a:defRPr sz="1800" kern="1200">
+                <a:solidFill>
+                  <a:schemeClr val="tx1"/>
+                </a:solidFill>
+                <a:latin typeface="+mn-lt"/>
+                <a:ea typeface="+mn-ea"/>
+                <a:cs typeface="+mn-cs"/>
+              </a:defRPr>
+            </a:lvl8pPr>
+            <a:lvl9pPr marL="3886200" indent="-228600" algn="l" defTabSz="914400" rtl="0" eaLnBrk="1" latinLnBrk="0" hangingPunct="1">
+              <a:lnSpc>
+                <a:spcPct val="90000"/>
+              </a:lnSpc>
+              <a:spcBef>
+                <a:spcPts val="500"/>
+              </a:spcBef>
+              <a:buFont typeface="Arial" panose="020B0604020202020204" pitchFamily="34" charset="0"/>
+              <a:buChar char="•"/>
+              <a:defRPr sz="1800" kern="1200">
+                <a:solidFill>
+                  <a:schemeClr val="tx1"/>
+                </a:solidFill>
+                <a:latin typeface="+mn-lt"/>
+                <a:ea typeface="+mn-ea"/>
+                <a:cs typeface="+mn-cs"/>
+              </a:defRPr>
+            </a:lvl9pPr>
+          </a:lstStyle>
+          <a:p>
+            <a:pPr marL="0" indent="0" algn="ctr">
+              <a:buFont typeface="Wingdings" panose="05000000000000000000" pitchFamily="2" charset="2"/>
+              <a:buNone/>
+            </a:pPr>
+            <a:r>
+              <a:rPr lang="en-IT" sz="1400" dirty="0"/>
+              <a:t>Your app</a:t>
+            </a:r>
+          </a:p>
+        </p:txBody>
+      </p:sp>
+      <p:pic>
+        <p:nvPicPr>
+          <p:cNvPr id="22" name="Picture 21" descr="A picture containing text&#10;&#10;Description automatically generated">
+            <a:extLst>
+              <a:ext uri="{FF2B5EF4-FFF2-40B4-BE49-F238E27FC236}">
+                <a16:creationId xmlns:a16="http://schemas.microsoft.com/office/drawing/2014/main" id="{76A8FDF3-EB8F-012C-E6A0-96E84CEFC81B}"/>
+              </a:ext>
+            </a:extLst>
+          </p:cNvPr>
+          <p:cNvPicPr>
+            <a:picLocks noChangeAspect="1"/>
+          </p:cNvPicPr>
+          <p:nvPr/>
+        </p:nvPicPr>
+        <p:blipFill>
+          <a:blip r:embed="rId6">
+            <a:extLst>
+              <a:ext uri="{28A0092B-C50C-407E-A947-70E740481C1C}">
+                <a14:useLocalDpi xmlns:a14="http://schemas.microsoft.com/office/drawing/2010/main" val="0"/>
+              </a:ext>
+            </a:extLst>
+          </a:blip>
+          <a:stretch>
+            <a:fillRect/>
+          </a:stretch>
+        </p:blipFill>
+        <p:spPr>
+          <a:xfrm>
+            <a:off x="8951992" y="3988637"/>
+            <a:ext cx="2435304" cy="1718017"/>
+          </a:xfrm>
+          <a:prstGeom prst="rect">
+            <a:avLst/>
+          </a:prstGeom>
+          <a:ln w="38100">
+            <a:solidFill>
+              <a:srgbClr val="C00000"/>
+            </a:solidFill>
+          </a:ln>
+        </p:spPr>
+      </p:pic>
+      <p:sp>
+        <p:nvSpPr>
+          <p:cNvPr id="23" name="Content Placeholder 2">
+            <a:extLst>
+              <a:ext uri="{FF2B5EF4-FFF2-40B4-BE49-F238E27FC236}">
+                <a16:creationId xmlns:a16="http://schemas.microsoft.com/office/drawing/2014/main" id="{F0C14931-83C3-AB68-1FB2-C86277CDD6E7}"/>
+              </a:ext>
+            </a:extLst>
+          </p:cNvPr>
+          <p:cNvSpPr txBox="1">
+            <a:spLocks/>
+          </p:cNvSpPr>
+          <p:nvPr/>
+        </p:nvSpPr>
+        <p:spPr>
+          <a:xfrm>
+            <a:off x="8459696" y="5848478"/>
+            <a:ext cx="3329616" cy="465985"/>
+          </a:xfrm>
+          <a:prstGeom prst="rect">
+            <a:avLst/>
+          </a:prstGeom>
+        </p:spPr>
+        <p:txBody>
+          <a:bodyPr vert="horz" lIns="91440" tIns="45720" rIns="91440" bIns="45720" rtlCol="0">
+            <a:normAutofit fontScale="92500"/>
+          </a:bodyPr>
+          <a:lstStyle>
+            <a:lvl1pPr marL="342900" indent="-342900" algn="l" defTabSz="914400" rtl="0" eaLnBrk="1" latinLnBrk="0" hangingPunct="1">
+              <a:lnSpc>
+                <a:spcPct val="90000"/>
+              </a:lnSpc>
+              <a:spcBef>
+                <a:spcPts val="1000"/>
+              </a:spcBef>
+              <a:buClr>
+                <a:srgbClr val="00B050"/>
+              </a:buClr>
+              <a:buFont typeface="Wingdings" panose="05000000000000000000" pitchFamily="2" charset="2"/>
+              <a:buChar char="Ø"/>
+              <a:defRPr sz="2400" kern="1200">
+                <a:solidFill>
+                  <a:schemeClr val="tx1"/>
+                </a:solidFill>
+                <a:latin typeface="Palatino Linotype" panose="02040502050505030304" pitchFamily="18" charset="0"/>
+                <a:ea typeface="+mn-ea"/>
+                <a:cs typeface="+mn-cs"/>
+              </a:defRPr>
+            </a:lvl1pPr>
+            <a:lvl2pPr marL="685800" indent="-228600" algn="l" defTabSz="914400" rtl="0" eaLnBrk="1" latinLnBrk="0" hangingPunct="1">
+              <a:lnSpc>
+                <a:spcPct val="90000"/>
+              </a:lnSpc>
+              <a:spcBef>
+                <a:spcPts val="500"/>
+              </a:spcBef>
+              <a:buClr>
+                <a:srgbClr val="00B050"/>
+              </a:buClr>
+              <a:buFont typeface="Wingdings" panose="05000000000000000000" pitchFamily="2" charset="2"/>
+              <a:buChar char="§"/>
+              <a:defRPr sz="2000" kern="1200">
+                <a:solidFill>
+                  <a:schemeClr val="tx1"/>
+                </a:solidFill>
+                <a:latin typeface="Palatino Linotype" panose="02040502050505030304" pitchFamily="18" charset="0"/>
+                <a:ea typeface="+mn-ea"/>
+                <a:cs typeface="+mn-cs"/>
+              </a:defRPr>
+            </a:lvl2pPr>
+            <a:lvl3pPr marL="1143000" indent="-228600" algn="l" defTabSz="914400" rtl="0" eaLnBrk="1" latinLnBrk="0" hangingPunct="1">
+              <a:lnSpc>
+                <a:spcPct val="90000"/>
+              </a:lnSpc>
+              <a:spcBef>
+                <a:spcPts val="500"/>
+              </a:spcBef>
+              <a:buClr>
+                <a:srgbClr val="00B050"/>
+              </a:buClr>
+              <a:buFont typeface="Arial" panose="020B0604020202020204" pitchFamily="34" charset="0"/>
+              <a:buChar char="•"/>
+              <a:defRPr sz="1800" kern="1200">
+                <a:solidFill>
+                  <a:schemeClr val="tx1"/>
+                </a:solidFill>
+                <a:latin typeface="Palatino Linotype" panose="02040502050505030304" pitchFamily="18" charset="0"/>
+                <a:ea typeface="+mn-ea"/>
+                <a:cs typeface="+mn-cs"/>
+              </a:defRPr>
+            </a:lvl3pPr>
+            <a:lvl4pPr marL="1600200" indent="-228600" algn="l" defTabSz="914400" rtl="0" eaLnBrk="1" latinLnBrk="0" hangingPunct="1">
+              <a:lnSpc>
+                <a:spcPct val="90000"/>
+              </a:lnSpc>
+              <a:spcBef>
+                <a:spcPts val="500"/>
+              </a:spcBef>
+              <a:buClr>
+                <a:srgbClr val="00B050"/>
+              </a:buClr>
+              <a:buFont typeface="Courier New" panose="02070309020205020404" pitchFamily="49" charset="0"/>
+              <a:buChar char="o"/>
+              <a:defRPr sz="1600" kern="1200">
+                <a:solidFill>
+                  <a:schemeClr val="tx1"/>
+                </a:solidFill>
+                <a:latin typeface="Palatino Linotype" panose="02040502050505030304" pitchFamily="18" charset="0"/>
+                <a:ea typeface="+mn-ea"/>
+                <a:cs typeface="+mn-cs"/>
+              </a:defRPr>
+            </a:lvl4pPr>
+            <a:lvl5pPr marL="2057400" indent="-228600" algn="l" defTabSz="914400" rtl="0" eaLnBrk="1" latinLnBrk="0" hangingPunct="1">
+              <a:lnSpc>
+                <a:spcPct val="90000"/>
+              </a:lnSpc>
+              <a:spcBef>
+                <a:spcPts val="500"/>
+              </a:spcBef>
+              <a:buClr>
+                <a:srgbClr val="00B050"/>
+              </a:buClr>
+              <a:buFont typeface="Times New Roman" panose="02020603050405020304" pitchFamily="18" charset="0"/>
+              <a:buChar char="̶"/>
+              <a:defRPr sz="1600" kern="1200">
+                <a:solidFill>
+                  <a:schemeClr val="tx1"/>
+                </a:solidFill>
+                <a:latin typeface="Palatino Linotype" panose="02040502050505030304" pitchFamily="18" charset="0"/>
+                <a:ea typeface="+mn-ea"/>
+                <a:cs typeface="+mn-cs"/>
+              </a:defRPr>
+            </a:lvl5pPr>
+            <a:lvl6pPr marL="2514600" indent="-228600" algn="l" defTabSz="914400" rtl="0" eaLnBrk="1" latinLnBrk="0" hangingPunct="1">
+              <a:lnSpc>
+                <a:spcPct val="90000"/>
+              </a:lnSpc>
+              <a:spcBef>
+                <a:spcPts val="500"/>
+              </a:spcBef>
+              <a:buFont typeface="Arial" panose="020B0604020202020204" pitchFamily="34" charset="0"/>
+              <a:buChar char="•"/>
+              <a:defRPr sz="1800" kern="1200">
+                <a:solidFill>
+                  <a:schemeClr val="tx1"/>
+                </a:solidFill>
+                <a:latin typeface="+mn-lt"/>
+                <a:ea typeface="+mn-ea"/>
+                <a:cs typeface="+mn-cs"/>
+              </a:defRPr>
+            </a:lvl6pPr>
+            <a:lvl7pPr marL="2971800" indent="-228600" algn="l" defTabSz="914400" rtl="0" eaLnBrk="1" latinLnBrk="0" hangingPunct="1">
+              <a:lnSpc>
+                <a:spcPct val="90000"/>
+              </a:lnSpc>
+              <a:spcBef>
+                <a:spcPts val="500"/>
+              </a:spcBef>
+              <a:buFont typeface="Arial" panose="020B0604020202020204" pitchFamily="34" charset="0"/>
+              <a:buChar char="•"/>
+              <a:defRPr sz="1800" kern="1200">
+                <a:solidFill>
+                  <a:schemeClr val="tx1"/>
+                </a:solidFill>
+                <a:latin typeface="+mn-lt"/>
+                <a:ea typeface="+mn-ea"/>
+                <a:cs typeface="+mn-cs"/>
+              </a:defRPr>
+            </a:lvl7pPr>
+            <a:lvl8pPr marL="3429000" indent="-228600" algn="l" defTabSz="914400" rtl="0" eaLnBrk="1" latinLnBrk="0" hangingPunct="1">
+              <a:lnSpc>
+                <a:spcPct val="90000"/>
+              </a:lnSpc>
+              <a:spcBef>
+                <a:spcPts val="500"/>
+              </a:spcBef>
+              <a:buFont typeface="Arial" panose="020B0604020202020204" pitchFamily="34" charset="0"/>
+              <a:buChar char="•"/>
+              <a:defRPr sz="1800" kern="1200">
+                <a:solidFill>
+                  <a:schemeClr val="tx1"/>
+                </a:solidFill>
+                <a:latin typeface="+mn-lt"/>
+                <a:ea typeface="+mn-ea"/>
+                <a:cs typeface="+mn-cs"/>
+              </a:defRPr>
+            </a:lvl8pPr>
+            <a:lvl9pPr marL="3886200" indent="-228600" algn="l" defTabSz="914400" rtl="0" eaLnBrk="1" latinLnBrk="0" hangingPunct="1">
+              <a:lnSpc>
+                <a:spcPct val="90000"/>
+              </a:lnSpc>
+              <a:spcBef>
+                <a:spcPts val="500"/>
+              </a:spcBef>
+              <a:buFont typeface="Arial" panose="020B0604020202020204" pitchFamily="34" charset="0"/>
+              <a:buChar char="•"/>
+              <a:defRPr sz="1800" kern="1200">
+                <a:solidFill>
+                  <a:schemeClr val="tx1"/>
+                </a:solidFill>
+                <a:latin typeface="+mn-lt"/>
+                <a:ea typeface="+mn-ea"/>
+                <a:cs typeface="+mn-cs"/>
+              </a:defRPr>
+            </a:lvl9pPr>
+          </a:lstStyle>
+          <a:p>
+            <a:pPr marL="0" indent="0" algn="ctr">
+              <a:buFont typeface="Wingdings" panose="05000000000000000000" pitchFamily="2" charset="2"/>
+              <a:buNone/>
+            </a:pPr>
+            <a:r>
+              <a:rPr lang="en-IT" sz="1600" b="1" dirty="0">
+                <a:solidFill>
+                  <a:srgbClr val="C00000"/>
+                </a:solidFill>
+              </a:rPr>
+              <a:t>https://impact.dei.unipd.it/bwthw/</a:t>
+            </a:r>
+          </a:p>
+        </p:txBody>
+      </p:sp>
+      <p:cxnSp>
+        <p:nvCxnSpPr>
+          <p:cNvPr id="25" name="Straight Arrow Connector 24">
+            <a:extLst>
+              <a:ext uri="{FF2B5EF4-FFF2-40B4-BE49-F238E27FC236}">
+                <a16:creationId xmlns:a16="http://schemas.microsoft.com/office/drawing/2014/main" id="{49A2C820-A2EC-C4D7-04EE-09461B09917A}"/>
+              </a:ext>
+            </a:extLst>
+          </p:cNvPr>
+          <p:cNvCxnSpPr>
+            <a:cxnSpLocks/>
+          </p:cNvCxnSpPr>
+          <p:nvPr/>
+        </p:nvCxnSpPr>
+        <p:spPr>
+          <a:xfrm>
+            <a:off x="2392636" y="4570920"/>
+            <a:ext cx="1037118" cy="0"/>
+          </a:xfrm>
+          <a:prstGeom prst="straightConnector1">
+            <a:avLst/>
+          </a:prstGeom>
+          <a:ln>
+            <a:tailEnd type="triangle"/>
+          </a:ln>
+        </p:spPr>
+        <p:style>
+          <a:lnRef idx="1">
+            <a:schemeClr val="dk1"/>
+          </a:lnRef>
+          <a:fillRef idx="0">
+            <a:schemeClr val="dk1"/>
+          </a:fillRef>
+          <a:effectRef idx="0">
+            <a:schemeClr val="dk1"/>
+          </a:effectRef>
+          <a:fontRef idx="minor">
+            <a:schemeClr val="tx1"/>
+          </a:fontRef>
+        </p:style>
+      </p:cxnSp>
+      <p:cxnSp>
+        <p:nvCxnSpPr>
+          <p:cNvPr id="26" name="Straight Arrow Connector 25">
+            <a:extLst>
+              <a:ext uri="{FF2B5EF4-FFF2-40B4-BE49-F238E27FC236}">
+                <a16:creationId xmlns:a16="http://schemas.microsoft.com/office/drawing/2014/main" id="{C1B594AD-FA7D-D7CD-D0A5-8DD7EFDB3DEA}"/>
+              </a:ext>
+            </a:extLst>
+          </p:cNvPr>
+          <p:cNvCxnSpPr>
+            <a:cxnSpLocks/>
+          </p:cNvCxnSpPr>
+          <p:nvPr/>
+        </p:nvCxnSpPr>
+        <p:spPr>
+          <a:xfrm flipH="1">
+            <a:off x="2392636" y="5102696"/>
+            <a:ext cx="1037118" cy="0"/>
+          </a:xfrm>
+          <a:prstGeom prst="straightConnector1">
+            <a:avLst/>
+          </a:prstGeom>
+          <a:ln>
+            <a:tailEnd type="triangle"/>
+          </a:ln>
+        </p:spPr>
+        <p:style>
+          <a:lnRef idx="1">
+            <a:schemeClr val="dk1"/>
+          </a:lnRef>
+          <a:fillRef idx="0">
+            <a:schemeClr val="dk1"/>
+          </a:fillRef>
+          <a:effectRef idx="0">
+            <a:schemeClr val="dk1"/>
+          </a:effectRef>
+          <a:fontRef idx="minor">
+            <a:schemeClr val="tx1"/>
+          </a:fontRef>
+        </p:style>
+      </p:cxnSp>
+      <p:cxnSp>
+        <p:nvCxnSpPr>
+          <p:cNvPr id="29" name="Straight Arrow Connector 28">
+            <a:extLst>
+              <a:ext uri="{FF2B5EF4-FFF2-40B4-BE49-F238E27FC236}">
+                <a16:creationId xmlns:a16="http://schemas.microsoft.com/office/drawing/2014/main" id="{DB41B0C1-D2BE-2F7B-E9E9-1633011566CF}"/>
+              </a:ext>
+            </a:extLst>
+          </p:cNvPr>
+          <p:cNvCxnSpPr>
+            <a:cxnSpLocks/>
+          </p:cNvCxnSpPr>
+          <p:nvPr/>
+        </p:nvCxnSpPr>
+        <p:spPr>
+          <a:xfrm flipH="1">
+            <a:off x="7315200" y="5098521"/>
+            <a:ext cx="1037118" cy="0"/>
+          </a:xfrm>
+          <a:prstGeom prst="straightConnector1">
+            <a:avLst/>
+          </a:prstGeom>
+          <a:ln>
+            <a:tailEnd type="triangle"/>
+          </a:ln>
+        </p:spPr>
+        <p:style>
+          <a:lnRef idx="1">
+            <a:schemeClr val="dk1"/>
+          </a:lnRef>
+          <a:fillRef idx="0">
+            <a:schemeClr val="dk1"/>
+          </a:fillRef>
+          <a:effectRef idx="0">
+            <a:schemeClr val="dk1"/>
+          </a:effectRef>
+          <a:fontRef idx="minor">
+            <a:schemeClr val="tx1"/>
+          </a:fontRef>
+        </p:style>
+      </p:cxnSp>
+    </p:spTree>
+    <p:extLst>
+      <p:ext uri="{BB962C8B-B14F-4D97-AF65-F5344CB8AC3E}">
+        <p14:creationId xmlns:p14="http://schemas.microsoft.com/office/powerpoint/2010/main" val="2601015447"/>
+      </p:ext>
+    </p:extLst>
+  </p:cSld>
+  <p:clrMapOvr>
+    <a:masterClrMapping/>
+  </p:clrMapOvr>
+</p:sld>
+</file>
+
+<file path=ppt/slides/slide32.xml><?xml version="1.0" encoding="utf-8"?>
+<p:sld xmlns:a="http://schemas.openxmlformats.org/drawingml/2006/main" xmlns:r="http://schemas.openxmlformats.org/officeDocument/2006/relationships" xmlns:p="http://schemas.openxmlformats.org/presentationml/2006/main">
+  <p:cSld>
+    <p:spTree>
+      <p:nvGrpSpPr>
+        <p:cNvPr id="1" name=""/>
+        <p:cNvGrpSpPr/>
+        <p:nvPr/>
+      </p:nvGrpSpPr>
+      <p:grpSpPr>
+        <a:xfrm>
+          <a:off x="0" y="0"/>
+          <a:ext cx="0" cy="0"/>
+          <a:chOff x="0" y="0"/>
+          <a:chExt cx="0" cy="0"/>
+        </a:xfrm>
+      </p:grpSpPr>
+      <p:sp>
+        <p:nvSpPr>
+          <p:cNvPr id="2" name="Titolo 1"/>
+          <p:cNvSpPr>
+            <a:spLocks noGrp="1"/>
+          </p:cNvSpPr>
+          <p:nvPr>
+            <p:ph type="title"/>
+          </p:nvPr>
+        </p:nvSpPr>
+        <p:spPr/>
+        <p:txBody>
+          <a:bodyPr/>
+          <a:lstStyle/>
+          <a:p>
+            <a:r>
+              <a:rPr lang="it-IT" dirty="0"/>
+              <a:t>POSTMAN</a:t>
+            </a:r>
+            <a:endParaRPr lang="en-GB" dirty="0"/>
+          </a:p>
+        </p:txBody>
+      </p:sp>
+      <p:sp>
+        <p:nvSpPr>
+          <p:cNvPr id="9" name="Segnaposto numero diapositiva 8"/>
+          <p:cNvSpPr>
+            <a:spLocks noGrp="1"/>
+          </p:cNvSpPr>
+          <p:nvPr>
+            <p:ph type="sldNum" sz="quarter" idx="12"/>
+          </p:nvPr>
+        </p:nvSpPr>
+        <p:spPr/>
+        <p:txBody>
+          <a:bodyPr/>
+          <a:lstStyle/>
+          <a:p>
+            <a:fld id="{31DE2C5B-556E-47B8-A792-024C2FCA4ACC}" type="slidenum">
+              <a:rPr lang="en-GB" smtClean="0"/>
+              <a:t>32</a:t>
+            </a:fld>
+            <a:endParaRPr lang="en-GB"/>
+          </a:p>
+        </p:txBody>
+      </p:sp>
+      <p:sp>
+        <p:nvSpPr>
+          <p:cNvPr id="11" name="Segnaposto contenuto 2">
+            <a:extLst>
+              <a:ext uri="{FF2B5EF4-FFF2-40B4-BE49-F238E27FC236}">
+                <a16:creationId xmlns:a16="http://schemas.microsoft.com/office/drawing/2014/main" id="{A174B2A5-9A7E-B006-6E94-EB7D88FEBC7B}"/>
+              </a:ext>
+            </a:extLst>
+          </p:cNvPr>
+          <p:cNvSpPr>
+            <a:spLocks noGrp="1"/>
+          </p:cNvSpPr>
+          <p:nvPr>
+            <p:ph idx="1"/>
+          </p:nvPr>
+        </p:nvSpPr>
+        <p:spPr>
+          <a:xfrm>
+            <a:off x="428172" y="1679189"/>
+            <a:ext cx="7727856" cy="5042286"/>
+          </a:xfrm>
+        </p:spPr>
+        <p:txBody>
+          <a:bodyPr>
+            <a:normAutofit/>
+          </a:bodyPr>
+          <a:lstStyle/>
+          <a:p>
+            <a:r>
+              <a:rPr lang="en-US" dirty="0"/>
+              <a:t>We saw that using a browser we are actually visualizing the response of an HTTP request using the GET method.</a:t>
+            </a:r>
+          </a:p>
+          <a:p>
+            <a:endParaRPr lang="en-US" dirty="0"/>
+          </a:p>
+          <a:p>
+            <a:r>
+              <a:rPr lang="en-US" dirty="0"/>
+              <a:t>What if we need to make an authenticated request? What if we need to make a POST request?</a:t>
+            </a:r>
+          </a:p>
+          <a:p>
+            <a:endParaRPr lang="en-US" dirty="0"/>
+          </a:p>
+          <a:p>
+            <a:r>
+              <a:rPr lang="en-US" dirty="0"/>
+              <a:t>POSTMAN can help us here: </a:t>
+            </a:r>
+            <a:r>
+              <a:rPr lang="en-US" dirty="0">
+                <a:solidFill>
+                  <a:srgbClr val="C00000"/>
+                </a:solidFill>
+                <a:hlinkClick r:id="rId2">
+                  <a:extLst>
+                    <a:ext uri="{A12FA001-AC4F-418D-AE19-62706E023703}">
+                      <ahyp:hlinkClr xmlns:ahyp="http://schemas.microsoft.com/office/drawing/2018/hyperlinkcolor" val="tx"/>
+                    </a:ext>
+                  </a:extLst>
+                </a:hlinkClick>
+              </a:rPr>
+              <a:t>https://www.postman.com</a:t>
+            </a:r>
+            <a:r>
+              <a:rPr lang="en-US" dirty="0">
+                <a:solidFill>
+                  <a:srgbClr val="C00000"/>
+                </a:solidFill>
+              </a:rPr>
+              <a:t> </a:t>
+            </a:r>
+          </a:p>
+          <a:p>
+            <a:endParaRPr lang="en-US" dirty="0">
+              <a:solidFill>
+                <a:srgbClr val="C00000"/>
+              </a:solidFill>
+            </a:endParaRPr>
+          </a:p>
+          <a:p>
+            <a:r>
+              <a:rPr lang="en-US" dirty="0"/>
+              <a:t>We will use it during the theory lessons to try what we learn</a:t>
+            </a:r>
+          </a:p>
+          <a:p>
+            <a:endParaRPr lang="en-US" dirty="0">
+              <a:solidFill>
+                <a:srgbClr val="C00000"/>
+              </a:solidFill>
+            </a:endParaRPr>
+          </a:p>
+        </p:txBody>
+      </p:sp>
+      <p:pic>
+        <p:nvPicPr>
+          <p:cNvPr id="12" name="Picture 11">
+            <a:extLst>
+              <a:ext uri="{FF2B5EF4-FFF2-40B4-BE49-F238E27FC236}">
+                <a16:creationId xmlns:a16="http://schemas.microsoft.com/office/drawing/2014/main" id="{B6776B5D-5A2B-15C7-C387-A4A6B247373B}"/>
+              </a:ext>
+            </a:extLst>
+          </p:cNvPr>
+          <p:cNvPicPr>
+            <a:picLocks noChangeAspect="1"/>
+          </p:cNvPicPr>
+          <p:nvPr/>
+        </p:nvPicPr>
+        <p:blipFill>
+          <a:blip r:embed="rId3"/>
+          <a:stretch>
+            <a:fillRect/>
+          </a:stretch>
+        </p:blipFill>
+        <p:spPr>
+          <a:xfrm>
+            <a:off x="7608800" y="2334967"/>
+            <a:ext cx="4187686" cy="2188066"/>
+          </a:xfrm>
+          <a:prstGeom prst="rect">
+            <a:avLst/>
+          </a:prstGeom>
+        </p:spPr>
+      </p:pic>
+    </p:spTree>
+    <p:extLst>
+      <p:ext uri="{BB962C8B-B14F-4D97-AF65-F5344CB8AC3E}">
+        <p14:creationId xmlns:p14="http://schemas.microsoft.com/office/powerpoint/2010/main" val="1162105059"/>
       </p:ext>
     </p:extLst>
   </p:cSld>
@@ -16875,6 +15963,909 @@
       </p:grpSpPr>
       <p:sp>
         <p:nvSpPr>
+          <p:cNvPr id="2" name="Titolo 1"/>
+          <p:cNvSpPr>
+            <a:spLocks noGrp="1"/>
+          </p:cNvSpPr>
+          <p:nvPr>
+            <p:ph type="title"/>
+          </p:nvPr>
+        </p:nvSpPr>
+        <p:spPr/>
+        <p:txBody>
+          <a:bodyPr/>
+          <a:lstStyle/>
+          <a:p>
+            <a:r>
+              <a:rPr lang="it-IT" dirty="0"/>
+              <a:t>Hello IMPACT</a:t>
+            </a:r>
+            <a:endParaRPr lang="en-GB" dirty="0"/>
+          </a:p>
+        </p:txBody>
+      </p:sp>
+      <p:sp>
+        <p:nvSpPr>
+          <p:cNvPr id="9" name="Segnaposto numero diapositiva 8"/>
+          <p:cNvSpPr>
+            <a:spLocks noGrp="1"/>
+          </p:cNvSpPr>
+          <p:nvPr>
+            <p:ph type="sldNum" sz="quarter" idx="12"/>
+          </p:nvPr>
+        </p:nvSpPr>
+        <p:spPr/>
+        <p:txBody>
+          <a:bodyPr/>
+          <a:lstStyle/>
+          <a:p>
+            <a:fld id="{31DE2C5B-556E-47B8-A792-024C2FCA4ACC}" type="slidenum">
+              <a:rPr lang="en-GB" smtClean="0"/>
+              <a:t>33</a:t>
+            </a:fld>
+            <a:endParaRPr lang="en-GB"/>
+          </a:p>
+        </p:txBody>
+      </p:sp>
+      <p:sp>
+        <p:nvSpPr>
+          <p:cNvPr id="11" name="Segnaposto contenuto 2">
+            <a:extLst>
+              <a:ext uri="{FF2B5EF4-FFF2-40B4-BE49-F238E27FC236}">
+                <a16:creationId xmlns:a16="http://schemas.microsoft.com/office/drawing/2014/main" id="{A174B2A5-9A7E-B006-6E94-EB7D88FEBC7B}"/>
+              </a:ext>
+            </a:extLst>
+          </p:cNvPr>
+          <p:cNvSpPr>
+            <a:spLocks noGrp="1"/>
+          </p:cNvSpPr>
+          <p:nvPr>
+            <p:ph idx="1"/>
+          </p:nvPr>
+        </p:nvSpPr>
+        <p:spPr>
+          <a:xfrm>
+            <a:off x="428172" y="1679189"/>
+            <a:ext cx="5426090" cy="5042286"/>
+          </a:xfrm>
+        </p:spPr>
+        <p:txBody>
+          <a:bodyPr>
+            <a:normAutofit/>
+          </a:bodyPr>
+          <a:lstStyle/>
+          <a:p>
+            <a:r>
+              <a:rPr lang="en-US" dirty="0"/>
+              <a:t>At </a:t>
+            </a:r>
+            <a:r>
+              <a:rPr lang="en-US" dirty="0">
+                <a:solidFill>
+                  <a:srgbClr val="C00000"/>
+                </a:solidFill>
+                <a:hlinkClick r:id="rId2">
+                  <a:extLst>
+                    <a:ext uri="{A12FA001-AC4F-418D-AE19-62706E023703}">
+                      <ahyp:hlinkClr xmlns:ahyp="http://schemas.microsoft.com/office/drawing/2018/hyperlinkcolor" val="tx"/>
+                    </a:ext>
+                  </a:extLst>
+                </a:hlinkClick>
+              </a:rPr>
+              <a:t>https://impact.dei.unipd.it</a:t>
+            </a:r>
+            <a:r>
+              <a:rPr lang="en-US" dirty="0">
+                <a:solidFill>
+                  <a:srgbClr val="C00000"/>
+                </a:solidFill>
+              </a:rPr>
+              <a:t>/ </a:t>
+            </a:r>
+            <a:r>
+              <a:rPr lang="en-US" dirty="0"/>
+              <a:t>you will obtain the following</a:t>
+            </a:r>
+          </a:p>
+          <a:p>
+            <a:endParaRPr lang="en-US" dirty="0"/>
+          </a:p>
+          <a:p>
+            <a:r>
+              <a:rPr lang="en-US" dirty="0"/>
+              <a:t>Let’s replicate it in POSTMAN</a:t>
+            </a:r>
+          </a:p>
+          <a:p>
+            <a:endParaRPr lang="en-US" dirty="0">
+              <a:solidFill>
+                <a:srgbClr val="C00000"/>
+              </a:solidFill>
+            </a:endParaRPr>
+          </a:p>
+        </p:txBody>
+      </p:sp>
+      <p:pic>
+        <p:nvPicPr>
+          <p:cNvPr id="3" name="Picture 2" descr="A screenshot of a computer&#10;&#10;Description automatically generated">
+            <a:extLst>
+              <a:ext uri="{FF2B5EF4-FFF2-40B4-BE49-F238E27FC236}">
+                <a16:creationId xmlns:a16="http://schemas.microsoft.com/office/drawing/2014/main" id="{886F2DE8-60A5-CA0A-F84E-73FE3F22A505}"/>
+              </a:ext>
+            </a:extLst>
+          </p:cNvPr>
+          <p:cNvPicPr>
+            <a:picLocks noChangeAspect="1"/>
+          </p:cNvPicPr>
+          <p:nvPr/>
+        </p:nvPicPr>
+        <p:blipFill>
+          <a:blip r:embed="rId3">
+            <a:extLst>
+              <a:ext uri="{28A0092B-C50C-407E-A947-70E740481C1C}">
+                <a14:useLocalDpi xmlns:a14="http://schemas.microsoft.com/office/drawing/2010/main" val="0"/>
+              </a:ext>
+            </a:extLst>
+          </a:blip>
+          <a:stretch>
+            <a:fillRect/>
+          </a:stretch>
+        </p:blipFill>
+        <p:spPr>
+          <a:xfrm>
+            <a:off x="6096000" y="1822611"/>
+            <a:ext cx="5165271" cy="3823003"/>
+          </a:xfrm>
+          <a:prstGeom prst="rect">
+            <a:avLst/>
+          </a:prstGeom>
+          <a:ln>
+            <a:solidFill>
+              <a:srgbClr val="C00000"/>
+            </a:solidFill>
+          </a:ln>
+        </p:spPr>
+      </p:pic>
+    </p:spTree>
+    <p:extLst>
+      <p:ext uri="{BB962C8B-B14F-4D97-AF65-F5344CB8AC3E}">
+        <p14:creationId xmlns:p14="http://schemas.microsoft.com/office/powerpoint/2010/main" val="465156368"/>
+      </p:ext>
+    </p:extLst>
+  </p:cSld>
+  <p:clrMapOvr>
+    <a:masterClrMapping/>
+  </p:clrMapOvr>
+</p:sld>
+</file>
+
+<file path=ppt/slides/slide34.xml><?xml version="1.0" encoding="utf-8"?>
+<p:sld xmlns:a="http://schemas.openxmlformats.org/drawingml/2006/main" xmlns:r="http://schemas.openxmlformats.org/officeDocument/2006/relationships" xmlns:p="http://schemas.openxmlformats.org/presentationml/2006/main">
+  <p:cSld>
+    <p:spTree>
+      <p:nvGrpSpPr>
+        <p:cNvPr id="1" name=""/>
+        <p:cNvGrpSpPr/>
+        <p:nvPr/>
+      </p:nvGrpSpPr>
+      <p:grpSpPr>
+        <a:xfrm>
+          <a:off x="0" y="0"/>
+          <a:ext cx="0" cy="0"/>
+          <a:chOff x="0" y="0"/>
+          <a:chExt cx="0" cy="0"/>
+        </a:xfrm>
+      </p:grpSpPr>
+      <p:sp>
+        <p:nvSpPr>
+          <p:cNvPr id="2" name="Titolo 1"/>
+          <p:cNvSpPr>
+            <a:spLocks noGrp="1"/>
+          </p:cNvSpPr>
+          <p:nvPr>
+            <p:ph type="title"/>
+          </p:nvPr>
+        </p:nvSpPr>
+        <p:spPr/>
+        <p:txBody>
+          <a:bodyPr/>
+          <a:lstStyle/>
+          <a:p>
+            <a:r>
+              <a:rPr lang="it-IT" dirty="0"/>
+              <a:t>Hello IMPACT </a:t>
+            </a:r>
+            <a:endParaRPr lang="en-GB" dirty="0"/>
+          </a:p>
+        </p:txBody>
+      </p:sp>
+      <p:sp>
+        <p:nvSpPr>
+          <p:cNvPr id="9" name="Segnaposto numero diapositiva 8"/>
+          <p:cNvSpPr>
+            <a:spLocks noGrp="1"/>
+          </p:cNvSpPr>
+          <p:nvPr>
+            <p:ph type="sldNum" sz="quarter" idx="12"/>
+          </p:nvPr>
+        </p:nvSpPr>
+        <p:spPr/>
+        <p:txBody>
+          <a:bodyPr/>
+          <a:lstStyle/>
+          <a:p>
+            <a:fld id="{31DE2C5B-556E-47B8-A792-024C2FCA4ACC}" type="slidenum">
+              <a:rPr lang="en-GB" smtClean="0"/>
+              <a:t>34</a:t>
+            </a:fld>
+            <a:endParaRPr lang="en-GB"/>
+          </a:p>
+        </p:txBody>
+      </p:sp>
+      <p:pic>
+        <p:nvPicPr>
+          <p:cNvPr id="15" name="Picture 14" descr="A screenshot of a computer&#10;&#10;Description automatically generated">
+            <a:extLst>
+              <a:ext uri="{FF2B5EF4-FFF2-40B4-BE49-F238E27FC236}">
+                <a16:creationId xmlns:a16="http://schemas.microsoft.com/office/drawing/2014/main" id="{0F121317-668D-0D47-789D-CDBFF81A4052}"/>
+              </a:ext>
+            </a:extLst>
+          </p:cNvPr>
+          <p:cNvPicPr>
+            <a:picLocks noChangeAspect="1"/>
+          </p:cNvPicPr>
+          <p:nvPr/>
+        </p:nvPicPr>
+        <p:blipFill>
+          <a:blip r:embed="rId2">
+            <a:extLst>
+              <a:ext uri="{28A0092B-C50C-407E-A947-70E740481C1C}">
+                <a14:useLocalDpi xmlns:a14="http://schemas.microsoft.com/office/drawing/2010/main" val="0"/>
+              </a:ext>
+            </a:extLst>
+          </a:blip>
+          <a:stretch>
+            <a:fillRect/>
+          </a:stretch>
+        </p:blipFill>
+        <p:spPr>
+          <a:xfrm>
+            <a:off x="3581401" y="1323871"/>
+            <a:ext cx="7772400" cy="5372203"/>
+          </a:xfrm>
+          <a:prstGeom prst="rect">
+            <a:avLst/>
+          </a:prstGeom>
+        </p:spPr>
+      </p:pic>
+      <p:sp>
+        <p:nvSpPr>
+          <p:cNvPr id="3" name="Segnaposto contenuto 2">
+            <a:extLst>
+              <a:ext uri="{FF2B5EF4-FFF2-40B4-BE49-F238E27FC236}">
+                <a16:creationId xmlns:a16="http://schemas.microsoft.com/office/drawing/2014/main" id="{EFD273E2-DA8E-8B88-F658-F9A99F8A9B56}"/>
+              </a:ext>
+            </a:extLst>
+          </p:cNvPr>
+          <p:cNvSpPr>
+            <a:spLocks noGrp="1"/>
+          </p:cNvSpPr>
+          <p:nvPr>
+            <p:ph idx="1"/>
+          </p:nvPr>
+        </p:nvSpPr>
+        <p:spPr>
+          <a:xfrm>
+            <a:off x="428172" y="1679189"/>
+            <a:ext cx="2556766" cy="5042286"/>
+          </a:xfrm>
+        </p:spPr>
+        <p:txBody>
+          <a:bodyPr>
+            <a:normAutofit fontScale="92500" lnSpcReduction="10000"/>
+          </a:bodyPr>
+          <a:lstStyle/>
+          <a:p>
+            <a:r>
+              <a:rPr lang="en-US" dirty="0"/>
+              <a:t>This is the POSTMAN interface</a:t>
+            </a:r>
+          </a:p>
+          <a:p>
+            <a:endParaRPr lang="en-US" dirty="0"/>
+          </a:p>
+          <a:p>
+            <a:r>
+              <a:rPr lang="en-US" dirty="0"/>
+              <a:t>Many things can be done (e.g., automatic debugging, writing custom scripts, </a:t>
+            </a:r>
+            <a:r>
+              <a:rPr lang="en-US" dirty="0" err="1"/>
+              <a:t>etc</a:t>
+            </a:r>
+            <a:r>
+              <a:rPr lang="en-US" dirty="0"/>
+              <a:t>…</a:t>
+            </a:r>
+          </a:p>
+          <a:p>
+            <a:endParaRPr lang="en-US" dirty="0"/>
+          </a:p>
+          <a:p>
+            <a:r>
+              <a:rPr lang="en-US" dirty="0"/>
+              <a:t>We will limit to create and organize a collection of HTTP requests</a:t>
+            </a:r>
+          </a:p>
+        </p:txBody>
+      </p:sp>
+    </p:spTree>
+    <p:extLst>
+      <p:ext uri="{BB962C8B-B14F-4D97-AF65-F5344CB8AC3E}">
+        <p14:creationId xmlns:p14="http://schemas.microsoft.com/office/powerpoint/2010/main" val="622962542"/>
+      </p:ext>
+    </p:extLst>
+  </p:cSld>
+  <p:clrMapOvr>
+    <a:masterClrMapping/>
+  </p:clrMapOvr>
+</p:sld>
+</file>
+
+<file path=ppt/slides/slide35.xml><?xml version="1.0" encoding="utf-8"?>
+<p:sld xmlns:a="http://schemas.openxmlformats.org/drawingml/2006/main" xmlns:r="http://schemas.openxmlformats.org/officeDocument/2006/relationships" xmlns:p="http://schemas.openxmlformats.org/presentationml/2006/main">
+  <p:cSld>
+    <p:spTree>
+      <p:nvGrpSpPr>
+        <p:cNvPr id="1" name=""/>
+        <p:cNvGrpSpPr/>
+        <p:nvPr/>
+      </p:nvGrpSpPr>
+      <p:grpSpPr>
+        <a:xfrm>
+          <a:off x="0" y="0"/>
+          <a:ext cx="0" cy="0"/>
+          <a:chOff x="0" y="0"/>
+          <a:chExt cx="0" cy="0"/>
+        </a:xfrm>
+      </p:grpSpPr>
+      <p:sp>
+        <p:nvSpPr>
+          <p:cNvPr id="2" name="Titolo 1"/>
+          <p:cNvSpPr>
+            <a:spLocks noGrp="1"/>
+          </p:cNvSpPr>
+          <p:nvPr>
+            <p:ph type="title"/>
+          </p:nvPr>
+        </p:nvSpPr>
+        <p:spPr/>
+        <p:txBody>
+          <a:bodyPr/>
+          <a:lstStyle/>
+          <a:p>
+            <a:r>
+              <a:rPr lang="it-IT" dirty="0"/>
+              <a:t>Hello IMPACT </a:t>
+            </a:r>
+            <a:endParaRPr lang="en-GB" dirty="0"/>
+          </a:p>
+        </p:txBody>
+      </p:sp>
+      <p:sp>
+        <p:nvSpPr>
+          <p:cNvPr id="9" name="Segnaposto numero diapositiva 8"/>
+          <p:cNvSpPr>
+            <a:spLocks noGrp="1"/>
+          </p:cNvSpPr>
+          <p:nvPr>
+            <p:ph type="sldNum" sz="quarter" idx="12"/>
+          </p:nvPr>
+        </p:nvSpPr>
+        <p:spPr/>
+        <p:txBody>
+          <a:bodyPr/>
+          <a:lstStyle/>
+          <a:p>
+            <a:fld id="{31DE2C5B-556E-47B8-A792-024C2FCA4ACC}" type="slidenum">
+              <a:rPr lang="en-GB" smtClean="0"/>
+              <a:t>35</a:t>
+            </a:fld>
+            <a:endParaRPr lang="en-GB"/>
+          </a:p>
+        </p:txBody>
+      </p:sp>
+      <p:pic>
+        <p:nvPicPr>
+          <p:cNvPr id="17" name="Picture 16" descr="A screenshot of a computer&#10;&#10;Description automatically generated">
+            <a:extLst>
+              <a:ext uri="{FF2B5EF4-FFF2-40B4-BE49-F238E27FC236}">
+                <a16:creationId xmlns:a16="http://schemas.microsoft.com/office/drawing/2014/main" id="{7DE24D4D-C390-473A-D3A5-CBA89E875893}"/>
+              </a:ext>
+            </a:extLst>
+          </p:cNvPr>
+          <p:cNvPicPr>
+            <a:picLocks noChangeAspect="1"/>
+          </p:cNvPicPr>
+          <p:nvPr/>
+        </p:nvPicPr>
+        <p:blipFill>
+          <a:blip r:embed="rId2">
+            <a:extLst>
+              <a:ext uri="{28A0092B-C50C-407E-A947-70E740481C1C}">
+                <a14:useLocalDpi xmlns:a14="http://schemas.microsoft.com/office/drawing/2010/main" val="0"/>
+              </a:ext>
+            </a:extLst>
+          </a:blip>
+          <a:stretch>
+            <a:fillRect/>
+          </a:stretch>
+        </p:blipFill>
+        <p:spPr>
+          <a:xfrm>
+            <a:off x="3581401" y="1313283"/>
+            <a:ext cx="7772400" cy="5374908"/>
+          </a:xfrm>
+          <a:prstGeom prst="rect">
+            <a:avLst/>
+          </a:prstGeom>
+        </p:spPr>
+      </p:pic>
+      <p:sp>
+        <p:nvSpPr>
+          <p:cNvPr id="3" name="Segnaposto contenuto 2">
+            <a:extLst>
+              <a:ext uri="{FF2B5EF4-FFF2-40B4-BE49-F238E27FC236}">
+                <a16:creationId xmlns:a16="http://schemas.microsoft.com/office/drawing/2014/main" id="{8852861C-74D4-8558-4F0C-B8C5BF1CB3E7}"/>
+              </a:ext>
+            </a:extLst>
+          </p:cNvPr>
+          <p:cNvSpPr>
+            <a:spLocks noGrp="1"/>
+          </p:cNvSpPr>
+          <p:nvPr>
+            <p:ph idx="1"/>
+          </p:nvPr>
+        </p:nvSpPr>
+        <p:spPr>
+          <a:xfrm>
+            <a:off x="428172" y="1679189"/>
+            <a:ext cx="2556766" cy="5042286"/>
+          </a:xfrm>
+        </p:spPr>
+        <p:txBody>
+          <a:bodyPr>
+            <a:normAutofit fontScale="92500" lnSpcReduction="20000"/>
+          </a:bodyPr>
+          <a:lstStyle/>
+          <a:p>
+            <a:r>
+              <a:rPr lang="en-US" dirty="0"/>
+              <a:t>Go to the ”Collections” tab </a:t>
+            </a:r>
+          </a:p>
+          <a:p>
+            <a:endParaRPr lang="en-US" dirty="0"/>
+          </a:p>
+          <a:p>
+            <a:r>
+              <a:rPr lang="en-US" dirty="0"/>
+              <a:t>Press the “+” button </a:t>
+            </a:r>
+          </a:p>
+          <a:p>
+            <a:endParaRPr lang="en-US" dirty="0"/>
+          </a:p>
+          <a:p>
+            <a:r>
+              <a:rPr lang="en-US" dirty="0"/>
+              <a:t>Create a “Blank collection”</a:t>
+            </a:r>
+          </a:p>
+          <a:p>
+            <a:endParaRPr lang="en-US" dirty="0"/>
+          </a:p>
+          <a:p>
+            <a:r>
+              <a:rPr lang="en-US" dirty="0"/>
+              <a:t>Call it “Examples”: here we will collect all the theory lessons examples</a:t>
+            </a:r>
+          </a:p>
+        </p:txBody>
+      </p:sp>
+    </p:spTree>
+    <p:extLst>
+      <p:ext uri="{BB962C8B-B14F-4D97-AF65-F5344CB8AC3E}">
+        <p14:creationId xmlns:p14="http://schemas.microsoft.com/office/powerpoint/2010/main" val="1276828841"/>
+      </p:ext>
+    </p:extLst>
+  </p:cSld>
+  <p:clrMapOvr>
+    <a:masterClrMapping/>
+  </p:clrMapOvr>
+</p:sld>
+</file>
+
+<file path=ppt/slides/slide36.xml><?xml version="1.0" encoding="utf-8"?>
+<p:sld xmlns:a="http://schemas.openxmlformats.org/drawingml/2006/main" xmlns:r="http://schemas.openxmlformats.org/officeDocument/2006/relationships" xmlns:p="http://schemas.openxmlformats.org/presentationml/2006/main">
+  <p:cSld>
+    <p:spTree>
+      <p:nvGrpSpPr>
+        <p:cNvPr id="1" name=""/>
+        <p:cNvGrpSpPr/>
+        <p:nvPr/>
+      </p:nvGrpSpPr>
+      <p:grpSpPr>
+        <a:xfrm>
+          <a:off x="0" y="0"/>
+          <a:ext cx="0" cy="0"/>
+          <a:chOff x="0" y="0"/>
+          <a:chExt cx="0" cy="0"/>
+        </a:xfrm>
+      </p:grpSpPr>
+      <p:sp>
+        <p:nvSpPr>
+          <p:cNvPr id="2" name="Titolo 1"/>
+          <p:cNvSpPr>
+            <a:spLocks noGrp="1"/>
+          </p:cNvSpPr>
+          <p:nvPr>
+            <p:ph type="title"/>
+          </p:nvPr>
+        </p:nvSpPr>
+        <p:spPr/>
+        <p:txBody>
+          <a:bodyPr/>
+          <a:lstStyle/>
+          <a:p>
+            <a:r>
+              <a:rPr lang="it-IT" dirty="0"/>
+              <a:t>Hello IMPACT </a:t>
+            </a:r>
+            <a:endParaRPr lang="en-GB" dirty="0"/>
+          </a:p>
+        </p:txBody>
+      </p:sp>
+      <p:sp>
+        <p:nvSpPr>
+          <p:cNvPr id="9" name="Segnaposto numero diapositiva 8"/>
+          <p:cNvSpPr>
+            <a:spLocks noGrp="1"/>
+          </p:cNvSpPr>
+          <p:nvPr>
+            <p:ph type="sldNum" sz="quarter" idx="12"/>
+          </p:nvPr>
+        </p:nvSpPr>
+        <p:spPr/>
+        <p:txBody>
+          <a:bodyPr/>
+          <a:lstStyle/>
+          <a:p>
+            <a:fld id="{31DE2C5B-556E-47B8-A792-024C2FCA4ACC}" type="slidenum">
+              <a:rPr lang="en-GB" smtClean="0"/>
+              <a:t>36</a:t>
+            </a:fld>
+            <a:endParaRPr lang="en-GB"/>
+          </a:p>
+        </p:txBody>
+      </p:sp>
+      <p:pic>
+        <p:nvPicPr>
+          <p:cNvPr id="19" name="Picture 18" descr="A screenshot of a computer&#10;&#10;Description automatically generated">
+            <a:extLst>
+              <a:ext uri="{FF2B5EF4-FFF2-40B4-BE49-F238E27FC236}">
+                <a16:creationId xmlns:a16="http://schemas.microsoft.com/office/drawing/2014/main" id="{A09ED62A-779C-903A-34FE-1D372D99AB1F}"/>
+              </a:ext>
+            </a:extLst>
+          </p:cNvPr>
+          <p:cNvPicPr>
+            <a:picLocks noChangeAspect="1"/>
+          </p:cNvPicPr>
+          <p:nvPr/>
+        </p:nvPicPr>
+        <p:blipFill>
+          <a:blip r:embed="rId2">
+            <a:extLst>
+              <a:ext uri="{28A0092B-C50C-407E-A947-70E740481C1C}">
+                <a14:useLocalDpi xmlns:a14="http://schemas.microsoft.com/office/drawing/2010/main" val="0"/>
+              </a:ext>
+            </a:extLst>
+          </a:blip>
+          <a:stretch>
+            <a:fillRect/>
+          </a:stretch>
+        </p:blipFill>
+        <p:spPr>
+          <a:xfrm>
+            <a:off x="3581401" y="1339495"/>
+            <a:ext cx="7772400" cy="5381980"/>
+          </a:xfrm>
+          <a:prstGeom prst="rect">
+            <a:avLst/>
+          </a:prstGeom>
+        </p:spPr>
+      </p:pic>
+      <p:sp>
+        <p:nvSpPr>
+          <p:cNvPr id="3" name="Segnaposto contenuto 2">
+            <a:extLst>
+              <a:ext uri="{FF2B5EF4-FFF2-40B4-BE49-F238E27FC236}">
+                <a16:creationId xmlns:a16="http://schemas.microsoft.com/office/drawing/2014/main" id="{BA781B13-13A7-FC78-1680-E6CA650403F2}"/>
+              </a:ext>
+            </a:extLst>
+          </p:cNvPr>
+          <p:cNvSpPr>
+            <a:spLocks noGrp="1"/>
+          </p:cNvSpPr>
+          <p:nvPr>
+            <p:ph idx="1"/>
+          </p:nvPr>
+        </p:nvSpPr>
+        <p:spPr>
+          <a:xfrm>
+            <a:off x="428172" y="1679189"/>
+            <a:ext cx="2861566" cy="5042286"/>
+          </a:xfrm>
+        </p:spPr>
+        <p:txBody>
+          <a:bodyPr>
+            <a:normAutofit/>
+          </a:bodyPr>
+          <a:lstStyle/>
+          <a:p>
+            <a:r>
+              <a:rPr lang="en-US" dirty="0"/>
+              <a:t>Right click the “Examples” collection</a:t>
+            </a:r>
+          </a:p>
+          <a:p>
+            <a:endParaRPr lang="en-US" dirty="0"/>
+          </a:p>
+          <a:p>
+            <a:r>
+              <a:rPr lang="en-US" dirty="0"/>
+              <a:t>Select “Add folder”</a:t>
+            </a:r>
+          </a:p>
+          <a:p>
+            <a:endParaRPr lang="en-US" dirty="0"/>
+          </a:p>
+          <a:p>
+            <a:r>
+              <a:rPr lang="en-US" dirty="0"/>
+              <a:t>Call it as you want, e.g.: “theory_05-http” </a:t>
+            </a:r>
+          </a:p>
+          <a:p>
+            <a:endParaRPr lang="en-US" dirty="0"/>
+          </a:p>
+        </p:txBody>
+      </p:sp>
+    </p:spTree>
+    <p:extLst>
+      <p:ext uri="{BB962C8B-B14F-4D97-AF65-F5344CB8AC3E}">
+        <p14:creationId xmlns:p14="http://schemas.microsoft.com/office/powerpoint/2010/main" val="3610992153"/>
+      </p:ext>
+    </p:extLst>
+  </p:cSld>
+  <p:clrMapOvr>
+    <a:masterClrMapping/>
+  </p:clrMapOvr>
+</p:sld>
+</file>
+
+<file path=ppt/slides/slide37.xml><?xml version="1.0" encoding="utf-8"?>
+<p:sld xmlns:a="http://schemas.openxmlformats.org/drawingml/2006/main" xmlns:r="http://schemas.openxmlformats.org/officeDocument/2006/relationships" xmlns:p="http://schemas.openxmlformats.org/presentationml/2006/main">
+  <p:cSld>
+    <p:spTree>
+      <p:nvGrpSpPr>
+        <p:cNvPr id="1" name=""/>
+        <p:cNvGrpSpPr/>
+        <p:nvPr/>
+      </p:nvGrpSpPr>
+      <p:grpSpPr>
+        <a:xfrm>
+          <a:off x="0" y="0"/>
+          <a:ext cx="0" cy="0"/>
+          <a:chOff x="0" y="0"/>
+          <a:chExt cx="0" cy="0"/>
+        </a:xfrm>
+      </p:grpSpPr>
+      <p:sp>
+        <p:nvSpPr>
+          <p:cNvPr id="2" name="Titolo 1"/>
+          <p:cNvSpPr>
+            <a:spLocks noGrp="1"/>
+          </p:cNvSpPr>
+          <p:nvPr>
+            <p:ph type="title"/>
+          </p:nvPr>
+        </p:nvSpPr>
+        <p:spPr/>
+        <p:txBody>
+          <a:bodyPr/>
+          <a:lstStyle/>
+          <a:p>
+            <a:r>
+              <a:rPr lang="it-IT" dirty="0"/>
+              <a:t>Hello IMPACT </a:t>
+            </a:r>
+            <a:endParaRPr lang="en-GB" dirty="0"/>
+          </a:p>
+        </p:txBody>
+      </p:sp>
+      <p:sp>
+        <p:nvSpPr>
+          <p:cNvPr id="9" name="Segnaposto numero diapositiva 8"/>
+          <p:cNvSpPr>
+            <a:spLocks noGrp="1"/>
+          </p:cNvSpPr>
+          <p:nvPr>
+            <p:ph type="sldNum" sz="quarter" idx="12"/>
+          </p:nvPr>
+        </p:nvSpPr>
+        <p:spPr/>
+        <p:txBody>
+          <a:bodyPr/>
+          <a:lstStyle/>
+          <a:p>
+            <a:fld id="{31DE2C5B-556E-47B8-A792-024C2FCA4ACC}" type="slidenum">
+              <a:rPr lang="en-GB" smtClean="0"/>
+              <a:t>37</a:t>
+            </a:fld>
+            <a:endParaRPr lang="en-GB"/>
+          </a:p>
+        </p:txBody>
+      </p:sp>
+      <p:pic>
+        <p:nvPicPr>
+          <p:cNvPr id="21" name="Picture 20" descr="A screenshot of a computer&#10;&#10;Description automatically generated">
+            <a:extLst>
+              <a:ext uri="{FF2B5EF4-FFF2-40B4-BE49-F238E27FC236}">
+                <a16:creationId xmlns:a16="http://schemas.microsoft.com/office/drawing/2014/main" id="{4DD754E7-4F00-D852-5F89-0698174715F9}"/>
+              </a:ext>
+            </a:extLst>
+          </p:cNvPr>
+          <p:cNvPicPr>
+            <a:picLocks noChangeAspect="1"/>
+          </p:cNvPicPr>
+          <p:nvPr/>
+        </p:nvPicPr>
+        <p:blipFill>
+          <a:blip r:embed="rId2">
+            <a:extLst>
+              <a:ext uri="{28A0092B-C50C-407E-A947-70E740481C1C}">
+                <a14:useLocalDpi xmlns:a14="http://schemas.microsoft.com/office/drawing/2010/main" val="0"/>
+              </a:ext>
+            </a:extLst>
+          </a:blip>
+          <a:stretch>
+            <a:fillRect/>
+          </a:stretch>
+        </p:blipFill>
+        <p:spPr>
+          <a:xfrm>
+            <a:off x="3581401" y="1329683"/>
+            <a:ext cx="7772400" cy="5391792"/>
+          </a:xfrm>
+          <a:prstGeom prst="rect">
+            <a:avLst/>
+          </a:prstGeom>
+        </p:spPr>
+      </p:pic>
+      <p:sp>
+        <p:nvSpPr>
+          <p:cNvPr id="3" name="Segnaposto contenuto 2">
+            <a:extLst>
+              <a:ext uri="{FF2B5EF4-FFF2-40B4-BE49-F238E27FC236}">
+                <a16:creationId xmlns:a16="http://schemas.microsoft.com/office/drawing/2014/main" id="{C1184A74-FE2A-8ADF-9594-D89EA060F3C1}"/>
+              </a:ext>
+            </a:extLst>
+          </p:cNvPr>
+          <p:cNvSpPr>
+            <a:spLocks noGrp="1"/>
+          </p:cNvSpPr>
+          <p:nvPr>
+            <p:ph idx="1"/>
+          </p:nvPr>
+        </p:nvSpPr>
+        <p:spPr>
+          <a:xfrm>
+            <a:off x="428172" y="1679189"/>
+            <a:ext cx="2861566" cy="5042286"/>
+          </a:xfrm>
+        </p:spPr>
+        <p:txBody>
+          <a:bodyPr>
+            <a:normAutofit fontScale="77500" lnSpcReduction="20000"/>
+          </a:bodyPr>
+          <a:lstStyle/>
+          <a:p>
+            <a:r>
+              <a:rPr lang="en-US" dirty="0"/>
+              <a:t>Right click the folder and choose “Add request”</a:t>
+            </a:r>
+          </a:p>
+          <a:p>
+            <a:endParaRPr lang="en-US" dirty="0"/>
+          </a:p>
+          <a:p>
+            <a:r>
+              <a:rPr lang="en-US" dirty="0"/>
+              <a:t>Call it as you want, e.g., “Hello IMPACT”</a:t>
+            </a:r>
+          </a:p>
+          <a:p>
+            <a:endParaRPr lang="en-US" dirty="0"/>
+          </a:p>
+          <a:p>
+            <a:r>
+              <a:rPr lang="en-US" dirty="0"/>
+              <a:t>Choose the GET method</a:t>
+            </a:r>
+          </a:p>
+          <a:p>
+            <a:endParaRPr lang="en-US" dirty="0"/>
+          </a:p>
+          <a:p>
+            <a:r>
+              <a:rPr lang="en-US" dirty="0"/>
+              <a:t>And write the IMPACT home URL, i.e., </a:t>
+            </a:r>
+            <a:r>
+              <a:rPr lang="en-US" dirty="0">
+                <a:hlinkClick r:id="rId3"/>
+              </a:rPr>
+              <a:t>https://impact.dei.unipd.it/</a:t>
+            </a:r>
+            <a:endParaRPr lang="en-US" dirty="0"/>
+          </a:p>
+          <a:p>
+            <a:endParaRPr lang="en-US" dirty="0"/>
+          </a:p>
+          <a:p>
+            <a:r>
+              <a:rPr lang="en-US" dirty="0"/>
+              <a:t>Click “Send” and inspect the response</a:t>
+            </a:r>
+          </a:p>
+          <a:p>
+            <a:endParaRPr lang="en-US" dirty="0"/>
+          </a:p>
+        </p:txBody>
+      </p:sp>
+    </p:spTree>
+    <p:extLst>
+      <p:ext uri="{BB962C8B-B14F-4D97-AF65-F5344CB8AC3E}">
+        <p14:creationId xmlns:p14="http://schemas.microsoft.com/office/powerpoint/2010/main" val="1665445133"/>
+      </p:ext>
+    </p:extLst>
+  </p:cSld>
+  <p:clrMapOvr>
+    <a:masterClrMapping/>
+  </p:clrMapOvr>
+</p:sld>
+</file>
+
+<file path=ppt/slides/slide38.xml><?xml version="1.0" encoding="utf-8"?>
+<p:sld xmlns:a="http://schemas.openxmlformats.org/drawingml/2006/main" xmlns:r="http://schemas.openxmlformats.org/officeDocument/2006/relationships" xmlns:p="http://schemas.openxmlformats.org/presentationml/2006/main">
+  <p:cSld>
+    <p:spTree>
+      <p:nvGrpSpPr>
+        <p:cNvPr id="1" name=""/>
+        <p:cNvGrpSpPr/>
+        <p:nvPr/>
+      </p:nvGrpSpPr>
+      <p:grpSpPr>
+        <a:xfrm>
+          <a:off x="0" y="0"/>
+          <a:ext cx="0" cy="0"/>
+          <a:chOff x="0" y="0"/>
+          <a:chExt cx="0" cy="0"/>
+        </a:xfrm>
+      </p:grpSpPr>
+      <p:sp>
+        <p:nvSpPr>
           <p:cNvPr id="2" name="Titolo 1">
             <a:extLst>
               <a:ext uri="{FF2B5EF4-FFF2-40B4-BE49-F238E27FC236}">
@@ -16964,6 +16955,40 @@
             </a:r>
             <a:endParaRPr lang="it-IT" dirty="0"/>
           </a:p>
+          <a:p>
+            <a:pPr lvl="1"/>
+            <a:endParaRPr lang="it-IT" dirty="0"/>
+          </a:p>
+          <a:p>
+            <a:r>
+              <a:rPr lang="it-IT" dirty="0"/>
+              <a:t>POSTMAN: </a:t>
+            </a:r>
+            <a:r>
+              <a:rPr lang="it-IT" dirty="0">
+                <a:solidFill>
+                  <a:srgbClr val="C00000"/>
+                </a:solidFill>
+              </a:rPr>
+              <a:t>https://</a:t>
+            </a:r>
+            <a:r>
+              <a:rPr lang="it-IT" dirty="0" err="1">
+                <a:solidFill>
+                  <a:srgbClr val="C00000"/>
+                </a:solidFill>
+              </a:rPr>
+              <a:t>www.postman.com</a:t>
+            </a:r>
+            <a:r>
+              <a:rPr lang="it-IT" dirty="0">
+                <a:solidFill>
+                  <a:srgbClr val="C00000"/>
+                </a:solidFill>
+              </a:rPr>
+              <a:t> </a:t>
+            </a:r>
+          </a:p>
         </p:txBody>
       </p:sp>
       <p:sp>
@@ -16989,7 +17014,7 @@
           <a:p>
             <a:fld id="{31DE2C5B-556E-47B8-A792-024C2FCA4ACC}" type="slidenum">
               <a:rPr lang="en-GB" smtClean="0"/>
-              <a:t>33</a:t>
+              <a:t>38</a:t>
             </a:fld>
             <a:endParaRPr lang="en-GB"/>
           </a:p>
@@ -17143,7 +17168,7 @@
         <p:spPr>
           <a:xfrm>
             <a:off x="5492621" y="2432916"/>
-            <a:ext cx="3947677" cy="400110"/>
+            <a:ext cx="4565779" cy="400110"/>
           </a:xfrm>
           <a:prstGeom prst="rect">
             <a:avLst/>
@@ -17160,7 +17185,7 @@
               <a:rPr lang="en-US" sz="2000" dirty="0">
                 <a:latin typeface="Palatino Linotype" panose="02040502050505030304" pitchFamily="18" charset="0"/>
               </a:rPr>
-              <a:t>Name of the file in the server</a:t>
+              <a:t>Name of the resource in the server</a:t>
             </a:r>
           </a:p>
         </p:txBody>
@@ -17204,7 +17229,9 @@
       <p:cxnSp>
         <p:nvCxnSpPr>
           <p:cNvPr id="7" name="Connettore 2 6"/>
-          <p:cNvCxnSpPr/>
+          <p:cNvCxnSpPr>
+            <a:cxnSpLocks/>
+          </p:cNvCxnSpPr>
           <p:nvPr/>
         </p:nvCxnSpPr>
         <p:spPr>
@@ -17246,7 +17273,7 @@
         <p:spPr>
           <a:xfrm>
             <a:off x="2443302" y="2792109"/>
-            <a:ext cx="4296369" cy="461665"/>
+            <a:ext cx="4227439" cy="461665"/>
           </a:xfrm>
           <a:prstGeom prst="rect">
             <a:avLst/>
@@ -17262,7 +17289,7 @@
               <a:rPr lang="en-US" sz="2400" b="1" dirty="0">
                 <a:latin typeface="Palatino Linotype" panose="02040502050505030304" pitchFamily="18" charset="0"/>
               </a:rPr>
-              <a:t>METHOD filename protocol </a:t>
+              <a:t>METHOD resource protocol </a:t>
             </a:r>
           </a:p>
         </p:txBody>
@@ -17411,6 +17438,7 @@
         <p:nvCxnSpPr>
           <p:cNvPr id="22" name="Connettore 2 21"/>
           <p:cNvCxnSpPr>
+            <a:cxnSpLocks/>
             <a:stCxn id="18" idx="3"/>
           </p:cNvCxnSpPr>
           <p:nvPr/>
@@ -17748,15 +17776,7 @@
           <a:p>
             <a:r>
               <a:rPr lang="it-IT" dirty="0"/>
-              <a:t>The </a:t>
-            </a:r>
-            <a:r>
-              <a:rPr lang="it-IT" dirty="0" err="1"/>
-              <a:t>names</a:t>
-            </a:r>
-            <a:r>
-              <a:rPr lang="it-IT" dirty="0"/>
-              <a:t> of </a:t>
+              <a:t>HTTP </a:t>
             </a:r>
             <a:r>
               <a:rPr lang="it-IT" dirty="0" err="1"/>
@@ -17764,8 +17784,41 @@
             </a:r>
             <a:r>
               <a:rPr lang="it-IT" dirty="0"/>
-              <a:t> are case-sensitive.</a:t>
-            </a:r>
+              <a:t> indicate the </a:t>
+            </a:r>
+            <a:r>
+              <a:rPr lang="it-IT" b="1" dirty="0" err="1"/>
+              <a:t>desired</a:t>
+            </a:r>
+            <a:r>
+              <a:rPr lang="it-IT" b="1" dirty="0"/>
+              <a:t> action </a:t>
+            </a:r>
+            <a:r>
+              <a:rPr lang="it-IT" dirty="0"/>
+              <a:t>to be </a:t>
+            </a:r>
+            <a:r>
+              <a:rPr lang="it-IT" dirty="0" err="1"/>
+              <a:t>performed</a:t>
+            </a:r>
+            <a:r>
+              <a:rPr lang="it-IT" dirty="0"/>
+              <a:t> for a </a:t>
+            </a:r>
+            <a:r>
+              <a:rPr lang="it-IT" dirty="0" err="1"/>
+              <a:t>given</a:t>
+            </a:r>
+            <a:r>
+              <a:rPr lang="it-IT" dirty="0"/>
+              <a:t> </a:t>
+            </a:r>
+            <a:r>
+              <a:rPr lang="it-IT" dirty="0" err="1"/>
+              <a:t>resource</a:t>
+            </a:r>
+            <a:endParaRPr lang="it-IT" dirty="0"/>
           </a:p>
           <a:p>
             <a:endParaRPr lang="en-GB" dirty="0"/>
@@ -17781,14 +17834,14 @@
           <p:nvPr>
             <p:extLst>
               <p:ext uri="{D42A27DB-BD31-4B8C-83A1-F6EECF244321}">
-                <p14:modId xmlns:p14="http://schemas.microsoft.com/office/powerpoint/2010/main" val="1357832497"/>
+                <p14:modId xmlns:p14="http://schemas.microsoft.com/office/powerpoint/2010/main" val="695410915"/>
               </p:ext>
             </p:extLst>
           </p:nvPr>
         </p:nvGraphicFramePr>
         <p:xfrm>
-          <a:off x="2528193" y="2008910"/>
-          <a:ext cx="7015872" cy="3962400"/>
+          <a:off x="815007" y="1845659"/>
+          <a:ext cx="10315448" cy="4876800"/>
         </p:xfrm>
         <a:graphic>
           <a:graphicData uri="http://schemas.openxmlformats.org/drawingml/2006/table">
@@ -17797,14 +17850,14 @@
                 <a:tableStyleId>{93296810-A885-4BE3-A3E7-6D5BEEA58F35}</a:tableStyleId>
               </a:tblPr>
               <a:tblGrid>
-                <a:gridCol w="2693963">
+                <a:gridCol w="3960938">
                   <a:extLst>
                     <a:ext uri="{9D8B030D-6E8A-4147-A177-3AD203B41FA5}">
                       <a16:colId xmlns:a16="http://schemas.microsoft.com/office/drawing/2014/main" val="3915886180"/>
                     </a:ext>
                   </a:extLst>
                 </a:gridCol>
-                <a:gridCol w="4321909">
+                <a:gridCol w="6354510">
                   <a:extLst>
                     <a:ext uri="{9D8B030D-6E8A-4147-A177-3AD203B41FA5}">
                       <a16:colId xmlns:a16="http://schemas.microsoft.com/office/drawing/2014/main" val="1076490094"/>
@@ -17839,7 +17892,7 @@
                         <a:rPr lang="en-US" sz="2000" noProof="0" dirty="0">
                           <a:latin typeface="Palatino Linotype" panose="02040502050505030304" pitchFamily="18" charset="0"/>
                         </a:rPr>
-                        <a:t>Description</a:t>
+                        <a:t>Desired action</a:t>
                       </a:r>
                     </a:p>
                   </a:txBody>
@@ -17876,7 +17929,7 @@
                         <a:rPr lang="en-US" sz="2000" noProof="0" dirty="0">
                           <a:latin typeface="Palatino Linotype" panose="02040502050505030304" pitchFamily="18" charset="0"/>
                         </a:rPr>
-                        <a:t>Read a Web page</a:t>
+                        <a:t>Retrieves a resource</a:t>
                       </a:r>
                     </a:p>
                   </a:txBody>
@@ -17913,7 +17966,7 @@
                         <a:rPr lang="en-US" sz="2000" noProof="0" dirty="0">
                           <a:latin typeface="Palatino Linotype" panose="02040502050505030304" pitchFamily="18" charset="0"/>
                         </a:rPr>
-                        <a:t>Read a Web page’s header</a:t>
+                        <a:t>Retrieves a resource header</a:t>
                       </a:r>
                     </a:p>
                   </a:txBody>
@@ -17950,7 +18003,7 @@
                         <a:rPr lang="en-US" sz="2000" noProof="0" dirty="0">
                           <a:latin typeface="Palatino Linotype" panose="02040502050505030304" pitchFamily="18" charset="0"/>
                         </a:rPr>
-                        <a:t>Append to a Web page</a:t>
+                        <a:t>Submits an entity to the specified resource (causes a change of server state)</a:t>
                       </a:r>
                     </a:p>
                   </a:txBody>
@@ -17984,16 +18037,10 @@
                     <a:lstStyle/>
                     <a:p>
                       <a:r>
-                        <a:rPr lang="en-US" sz="2000" noProof="0" dirty="0">
-                          <a:latin typeface="Palatino Linotype" panose="02040502050505030304" pitchFamily="18" charset="0"/>
-                        </a:rPr>
-                        <a:t>Store</a:t>
-                      </a:r>
-                      <a:r>
                         <a:rPr lang="en-US" sz="2000" baseline="0" noProof="0" dirty="0">
                           <a:latin typeface="Palatino Linotype" panose="02040502050505030304" pitchFamily="18" charset="0"/>
                         </a:rPr>
-                        <a:t> a Web page</a:t>
+                        <a:t>Replaces all current representations of the target resource with the request payload.</a:t>
                       </a:r>
                       <a:endParaRPr lang="en-US" sz="2000" noProof="0" dirty="0">
                         <a:latin typeface="Palatino Linotype" panose="02040502050505030304" pitchFamily="18" charset="0"/>
@@ -18033,17 +18080,8 @@
                         <a:rPr lang="en-US" sz="2000" noProof="0" dirty="0">
                           <a:latin typeface="Palatino Linotype" panose="02040502050505030304" pitchFamily="18" charset="0"/>
                         </a:rPr>
-                        <a:t>Remove a Web</a:t>
+                        <a:t>Deletes a resource</a:t>
                       </a:r>
-                      <a:r>
-                        <a:rPr lang="en-US" sz="2000" baseline="0" noProof="0" dirty="0">
-                          <a:latin typeface="Palatino Linotype" panose="02040502050505030304" pitchFamily="18" charset="0"/>
-                        </a:rPr>
-                        <a:t> page</a:t>
-                      </a:r>
-                      <a:endParaRPr lang="en-US" sz="2000" noProof="0" dirty="0">
-                        <a:latin typeface="Palatino Linotype" panose="02040502050505030304" pitchFamily="18" charset="0"/>
-                      </a:endParaRPr>
                     </a:p>
                   </a:txBody>
                   <a:tcPr/>
@@ -18079,7 +18117,7 @@
                         <a:rPr lang="en-US" sz="2000" noProof="0" dirty="0">
                           <a:latin typeface="Palatino Linotype" panose="02040502050505030304" pitchFamily="18" charset="0"/>
                         </a:rPr>
-                        <a:t>Echo the incoming</a:t>
+                        <a:t>Echoes the incoming</a:t>
                       </a:r>
                       <a:r>
                         <a:rPr lang="en-US" sz="2000" baseline="0" noProof="0" dirty="0">
@@ -18125,7 +18163,7 @@
                         <a:rPr lang="en-US" sz="2000" noProof="0" dirty="0">
                           <a:latin typeface="Palatino Linotype" panose="02040502050505030304" pitchFamily="18" charset="0"/>
                         </a:rPr>
-                        <a:t>Connect through a proxy</a:t>
+                        <a:t>Establishes a tunnel to the server identified by the target resource</a:t>
                       </a:r>
                     </a:p>
                   </a:txBody>
@@ -18162,7 +18200,7 @@
                         <a:rPr lang="en-US" sz="2000" noProof="0" dirty="0">
                           <a:latin typeface="Palatino Linotype" panose="02040502050505030304" pitchFamily="18" charset="0"/>
                         </a:rPr>
-                        <a:t>Query options for a web page</a:t>
+                        <a:t>Describes the communication option for a resource</a:t>
                       </a:r>
                     </a:p>
                   </a:txBody>
@@ -18199,17 +18237,8 @@
                         <a:rPr lang="en-US" sz="2000" noProof="0" dirty="0">
                           <a:latin typeface="Palatino Linotype" panose="02040502050505030304" pitchFamily="18" charset="0"/>
                         </a:rPr>
-                        <a:t>Change</a:t>
+                        <a:t>Applies partial modifications to a resource</a:t>
                       </a:r>
-                      <a:r>
-                        <a:rPr lang="en-US" sz="2000" baseline="0" noProof="0" dirty="0">
-                          <a:latin typeface="Palatino Linotype" panose="02040502050505030304" pitchFamily="18" charset="0"/>
-                        </a:rPr>
-                        <a:t> the state of the resource</a:t>
-                      </a:r>
-                      <a:endParaRPr lang="en-US" sz="2000" noProof="0" dirty="0">
-                        <a:latin typeface="Palatino Linotype" panose="02040502050505030304" pitchFamily="18" charset="0"/>
-                      </a:endParaRPr>
                     </a:p>
                   </a:txBody>
                   <a:tcPr/>
@@ -19628,7 +19657,17 @@
             </a:r>
             <a:r>
               <a:rPr lang="en-US" dirty="0"/>
-              <a:t>: It requests the server to send a page or an object. It only retrieves data.</a:t>
+              <a:t>: </a:t>
+            </a:r>
+            <a:r>
+              <a:rPr lang="en-US" sz="2400" noProof="0" dirty="0">
+                <a:latin typeface="Palatino Linotype" panose="02040502050505030304" pitchFamily="18" charset="0"/>
+              </a:rPr>
+              <a:t>Retrieves a resource</a:t>
+            </a:r>
+            <a:r>
+              <a:rPr lang="en-US" dirty="0"/>
+              <a:t>.</a:t>
             </a:r>
           </a:p>
           <a:p>
@@ -19637,15 +19676,7 @@
             </a:pPr>
             <a:r>
               <a:rPr lang="en-US" dirty="0"/>
-              <a:t>			GET /wiki/</a:t>
-            </a:r>
-            <a:r>
-              <a:rPr lang="en-US" dirty="0" err="1"/>
-              <a:t>Hypertext_Transfer_Protocol</a:t>
-            </a:r>
-            <a:r>
-              <a:rPr lang="en-US" dirty="0"/>
-              <a:t> HTTP/1.1 </a:t>
+              <a:t>			GET / HTTP/1.1 </a:t>
             </a:r>
           </a:p>
           <a:p>
@@ -19654,8 +19685,13 @@
             </a:pPr>
             <a:r>
               <a:rPr lang="en-US" dirty="0"/>
-              <a:t>			Host: en.wikipedia.org</a:t>
-            </a:r>
+              <a:t>			Host: </a:t>
+            </a:r>
+            <a:r>
+              <a:rPr lang="en-US" dirty="0" err="1"/>
+              <a:t>www.example.com</a:t>
+            </a:r>
+            <a:endParaRPr lang="en-US" dirty="0"/>
           </a:p>
           <a:p>
             <a:pPr marL="0" indent="0">
@@ -19695,7 +19731,7 @@
         </p:blipFill>
         <p:spPr>
           <a:xfrm>
-            <a:off x="7105401" y="3619219"/>
+            <a:off x="7186152" y="3415958"/>
             <a:ext cx="4549534" cy="3238781"/>
           </a:xfrm>
           <a:prstGeom prst="rect">
@@ -19771,7 +19807,7 @@
         </p:nvSpPr>
         <p:spPr>
           <a:xfrm>
-            <a:off x="7041667" y="3158440"/>
+            <a:off x="7041667" y="2975239"/>
             <a:ext cx="2419252" cy="400110"/>
           </a:xfrm>
           <a:prstGeom prst="rect">

--- a/theory_05-http/theory_05-http.pptx
+++ b/theory_05-http/theory_05-http.pptx
@@ -234,7 +234,7 @@
           <a:p>
             <a:fld id="{19630131-546D-4C3D-A834-ED891C14EF89}" type="datetimeFigureOut">
               <a:rPr lang="en-GB" smtClean="0"/>
-              <a:t>16/02/2024</a:t>
+              <a:t>26/03/2024</a:t>
             </a:fld>
             <a:endParaRPr lang="en-GB"/>
           </a:p>
@@ -8457,7 +8457,7 @@
               <a:rPr lang="en-US" sz="1800" dirty="0">
                 <a:sym typeface="Wingdings" panose="05000000000000000000" pitchFamily="2" charset="2"/>
               </a:rPr>
-              <a:t>: The cache is consulted, and if it has a copy of a page for the requested URL that is known to be fresh (i.e., still valid), there is no need to fetch it anew from the server. The validity time is obtained by the </a:t>
+              <a:t>: The cache is consulted, and if it has a copy of a page for the requested URL that is known to be fresh (i.e., still valid), there is no need to fetch it new from the server. The validity time is obtained by the </a:t>
             </a:r>
             <a:r>
               <a:rPr lang="en-US" sz="1800" i="1" dirty="0">
@@ -12064,7 +12064,7 @@
           <a:p>
             <a:r>
               <a:rPr lang="en-US" sz="1800" dirty="0"/>
-              <a:t>Common server-side languages: </a:t>
+              <a:t>Common client-side languages: </a:t>
             </a:r>
             <a:r>
               <a:rPr lang="en-US" sz="1800" dirty="0" err="1"/>
